--- a/optimization-methods-for-artificial-intelligence/optimization-advanced.pptx
+++ b/optimization-methods-for-artificial-intelligence/optimization-advanced.pptx
@@ -1316,16 +1316,7 @@
                 </a:solidFill>
                 <a:latin typeface="+mn-lt"/>
               </a:rPr>
-              <a:t>TITLE OF THE PRESENTATION HERE (MODIFY IN VIEW -&gt; MASK</a:t>
-            </a:r>
-            <a:r>
-              <a:rPr lang="it-IT" sz="1000" baseline="0" dirty="0">
-                <a:solidFill>
-                  <a:srgbClr val="275662"/>
-                </a:solidFill>
-                <a:latin typeface="+mn-lt"/>
-              </a:rPr>
-              <a:t> / AFFICHAGE -&gt; MASQUE DE DIAPOSITIVES) </a:t>
+              <a:t>Optimization: Advanced topics</a:t>
             </a:r>
             <a:endParaRPr lang="fr-FR" sz="1000" dirty="0">
               <a:solidFill>
@@ -1881,6 +1872,12 @@
               <a:t>Expensive objective function</a:t>
             </a:r>
           </a:p>
+          <a:p>
+            <a:r>
+              <a:rPr lang="en-US" dirty="0"/>
+              <a:t>Dynamic objective function</a:t>
+            </a:r>
+          </a:p>
         </p:txBody>
       </p:sp>
     </p:spTree>

--- a/optimization-methods-for-artificial-intelligence/optimization-advanced.pptx
+++ b/optimization-methods-for-artificial-intelligence/optimization-advanced.pptx
@@ -8,10 +8,22 @@
     <p:sldId id="257" r:id="rId2"/>
     <p:sldId id="258" r:id="rId3"/>
     <p:sldId id="259" r:id="rId4"/>
-    <p:sldId id="260" r:id="rId5"/>
-    <p:sldId id="261" r:id="rId6"/>
-    <p:sldId id="262" r:id="rId7"/>
-    <p:sldId id="263" r:id="rId8"/>
+    <p:sldId id="278" r:id="rId5"/>
+    <p:sldId id="277" r:id="rId6"/>
+    <p:sldId id="276" r:id="rId7"/>
+    <p:sldId id="264" r:id="rId8"/>
+    <p:sldId id="270" r:id="rId9"/>
+    <p:sldId id="271" r:id="rId10"/>
+    <p:sldId id="260" r:id="rId11"/>
+    <p:sldId id="261" r:id="rId12"/>
+    <p:sldId id="262" r:id="rId13"/>
+    <p:sldId id="263" r:id="rId14"/>
+    <p:sldId id="272" r:id="rId15"/>
+    <p:sldId id="273" r:id="rId16"/>
+    <p:sldId id="274" r:id="rId17"/>
+    <p:sldId id="265" r:id="rId18"/>
+    <p:sldId id="275" r:id="rId19"/>
+    <p:sldId id="269" r:id="rId20"/>
   </p:sldIdLst>
   <p:sldSz cx="12192000" cy="6858000"/>
   <p:notesSz cx="6858000" cy="9144000"/>
@@ -1801,99 +1813,7 @@
 </p:sld>
 </file>
 
-<file path=ppt/slides/slide2.xml><?xml version="1.0" encoding="utf-8"?>
-<p:sld xmlns:a="http://schemas.openxmlformats.org/drawingml/2006/main" xmlns:r="http://schemas.openxmlformats.org/officeDocument/2006/relationships" xmlns:p="http://schemas.openxmlformats.org/presentationml/2006/main">
-  <p:cSld>
-    <p:spTree>
-      <p:nvGrpSpPr>
-        <p:cNvPr id="1" name=""/>
-        <p:cNvGrpSpPr/>
-        <p:nvPr/>
-      </p:nvGrpSpPr>
-      <p:grpSpPr>
-        <a:xfrm>
-          <a:off x="0" y="0"/>
-          <a:ext cx="0" cy="0"/>
-          <a:chOff x="0" y="0"/>
-          <a:chExt cx="0" cy="0"/>
-        </a:xfrm>
-      </p:grpSpPr>
-      <p:sp>
-        <p:nvSpPr>
-          <p:cNvPr id="4" name="Titre 3"/>
-          <p:cNvSpPr>
-            <a:spLocks noGrp="1"/>
-          </p:cNvSpPr>
-          <p:nvPr>
-            <p:ph type="title"/>
-          </p:nvPr>
-        </p:nvSpPr>
-        <p:spPr/>
-        <p:txBody>
-          <a:bodyPr/>
-          <a:lstStyle/>
-          <a:p>
-            <a:r>
-              <a:rPr lang="en-US" dirty="0"/>
-              <a:t>Outline</a:t>
-            </a:r>
-          </a:p>
-        </p:txBody>
-      </p:sp>
-      <p:sp>
-        <p:nvSpPr>
-          <p:cNvPr id="5" name="Espace réservé du texte 4"/>
-          <p:cNvSpPr>
-            <a:spLocks noGrp="1"/>
-          </p:cNvSpPr>
-          <p:nvPr>
-            <p:ph type="body" sz="quarter" idx="10"/>
-          </p:nvPr>
-        </p:nvSpPr>
-        <p:spPr/>
-        <p:txBody>
-          <a:bodyPr/>
-          <a:lstStyle/>
-          <a:p>
-            <a:r>
-              <a:rPr lang="en-US" dirty="0"/>
-              <a:t>Finding more optima</a:t>
-            </a:r>
-          </a:p>
-          <a:p>
-            <a:r>
-              <a:rPr lang="en-US" dirty="0"/>
-              <a:t>Flat objective function</a:t>
-            </a:r>
-          </a:p>
-          <a:p>
-            <a:r>
-              <a:rPr lang="en-US" dirty="0"/>
-              <a:t>Expensive objective function</a:t>
-            </a:r>
-          </a:p>
-          <a:p>
-            <a:r>
-              <a:rPr lang="en-US" dirty="0"/>
-              <a:t>Dynamic objective function</a:t>
-            </a:r>
-          </a:p>
-        </p:txBody>
-      </p:sp>
-    </p:spTree>
-    <p:extLst>
-      <p:ext uri="{BB962C8B-B14F-4D97-AF65-F5344CB8AC3E}">
-        <p14:creationId xmlns:p14="http://schemas.microsoft.com/office/powerpoint/2010/main" val="454349701"/>
-      </p:ext>
-    </p:extLst>
-  </p:cSld>
-  <p:clrMapOvr>
-    <a:masterClrMapping/>
-  </p:clrMapOvr>
-</p:sld>
-</file>
-
-<file path=ppt/slides/slide3.xml><?xml version="1.0" encoding="utf-8"?>
+<file path=ppt/slides/slide10.xml><?xml version="1.0" encoding="utf-8"?>
 <p:sld xmlns:a="http://schemas.openxmlformats.org/drawingml/2006/main" xmlns:r="http://schemas.openxmlformats.org/officeDocument/2006/relationships" xmlns:p="http://schemas.openxmlformats.org/presentationml/2006/main">
   <p:cSld>
     <p:spTree>
@@ -1915,7 +1835,7 @@
           <p:cNvPr id="2" name="Titre 1">
             <a:extLst>
               <a:ext uri="{FF2B5EF4-FFF2-40B4-BE49-F238E27FC236}">
-                <a16:creationId xmlns:a16="http://schemas.microsoft.com/office/drawing/2014/main" id="{8C1E9F50-A1B4-47BF-AD9A-9A880F80BFA7}"/>
+                <a16:creationId xmlns:a16="http://schemas.microsoft.com/office/drawing/2014/main" id="{A86BDE3C-81BA-46F6-A1F8-1E1D5F52A534}"/>
               </a:ext>
             </a:extLst>
           </p:cNvPr>
@@ -1933,7 +1853,7 @@
           <a:p>
             <a:r>
               <a:rPr lang="en-US" dirty="0"/>
-              <a:t>Finding more optima</a:t>
+              <a:t>Flat objective functions</a:t>
             </a:r>
           </a:p>
         </p:txBody>
@@ -1943,7 +1863,7 @@
           <p:cNvPr id="3" name="Espace réservé du texte 2">
             <a:extLst>
               <a:ext uri="{FF2B5EF4-FFF2-40B4-BE49-F238E27FC236}">
-                <a16:creationId xmlns:a16="http://schemas.microsoft.com/office/drawing/2014/main" id="{08772E4A-E3AC-4D6B-BBD0-5CB19363A352}"/>
+                <a16:creationId xmlns:a16="http://schemas.microsoft.com/office/drawing/2014/main" id="{3EBEF8AA-136E-4887-A114-62B0581ECA4F}"/>
               </a:ext>
             </a:extLst>
           </p:cNvPr>
@@ -1961,21 +1881,216 @@
           <a:p>
             <a:r>
               <a:rPr lang="en-US" dirty="0"/>
-              <a:t>Niching</a:t>
-            </a:r>
-          </a:p>
-          <a:p>
-            <a:r>
-              <a:rPr lang="en-US" dirty="0"/>
-              <a:t>Salto technique</a:t>
+              <a:t>Your objective function has the </a:t>
+            </a:r>
+            <a:r>
+              <a:rPr lang="en-US" b="1" dirty="0"/>
+              <a:t>same value</a:t>
+            </a:r>
+            <a:r>
+              <a:rPr lang="en-US" dirty="0"/>
+              <a:t> everywhere…</a:t>
+            </a:r>
+          </a:p>
+          <a:p>
+            <a:r>
+              <a:rPr lang="en-US" dirty="0"/>
+              <a:t>…EXCEPT in </a:t>
+            </a:r>
+            <a:r>
+              <a:rPr lang="en-US" b="1" dirty="0"/>
+              <a:t>one (or few) specific points</a:t>
+            </a:r>
+            <a:r>
+              <a:rPr lang="en-US" dirty="0"/>
+              <a:t> you are interested in</a:t>
+            </a:r>
+          </a:p>
+          <a:p>
+            <a:r>
+              <a:rPr lang="en-US" dirty="0"/>
+              <a:t>Example: bug in software/hardware</a:t>
             </a:r>
           </a:p>
         </p:txBody>
       </p:sp>
+      <p:pic>
+        <p:nvPicPr>
+          <p:cNvPr id="1026" name="Picture 2" descr="Dirac delta function - Wikipedia">
+            <a:extLst>
+              <a:ext uri="{FF2B5EF4-FFF2-40B4-BE49-F238E27FC236}">
+                <a16:creationId xmlns:a16="http://schemas.microsoft.com/office/drawing/2014/main" id="{32A00A60-5448-415B-AC52-7A704C4DFF4E}"/>
+              </a:ext>
+            </a:extLst>
+          </p:cNvPr>
+          <p:cNvPicPr>
+            <a:picLocks noChangeAspect="1" noChangeArrowheads="1"/>
+          </p:cNvPicPr>
+          <p:nvPr/>
+        </p:nvPicPr>
+        <p:blipFill>
+          <a:blip r:embed="rId2">
+            <a:extLst>
+              <a:ext uri="{28A0092B-C50C-407E-A947-70E740481C1C}">
+                <a14:useLocalDpi xmlns:a14="http://schemas.microsoft.com/office/drawing/2010/main" val="0"/>
+              </a:ext>
+            </a:extLst>
+          </a:blip>
+          <a:srcRect/>
+          <a:stretch>
+            <a:fillRect/>
+          </a:stretch>
+        </p:blipFill>
+        <p:spPr bwMode="auto">
+          <a:xfrm>
+            <a:off x="7311600" y="3316137"/>
+            <a:ext cx="4231310" cy="3176737"/>
+          </a:xfrm>
+          <a:prstGeom prst="rect">
+            <a:avLst/>
+          </a:prstGeom>
+          <a:noFill/>
+          <a:extLst>
+            <a:ext uri="{909E8E84-426E-40DD-AFC4-6F175D3DCCD1}">
+              <a14:hiddenFill xmlns:a14="http://schemas.microsoft.com/office/drawing/2010/main">
+                <a:solidFill>
+                  <a:srgbClr val="FFFFFF"/>
+                </a:solidFill>
+              </a14:hiddenFill>
+            </a:ext>
+          </a:extLst>
+        </p:spPr>
+      </p:pic>
+      <mc:AlternateContent xmlns:mc="http://schemas.openxmlformats.org/markup-compatibility/2006" xmlns:a14="http://schemas.microsoft.com/office/drawing/2010/main">
+        <mc:Choice Requires="a14">
+          <p:sp>
+            <p:nvSpPr>
+              <p:cNvPr id="4" name="ZoneTexte 3">
+                <a:extLst>
+                  <a:ext uri="{FF2B5EF4-FFF2-40B4-BE49-F238E27FC236}">
+                    <a16:creationId xmlns:a16="http://schemas.microsoft.com/office/drawing/2014/main" id="{B355FAAE-638B-4BA7-A274-08C6358006E0}"/>
+                  </a:ext>
+                </a:extLst>
+              </p:cNvPr>
+              <p:cNvSpPr txBox="1"/>
+              <p:nvPr/>
+            </p:nvSpPr>
+            <p:spPr>
+              <a:xfrm>
+                <a:off x="7791053" y="3605623"/>
+                <a:ext cx="722722" cy="523220"/>
+              </a:xfrm>
+              <a:prstGeom prst="rect">
+                <a:avLst/>
+              </a:prstGeom>
+              <a:noFill/>
+            </p:spPr>
+            <p:txBody>
+              <a:bodyPr wrap="square" rtlCol="0">
+                <a:spAutoFit/>
+              </a:bodyPr>
+              <a:lstStyle/>
+              <a:p>
+                <a:pPr/>
+                <a14:m>
+                  <m:oMathPara xmlns:m="http://schemas.openxmlformats.org/officeDocument/2006/math">
+                    <m:oMathParaPr>
+                      <m:jc m:val="centerGroup"/>
+                    </m:oMathParaPr>
+                    <m:oMath xmlns:m="http://schemas.openxmlformats.org/officeDocument/2006/math">
+                      <m:r>
+                        <a:rPr lang="it-IT" sz="2800" b="0" i="1" smtClean="0">
+                          <a:solidFill>
+                            <a:srgbClr val="0070C0"/>
+                          </a:solidFill>
+                          <a:latin typeface="Cambria Math" panose="02040503050406030204" pitchFamily="18" charset="0"/>
+                        </a:rPr>
+                        <m:t>𝑓</m:t>
+                      </m:r>
+                      <m:r>
+                        <a:rPr lang="it-IT" sz="2800" b="0" i="1" smtClean="0">
+                          <a:solidFill>
+                            <a:srgbClr val="0070C0"/>
+                          </a:solidFill>
+                          <a:latin typeface="Cambria Math" panose="02040503050406030204" pitchFamily="18" charset="0"/>
+                        </a:rPr>
+                        <m:t>(</m:t>
+                      </m:r>
+                      <m:r>
+                        <a:rPr lang="it-IT" sz="2800" b="0" i="1" smtClean="0">
+                          <a:solidFill>
+                            <a:srgbClr val="0070C0"/>
+                          </a:solidFill>
+                          <a:latin typeface="Cambria Math" panose="02040503050406030204" pitchFamily="18" charset="0"/>
+                        </a:rPr>
+                        <m:t>𝑥</m:t>
+                      </m:r>
+                      <m:r>
+                        <a:rPr lang="it-IT" sz="2800" b="0" i="1" smtClean="0">
+                          <a:solidFill>
+                            <a:srgbClr val="0070C0"/>
+                          </a:solidFill>
+                          <a:latin typeface="Cambria Math" panose="02040503050406030204" pitchFamily="18" charset="0"/>
+                        </a:rPr>
+                        <m:t>)</m:t>
+                      </m:r>
+                    </m:oMath>
+                  </m:oMathPara>
+                </a14:m>
+                <a:endParaRPr lang="en-US" sz="2800" dirty="0"/>
+              </a:p>
+            </p:txBody>
+          </p:sp>
+        </mc:Choice>
+        <mc:Fallback xmlns="">
+          <p:sp>
+            <p:nvSpPr>
+              <p:cNvPr id="4" name="ZoneTexte 3">
+                <a:extLst>
+                  <a:ext uri="{FF2B5EF4-FFF2-40B4-BE49-F238E27FC236}">
+                    <a16:creationId xmlns:a16="http://schemas.microsoft.com/office/drawing/2014/main" id="{B355FAAE-638B-4BA7-A274-08C6358006E0}"/>
+                  </a:ext>
+                </a:extLst>
+              </p:cNvPr>
+              <p:cNvSpPr txBox="1">
+                <a:spLocks noRot="1" noChangeAspect="1" noMove="1" noResize="1" noEditPoints="1" noAdjustHandles="1" noChangeArrowheads="1" noChangeShapeType="1" noTextEdit="1"/>
+              </p:cNvSpPr>
+              <p:nvPr/>
+            </p:nvSpPr>
+            <p:spPr>
+              <a:xfrm>
+                <a:off x="7791053" y="3605623"/>
+                <a:ext cx="722722" cy="523220"/>
+              </a:xfrm>
+              <a:prstGeom prst="rect">
+                <a:avLst/>
+              </a:prstGeom>
+              <a:blipFill>
+                <a:blip r:embed="rId3"/>
+                <a:stretch>
+                  <a:fillRect r="-5882"/>
+                </a:stretch>
+              </a:blipFill>
+            </p:spPr>
+            <p:txBody>
+              <a:bodyPr/>
+              <a:lstStyle/>
+              <a:p>
+                <a:r>
+                  <a:rPr lang="en-US">
+                    <a:noFill/>
+                  </a:rPr>
+                  <a:t> </a:t>
+                </a:r>
+              </a:p>
+            </p:txBody>
+          </p:sp>
+        </mc:Fallback>
+      </mc:AlternateContent>
     </p:spTree>
     <p:extLst>
       <p:ext uri="{BB962C8B-B14F-4D97-AF65-F5344CB8AC3E}">
-        <p14:creationId xmlns:p14="http://schemas.microsoft.com/office/powerpoint/2010/main" val="1661753176"/>
+        <p14:creationId xmlns:p14="http://schemas.microsoft.com/office/powerpoint/2010/main" val="496957800"/>
       </p:ext>
     </p:extLst>
   </p:cSld>
@@ -1985,7 +2100,7 @@
 </p:sld>
 </file>
 
-<file path=ppt/slides/slide4.xml><?xml version="1.0" encoding="utf-8"?>
+<file path=ppt/slides/slide11.xml><?xml version="1.0" encoding="utf-8"?>
 <p:sld xmlns:a="http://schemas.openxmlformats.org/drawingml/2006/main" xmlns:r="http://schemas.openxmlformats.org/officeDocument/2006/relationships" xmlns:p="http://schemas.openxmlformats.org/presentationml/2006/main">
   <p:cSld>
     <p:spTree>
@@ -2007,7 +2122,7 @@
           <p:cNvPr id="2" name="Titre 1">
             <a:extLst>
               <a:ext uri="{FF2B5EF4-FFF2-40B4-BE49-F238E27FC236}">
-                <a16:creationId xmlns:a16="http://schemas.microsoft.com/office/drawing/2014/main" id="{A86BDE3C-81BA-46F6-A1F8-1E1D5F52A534}"/>
+                <a16:creationId xmlns:a16="http://schemas.microsoft.com/office/drawing/2014/main" id="{8B8B4A80-03C3-4E7B-8AE6-2C0DF0D4E611}"/>
               </a:ext>
             </a:extLst>
           </p:cNvPr>
@@ -2025,73 +2140,296 @@
           <a:p>
             <a:r>
               <a:rPr lang="en-US" dirty="0"/>
-              <a:t>Flat objective function</a:t>
+              <a:t>Flat objective functions</a:t>
             </a:r>
           </a:p>
         </p:txBody>
       </p:sp>
-      <p:sp>
-        <p:nvSpPr>
-          <p:cNvPr id="3" name="Espace réservé du texte 2">
-            <a:extLst>
-              <a:ext uri="{FF2B5EF4-FFF2-40B4-BE49-F238E27FC236}">
-                <a16:creationId xmlns:a16="http://schemas.microsoft.com/office/drawing/2014/main" id="{3EBEF8AA-136E-4887-A114-62B0581ECA4F}"/>
-              </a:ext>
-            </a:extLst>
-          </p:cNvPr>
-          <p:cNvSpPr>
-            <a:spLocks noGrp="1"/>
-          </p:cNvSpPr>
-          <p:nvPr>
-            <p:ph type="body" sz="quarter" idx="10"/>
-          </p:nvPr>
-        </p:nvSpPr>
-        <p:spPr/>
-        <p:txBody>
-          <a:bodyPr/>
-          <a:lstStyle/>
-          <a:p>
-            <a:r>
-              <a:rPr lang="en-US" dirty="0"/>
-              <a:t>Your objective function has the </a:t>
-            </a:r>
-            <a:r>
-              <a:rPr lang="en-US" b="1" dirty="0"/>
-              <a:t>same value</a:t>
-            </a:r>
-            <a:r>
-              <a:rPr lang="en-US" dirty="0"/>
-              <a:t> everywhere…</a:t>
-            </a:r>
-          </a:p>
-          <a:p>
-            <a:r>
-              <a:rPr lang="en-US" dirty="0"/>
-              <a:t>…EXCEPT in </a:t>
-            </a:r>
-            <a:r>
-              <a:rPr lang="en-US" b="1" dirty="0"/>
-              <a:t>one (or few) specific points</a:t>
-            </a:r>
-            <a:r>
-              <a:rPr lang="en-US" dirty="0"/>
-              <a:t> you are interested in</a:t>
-            </a:r>
-          </a:p>
-          <a:p>
-            <a:r>
-              <a:rPr lang="en-US" dirty="0"/>
-              <a:t>Example: bug in software/hardware</a:t>
-            </a:r>
-          </a:p>
-        </p:txBody>
-      </p:sp>
+      <mc:AlternateContent xmlns:mc="http://schemas.openxmlformats.org/markup-compatibility/2006" xmlns:a14="http://schemas.microsoft.com/office/drawing/2010/main">
+        <mc:Choice Requires="a14">
+          <p:sp>
+            <p:nvSpPr>
+              <p:cNvPr id="3" name="Espace réservé du texte 2">
+                <a:extLst>
+                  <a:ext uri="{FF2B5EF4-FFF2-40B4-BE49-F238E27FC236}">
+                    <a16:creationId xmlns:a16="http://schemas.microsoft.com/office/drawing/2014/main" id="{FAA9DB74-D636-4446-B100-6B15F5435B0B}"/>
+                  </a:ext>
+                </a:extLst>
+              </p:cNvPr>
+              <p:cNvSpPr>
+                <a:spLocks noGrp="1"/>
+              </p:cNvSpPr>
+              <p:nvPr>
+                <p:ph type="body" sz="quarter" idx="10"/>
+              </p:nvPr>
+            </p:nvSpPr>
+            <p:spPr/>
+            <p:txBody>
+              <a:bodyPr/>
+              <a:lstStyle/>
+              <a:p>
+                <a:r>
+                  <a:rPr lang="en-US" dirty="0"/>
+                  <a:t>There is NO SOLUTION</a:t>
+                </a:r>
+              </a:p>
+              <a:p>
+                <a:pPr lvl="1"/>
+                <a:r>
+                  <a:rPr lang="en-US" dirty="0"/>
+                  <a:t>However, we can </a:t>
+                </a:r>
+                <a:r>
+                  <a:rPr lang="en-US" i="1" dirty="0"/>
+                  <a:t>smoothen</a:t>
+                </a:r>
+                <a:r>
+                  <a:rPr lang="en-US" dirty="0"/>
+                  <a:t> the objective function </a:t>
+                </a:r>
+                <a14:m>
+                  <m:oMath xmlns:m="http://schemas.openxmlformats.org/officeDocument/2006/math">
+                    <m:r>
+                      <a:rPr lang="it-IT" b="0" i="1" smtClean="0">
+                        <a:latin typeface="Cambria Math" panose="02040503050406030204" pitchFamily="18" charset="0"/>
+                      </a:rPr>
+                      <m:t>𝑓</m:t>
+                    </m:r>
+                    <m:r>
+                      <a:rPr lang="it-IT" b="0" i="1" smtClean="0">
+                        <a:latin typeface="Cambria Math" panose="02040503050406030204" pitchFamily="18" charset="0"/>
+                      </a:rPr>
+                      <m:t>(</m:t>
+                    </m:r>
+                    <m:r>
+                      <a:rPr lang="it-IT" b="0" i="1" smtClean="0">
+                        <a:latin typeface="Cambria Math" panose="02040503050406030204" pitchFamily="18" charset="0"/>
+                      </a:rPr>
+                      <m:t>𝑥</m:t>
+                    </m:r>
+                    <m:r>
+                      <a:rPr lang="it-IT" b="0" i="1" smtClean="0">
+                        <a:latin typeface="Cambria Math" panose="02040503050406030204" pitchFamily="18" charset="0"/>
+                      </a:rPr>
+                      <m:t>)</m:t>
+                    </m:r>
+                  </m:oMath>
+                </a14:m>
+                <a:endParaRPr lang="en-US" dirty="0"/>
+              </a:p>
+              <a:p>
+                <a:pPr lvl="1"/>
+                <a:r>
+                  <a:rPr lang="en-US" dirty="0"/>
+                  <a:t>Using domain knowledge, create another function </a:t>
+                </a:r>
+                <a14:m>
+                  <m:oMath xmlns:m="http://schemas.openxmlformats.org/officeDocument/2006/math">
+                    <m:sSup>
+                      <m:sSupPr>
+                        <m:ctrlPr>
+                          <a:rPr lang="en-US" i="1" smtClean="0">
+                            <a:latin typeface="Cambria Math" panose="02040503050406030204" pitchFamily="18" charset="0"/>
+                          </a:rPr>
+                        </m:ctrlPr>
+                      </m:sSupPr>
+                      <m:e>
+                        <m:r>
+                          <a:rPr lang="it-IT" b="0" i="1" smtClean="0">
+                            <a:latin typeface="Cambria Math" panose="02040503050406030204" pitchFamily="18" charset="0"/>
+                          </a:rPr>
+                          <m:t>𝑓</m:t>
+                        </m:r>
+                      </m:e>
+                      <m:sup>
+                        <m:r>
+                          <a:rPr lang="it-IT" b="0" i="1" smtClean="0">
+                            <a:latin typeface="Cambria Math" panose="02040503050406030204" pitchFamily="18" charset="0"/>
+                          </a:rPr>
+                          <m:t>′</m:t>
+                        </m:r>
+                      </m:sup>
+                    </m:sSup>
+                    <m:r>
+                      <a:rPr lang="it-IT" b="0" i="1" smtClean="0">
+                        <a:latin typeface="Cambria Math" panose="02040503050406030204" pitchFamily="18" charset="0"/>
+                      </a:rPr>
+                      <m:t>(</m:t>
+                    </m:r>
+                    <m:r>
+                      <a:rPr lang="it-IT" b="0" i="1" smtClean="0">
+                        <a:latin typeface="Cambria Math" panose="02040503050406030204" pitchFamily="18" charset="0"/>
+                      </a:rPr>
+                      <m:t>𝑥</m:t>
+                    </m:r>
+                    <m:r>
+                      <a:rPr lang="it-IT" b="0" i="1" smtClean="0">
+                        <a:latin typeface="Cambria Math" panose="02040503050406030204" pitchFamily="18" charset="0"/>
+                      </a:rPr>
+                      <m:t>)</m:t>
+                    </m:r>
+                  </m:oMath>
+                </a14:m>
+                <a:endParaRPr lang="en-US" dirty="0"/>
+              </a:p>
+              <a:p>
+                <a:pPr lvl="1"/>
+                <a:r>
+                  <a:rPr lang="en-US" dirty="0"/>
+                  <a:t>New function is at least correlated to the “true” one</a:t>
+                </a:r>
+              </a:p>
+              <a:p>
+                <a:pPr lvl="1"/>
+                <a:r>
+                  <a:rPr lang="en-US" dirty="0"/>
+                  <a:t>Global optimum of </a:t>
+                </a:r>
+                <a14:m>
+                  <m:oMath xmlns:m="http://schemas.openxmlformats.org/officeDocument/2006/math">
+                    <m:r>
+                      <a:rPr lang="it-IT" b="0" i="1" smtClean="0">
+                        <a:latin typeface="Cambria Math" panose="02040503050406030204" pitchFamily="18" charset="0"/>
+                      </a:rPr>
+                      <m:t>𝑓</m:t>
+                    </m:r>
+                    <m:r>
+                      <a:rPr lang="it-IT" b="0" i="1" smtClean="0">
+                        <a:latin typeface="Cambria Math" panose="02040503050406030204" pitchFamily="18" charset="0"/>
+                      </a:rPr>
+                      <m:t>(</m:t>
+                    </m:r>
+                    <m:r>
+                      <a:rPr lang="it-IT" b="0" i="1" smtClean="0">
+                        <a:latin typeface="Cambria Math" panose="02040503050406030204" pitchFamily="18" charset="0"/>
+                      </a:rPr>
+                      <m:t>𝑥</m:t>
+                    </m:r>
+                    <m:r>
+                      <a:rPr lang="it-IT" b="0" i="1" smtClean="0">
+                        <a:latin typeface="Cambria Math" panose="02040503050406030204" pitchFamily="18" charset="0"/>
+                      </a:rPr>
+                      <m:t>)</m:t>
+                    </m:r>
+                  </m:oMath>
+                </a14:m>
+                <a:r>
+                  <a:rPr lang="en-US" dirty="0"/>
+                  <a:t> is </a:t>
+                </a:r>
+                <a:r>
+                  <a:rPr lang="en-US" b="1" dirty="0"/>
+                  <a:t>on or near</a:t>
+                </a:r>
+                <a:r>
+                  <a:rPr lang="en-US" dirty="0"/>
+                  <a:t> </a:t>
+                </a:r>
+                <a:br>
+                  <a:rPr lang="en-US" dirty="0"/>
+                </a:br>
+                <a:r>
+                  <a:rPr lang="en-US" dirty="0"/>
+                  <a:t>an optimum (local or global) of </a:t>
+                </a:r>
+                <a14:m>
+                  <m:oMath xmlns:m="http://schemas.openxmlformats.org/officeDocument/2006/math">
+                    <m:sSup>
+                      <m:sSupPr>
+                        <m:ctrlPr>
+                          <a:rPr lang="en-US" i="1">
+                            <a:latin typeface="Cambria Math" panose="02040503050406030204" pitchFamily="18" charset="0"/>
+                          </a:rPr>
+                        </m:ctrlPr>
+                      </m:sSupPr>
+                      <m:e>
+                        <m:r>
+                          <a:rPr lang="it-IT" i="1">
+                            <a:latin typeface="Cambria Math" panose="02040503050406030204" pitchFamily="18" charset="0"/>
+                          </a:rPr>
+                          <m:t>𝑓</m:t>
+                        </m:r>
+                      </m:e>
+                      <m:sup>
+                        <m:r>
+                          <a:rPr lang="it-IT" i="1">
+                            <a:latin typeface="Cambria Math" panose="02040503050406030204" pitchFamily="18" charset="0"/>
+                          </a:rPr>
+                          <m:t>′</m:t>
+                        </m:r>
+                      </m:sup>
+                    </m:sSup>
+                    <m:r>
+                      <a:rPr lang="it-IT" i="1">
+                        <a:latin typeface="Cambria Math" panose="02040503050406030204" pitchFamily="18" charset="0"/>
+                      </a:rPr>
+                      <m:t>(</m:t>
+                    </m:r>
+                    <m:r>
+                      <a:rPr lang="it-IT" i="1">
+                        <a:latin typeface="Cambria Math" panose="02040503050406030204" pitchFamily="18" charset="0"/>
+                      </a:rPr>
+                      <m:t>𝑥</m:t>
+                    </m:r>
+                    <m:r>
+                      <a:rPr lang="it-IT" i="1">
+                        <a:latin typeface="Cambria Math" panose="02040503050406030204" pitchFamily="18" charset="0"/>
+                      </a:rPr>
+                      <m:t>)</m:t>
+                    </m:r>
+                  </m:oMath>
+                </a14:m>
+                <a:endParaRPr lang="en-US" dirty="0"/>
+              </a:p>
+            </p:txBody>
+          </p:sp>
+        </mc:Choice>
+        <mc:Fallback xmlns="">
+          <p:sp>
+            <p:nvSpPr>
+              <p:cNvPr id="3" name="Espace réservé du texte 2">
+                <a:extLst>
+                  <a:ext uri="{FF2B5EF4-FFF2-40B4-BE49-F238E27FC236}">
+                    <a16:creationId xmlns:a16="http://schemas.microsoft.com/office/drawing/2014/main" id="{FAA9DB74-D636-4446-B100-6B15F5435B0B}"/>
+                  </a:ext>
+                </a:extLst>
+              </p:cNvPr>
+              <p:cNvSpPr>
+                <a:spLocks noGrp="1" noRot="1" noChangeAspect="1" noMove="1" noResize="1" noEditPoints="1" noAdjustHandles="1" noChangeArrowheads="1" noChangeShapeType="1" noTextEdit="1"/>
+              </p:cNvSpPr>
+              <p:nvPr>
+                <p:ph type="body" sz="quarter" idx="10"/>
+              </p:nvPr>
+            </p:nvSpPr>
+            <p:spPr>
+              <a:blipFill>
+                <a:blip r:embed="rId2"/>
+                <a:stretch>
+                  <a:fillRect l="-1333" t="-2734"/>
+                </a:stretch>
+              </a:blipFill>
+            </p:spPr>
+            <p:txBody>
+              <a:bodyPr/>
+              <a:lstStyle/>
+              <a:p>
+                <a:r>
+                  <a:rPr lang="en-US">
+                    <a:noFill/>
+                  </a:rPr>
+                  <a:t> </a:t>
+                </a:r>
+              </a:p>
+            </p:txBody>
+          </p:sp>
+        </mc:Fallback>
+      </mc:AlternateContent>
       <p:pic>
         <p:nvPicPr>
-          <p:cNvPr id="1026" name="Picture 2" descr="Dirac delta function - Wikipedia">
-            <a:extLst>
-              <a:ext uri="{FF2B5EF4-FFF2-40B4-BE49-F238E27FC236}">
-                <a16:creationId xmlns:a16="http://schemas.microsoft.com/office/drawing/2014/main" id="{32A00A60-5448-415B-AC52-7A704C4DFF4E}"/>
+          <p:cNvPr id="4" name="Picture 2" descr="Dirac delta function - Wikipedia">
+            <a:extLst>
+              <a:ext uri="{FF2B5EF4-FFF2-40B4-BE49-F238E27FC236}">
+                <a16:creationId xmlns:a16="http://schemas.microsoft.com/office/drawing/2014/main" id="{98F51FD6-51B0-409A-BC77-DCEDA80C030B}"/>
               </a:ext>
             </a:extLst>
           </p:cNvPr>
@@ -2115,169 +2453,7 @@
         </p:blipFill>
         <p:spPr bwMode="auto">
           <a:xfrm>
-            <a:off x="7122490" y="3316137"/>
-            <a:ext cx="4231310" cy="3176737"/>
-          </a:xfrm>
-          <a:prstGeom prst="rect">
-            <a:avLst/>
-          </a:prstGeom>
-          <a:noFill/>
-          <a:extLst>
-            <a:ext uri="{909E8E84-426E-40DD-AFC4-6F175D3DCCD1}">
-              <a14:hiddenFill xmlns:a14="http://schemas.microsoft.com/office/drawing/2010/main">
-                <a:solidFill>
-                  <a:srgbClr val="FFFFFF"/>
-                </a:solidFill>
-              </a14:hiddenFill>
-            </a:ext>
-          </a:extLst>
-        </p:spPr>
-      </p:pic>
-    </p:spTree>
-    <p:extLst>
-      <p:ext uri="{BB962C8B-B14F-4D97-AF65-F5344CB8AC3E}">
-        <p14:creationId xmlns:p14="http://schemas.microsoft.com/office/powerpoint/2010/main" val="496957800"/>
-      </p:ext>
-    </p:extLst>
-  </p:cSld>
-  <p:clrMapOvr>
-    <a:masterClrMapping/>
-  </p:clrMapOvr>
-</p:sld>
-</file>
-
-<file path=ppt/slides/slide5.xml><?xml version="1.0" encoding="utf-8"?>
-<p:sld xmlns:a="http://schemas.openxmlformats.org/drawingml/2006/main" xmlns:r="http://schemas.openxmlformats.org/officeDocument/2006/relationships" xmlns:p="http://schemas.openxmlformats.org/presentationml/2006/main">
-  <p:cSld>
-    <p:spTree>
-      <p:nvGrpSpPr>
-        <p:cNvPr id="1" name=""/>
-        <p:cNvGrpSpPr/>
-        <p:nvPr/>
-      </p:nvGrpSpPr>
-      <p:grpSpPr>
-        <a:xfrm>
-          <a:off x="0" y="0"/>
-          <a:ext cx="0" cy="0"/>
-          <a:chOff x="0" y="0"/>
-          <a:chExt cx="0" cy="0"/>
-        </a:xfrm>
-      </p:grpSpPr>
-      <p:sp>
-        <p:nvSpPr>
-          <p:cNvPr id="2" name="Titre 1">
-            <a:extLst>
-              <a:ext uri="{FF2B5EF4-FFF2-40B4-BE49-F238E27FC236}">
-                <a16:creationId xmlns:a16="http://schemas.microsoft.com/office/drawing/2014/main" id="{8B8B4A80-03C3-4E7B-8AE6-2C0DF0D4E611}"/>
-              </a:ext>
-            </a:extLst>
-          </p:cNvPr>
-          <p:cNvSpPr>
-            <a:spLocks noGrp="1"/>
-          </p:cNvSpPr>
-          <p:nvPr>
-            <p:ph type="title"/>
-          </p:nvPr>
-        </p:nvSpPr>
-        <p:spPr/>
-        <p:txBody>
-          <a:bodyPr/>
-          <a:lstStyle/>
-          <a:p>
-            <a:r>
-              <a:rPr lang="en-US" dirty="0"/>
-              <a:t>Flat objective function</a:t>
-            </a:r>
-          </a:p>
-        </p:txBody>
-      </p:sp>
-      <p:sp>
-        <p:nvSpPr>
-          <p:cNvPr id="3" name="Espace réservé du texte 2">
-            <a:extLst>
-              <a:ext uri="{FF2B5EF4-FFF2-40B4-BE49-F238E27FC236}">
-                <a16:creationId xmlns:a16="http://schemas.microsoft.com/office/drawing/2014/main" id="{FAA9DB74-D636-4446-B100-6B15F5435B0B}"/>
-              </a:ext>
-            </a:extLst>
-          </p:cNvPr>
-          <p:cNvSpPr>
-            <a:spLocks noGrp="1"/>
-          </p:cNvSpPr>
-          <p:nvPr>
-            <p:ph type="body" sz="quarter" idx="10"/>
-          </p:nvPr>
-        </p:nvSpPr>
-        <p:spPr/>
-        <p:txBody>
-          <a:bodyPr/>
-          <a:lstStyle/>
-          <a:p>
-            <a:r>
-              <a:rPr lang="en-US" dirty="0"/>
-              <a:t>There is NO SOLUTION</a:t>
-            </a:r>
-          </a:p>
-          <a:p>
-            <a:pPr lvl="1"/>
-            <a:r>
-              <a:rPr lang="en-US" dirty="0"/>
-              <a:t>However, we can </a:t>
-            </a:r>
-            <a:r>
-              <a:rPr lang="en-US" i="1" dirty="0"/>
-              <a:t>smoothen</a:t>
-            </a:r>
-            <a:r>
-              <a:rPr lang="en-US" dirty="0"/>
-              <a:t> the objective function</a:t>
-            </a:r>
-          </a:p>
-          <a:p>
-            <a:pPr lvl="1"/>
-            <a:r>
-              <a:rPr lang="en-US" dirty="0"/>
-              <a:t>Using domain knowledge, create another function</a:t>
-            </a:r>
-          </a:p>
-          <a:p>
-            <a:pPr lvl="1"/>
-            <a:r>
-              <a:rPr lang="en-US" dirty="0"/>
-              <a:t>New function is at least correlated to the “true” one</a:t>
-            </a:r>
-          </a:p>
-        </p:txBody>
-      </p:sp>
-      <p:pic>
-        <p:nvPicPr>
-          <p:cNvPr id="4" name="Picture 2" descr="Dirac delta function - Wikipedia">
-            <a:extLst>
-              <a:ext uri="{FF2B5EF4-FFF2-40B4-BE49-F238E27FC236}">
-                <a16:creationId xmlns:a16="http://schemas.microsoft.com/office/drawing/2014/main" id="{98F51FD6-51B0-409A-BC77-DCEDA80C030B}"/>
-              </a:ext>
-            </a:extLst>
-          </p:cNvPr>
-          <p:cNvPicPr>
-            <a:picLocks noChangeAspect="1" noChangeArrowheads="1"/>
-          </p:cNvPicPr>
-          <p:nvPr/>
-        </p:nvPicPr>
-        <p:blipFill>
-          <a:blip r:embed="rId2">
-            <a:extLst>
-              <a:ext uri="{28A0092B-C50C-407E-A947-70E740481C1C}">
-                <a14:useLocalDpi xmlns:a14="http://schemas.microsoft.com/office/drawing/2010/main" val="0"/>
-              </a:ext>
-            </a:extLst>
-          </a:blip>
-          <a:srcRect/>
-          <a:stretch>
-            <a:fillRect/>
-          </a:stretch>
-        </p:blipFill>
-        <p:spPr bwMode="auto">
-          <a:xfrm>
-            <a:off x="7122490" y="3316137"/>
+            <a:off x="7311026" y="3316137"/>
             <a:ext cx="4231310" cy="3176737"/>
           </a:xfrm>
           <a:prstGeom prst="rect">
@@ -2309,7 +2485,7 @@
         </p:nvSpPr>
         <p:spPr>
           <a:xfrm>
-            <a:off x="7569724" y="4106615"/>
+            <a:off x="7758260" y="4040627"/>
             <a:ext cx="3477327" cy="1894693"/>
           </a:xfrm>
           <a:custGeom>
@@ -2481,10 +2657,3589 @@
           </a:p>
         </p:txBody>
       </p:sp>
+      <mc:AlternateContent xmlns:mc="http://schemas.openxmlformats.org/markup-compatibility/2006" xmlns:a14="http://schemas.microsoft.com/office/drawing/2010/main">
+        <mc:Choice Requires="a14">
+          <p:sp>
+            <p:nvSpPr>
+              <p:cNvPr id="7" name="ZoneTexte 6">
+                <a:extLst>
+                  <a:ext uri="{FF2B5EF4-FFF2-40B4-BE49-F238E27FC236}">
+                    <a16:creationId xmlns:a16="http://schemas.microsoft.com/office/drawing/2014/main" id="{549FE136-3397-4CA0-A063-EBAC49D4A6C8}"/>
+                  </a:ext>
+                </a:extLst>
+              </p:cNvPr>
+              <p:cNvSpPr txBox="1"/>
+              <p:nvPr/>
+            </p:nvSpPr>
+            <p:spPr>
+              <a:xfrm>
+                <a:off x="7758260" y="4128843"/>
+                <a:ext cx="722722" cy="523220"/>
+              </a:xfrm>
+              <a:prstGeom prst="rect">
+                <a:avLst/>
+              </a:prstGeom>
+              <a:noFill/>
+            </p:spPr>
+            <p:txBody>
+              <a:bodyPr wrap="square" rtlCol="0">
+                <a:spAutoFit/>
+              </a:bodyPr>
+              <a:lstStyle/>
+              <a:p>
+                <a:pPr/>
+                <a14:m>
+                  <m:oMathPara xmlns:m="http://schemas.openxmlformats.org/officeDocument/2006/math">
+                    <m:oMathParaPr>
+                      <m:jc m:val="centerGroup"/>
+                    </m:oMathParaPr>
+                    <m:oMath xmlns:m="http://schemas.openxmlformats.org/officeDocument/2006/math">
+                      <m:sSup>
+                        <m:sSupPr>
+                          <m:ctrlPr>
+                            <a:rPr lang="it-IT" sz="2800" b="0" i="1" smtClean="0">
+                              <a:solidFill>
+                                <a:srgbClr val="FF0000"/>
+                              </a:solidFill>
+                              <a:latin typeface="Cambria Math" panose="02040503050406030204" pitchFamily="18" charset="0"/>
+                            </a:rPr>
+                          </m:ctrlPr>
+                        </m:sSupPr>
+                        <m:e>
+                          <m:r>
+                            <a:rPr lang="it-IT" sz="2800" i="1">
+                              <a:solidFill>
+                                <a:srgbClr val="FF0000"/>
+                              </a:solidFill>
+                              <a:latin typeface="Cambria Math" panose="02040503050406030204" pitchFamily="18" charset="0"/>
+                            </a:rPr>
+                            <m:t>𝑓</m:t>
+                          </m:r>
+                        </m:e>
+                        <m:sup>
+                          <m:r>
+                            <a:rPr lang="it-IT" sz="2800" b="0" i="1" smtClean="0">
+                              <a:solidFill>
+                                <a:srgbClr val="FF0000"/>
+                              </a:solidFill>
+                              <a:latin typeface="Cambria Math" panose="02040503050406030204" pitchFamily="18" charset="0"/>
+                            </a:rPr>
+                            <m:t>′</m:t>
+                          </m:r>
+                        </m:sup>
+                      </m:sSup>
+                      <m:r>
+                        <a:rPr lang="it-IT" sz="2800" b="0" i="1" smtClean="0">
+                          <a:solidFill>
+                            <a:srgbClr val="FF0000"/>
+                          </a:solidFill>
+                          <a:latin typeface="Cambria Math" panose="02040503050406030204" pitchFamily="18" charset="0"/>
+                        </a:rPr>
+                        <m:t>(</m:t>
+                      </m:r>
+                      <m:r>
+                        <a:rPr lang="it-IT" sz="2800" b="0" i="1" smtClean="0">
+                          <a:solidFill>
+                            <a:srgbClr val="FF0000"/>
+                          </a:solidFill>
+                          <a:latin typeface="Cambria Math" panose="02040503050406030204" pitchFamily="18" charset="0"/>
+                        </a:rPr>
+                        <m:t>𝑥</m:t>
+                      </m:r>
+                      <m:r>
+                        <a:rPr lang="it-IT" sz="2800" b="0" i="1" smtClean="0">
+                          <a:solidFill>
+                            <a:srgbClr val="FF0000"/>
+                          </a:solidFill>
+                          <a:latin typeface="Cambria Math" panose="02040503050406030204" pitchFamily="18" charset="0"/>
+                        </a:rPr>
+                        <m:t>)</m:t>
+                      </m:r>
+                    </m:oMath>
+                  </m:oMathPara>
+                </a14:m>
+                <a:endParaRPr lang="en-US" sz="2800" dirty="0">
+                  <a:solidFill>
+                    <a:srgbClr val="FF0000"/>
+                  </a:solidFill>
+                </a:endParaRPr>
+              </a:p>
+            </p:txBody>
+          </p:sp>
+        </mc:Choice>
+        <mc:Fallback xmlns="">
+          <p:sp>
+            <p:nvSpPr>
+              <p:cNvPr id="7" name="ZoneTexte 6">
+                <a:extLst>
+                  <a:ext uri="{FF2B5EF4-FFF2-40B4-BE49-F238E27FC236}">
+                    <a16:creationId xmlns:a16="http://schemas.microsoft.com/office/drawing/2014/main" id="{549FE136-3397-4CA0-A063-EBAC49D4A6C8}"/>
+                  </a:ext>
+                </a:extLst>
+              </p:cNvPr>
+              <p:cNvSpPr txBox="1">
+                <a:spLocks noRot="1" noChangeAspect="1" noMove="1" noResize="1" noEditPoints="1" noAdjustHandles="1" noChangeArrowheads="1" noChangeShapeType="1" noTextEdit="1"/>
+              </p:cNvSpPr>
+              <p:nvPr/>
+            </p:nvSpPr>
+            <p:spPr>
+              <a:xfrm>
+                <a:off x="7758260" y="4128843"/>
+                <a:ext cx="722722" cy="523220"/>
+              </a:xfrm>
+              <a:prstGeom prst="rect">
+                <a:avLst/>
+              </a:prstGeom>
+              <a:blipFill>
+                <a:blip r:embed="rId4"/>
+                <a:stretch>
+                  <a:fillRect r="-22034"/>
+                </a:stretch>
+              </a:blipFill>
+            </p:spPr>
+            <p:txBody>
+              <a:bodyPr/>
+              <a:lstStyle/>
+              <a:p>
+                <a:r>
+                  <a:rPr lang="en-US">
+                    <a:noFill/>
+                  </a:rPr>
+                  <a:t> </a:t>
+                </a:r>
+              </a:p>
+            </p:txBody>
+          </p:sp>
+        </mc:Fallback>
+      </mc:AlternateContent>
+      <mc:AlternateContent xmlns:mc="http://schemas.openxmlformats.org/markup-compatibility/2006" xmlns:a14="http://schemas.microsoft.com/office/drawing/2010/main">
+        <mc:Choice Requires="a14">
+          <p:sp>
+            <p:nvSpPr>
+              <p:cNvPr id="9" name="ZoneTexte 8">
+                <a:extLst>
+                  <a:ext uri="{FF2B5EF4-FFF2-40B4-BE49-F238E27FC236}">
+                    <a16:creationId xmlns:a16="http://schemas.microsoft.com/office/drawing/2014/main" id="{755EB032-14C9-415A-9285-77E8DDD1A462}"/>
+                  </a:ext>
+                </a:extLst>
+              </p:cNvPr>
+              <p:cNvSpPr txBox="1"/>
+              <p:nvPr/>
+            </p:nvSpPr>
+            <p:spPr>
+              <a:xfrm>
+                <a:off x="7791053" y="3605623"/>
+                <a:ext cx="722722" cy="523220"/>
+              </a:xfrm>
+              <a:prstGeom prst="rect">
+                <a:avLst/>
+              </a:prstGeom>
+              <a:noFill/>
+            </p:spPr>
+            <p:txBody>
+              <a:bodyPr wrap="square" rtlCol="0">
+                <a:spAutoFit/>
+              </a:bodyPr>
+              <a:lstStyle/>
+              <a:p>
+                <a:pPr/>
+                <a14:m>
+                  <m:oMathPara xmlns:m="http://schemas.openxmlformats.org/officeDocument/2006/math">
+                    <m:oMathParaPr>
+                      <m:jc m:val="centerGroup"/>
+                    </m:oMathParaPr>
+                    <m:oMath xmlns:m="http://schemas.openxmlformats.org/officeDocument/2006/math">
+                      <m:r>
+                        <a:rPr lang="it-IT" sz="2800" b="0" i="1" smtClean="0">
+                          <a:solidFill>
+                            <a:srgbClr val="0070C0"/>
+                          </a:solidFill>
+                          <a:latin typeface="Cambria Math" panose="02040503050406030204" pitchFamily="18" charset="0"/>
+                        </a:rPr>
+                        <m:t>𝑓</m:t>
+                      </m:r>
+                      <m:r>
+                        <a:rPr lang="it-IT" sz="2800" b="0" i="1" smtClean="0">
+                          <a:solidFill>
+                            <a:srgbClr val="0070C0"/>
+                          </a:solidFill>
+                          <a:latin typeface="Cambria Math" panose="02040503050406030204" pitchFamily="18" charset="0"/>
+                        </a:rPr>
+                        <m:t>(</m:t>
+                      </m:r>
+                      <m:r>
+                        <a:rPr lang="it-IT" sz="2800" b="0" i="1" smtClean="0">
+                          <a:solidFill>
+                            <a:srgbClr val="0070C0"/>
+                          </a:solidFill>
+                          <a:latin typeface="Cambria Math" panose="02040503050406030204" pitchFamily="18" charset="0"/>
+                        </a:rPr>
+                        <m:t>𝑥</m:t>
+                      </m:r>
+                      <m:r>
+                        <a:rPr lang="it-IT" sz="2800" b="0" i="1" smtClean="0">
+                          <a:solidFill>
+                            <a:srgbClr val="0070C0"/>
+                          </a:solidFill>
+                          <a:latin typeface="Cambria Math" panose="02040503050406030204" pitchFamily="18" charset="0"/>
+                        </a:rPr>
+                        <m:t>)</m:t>
+                      </m:r>
+                    </m:oMath>
+                  </m:oMathPara>
+                </a14:m>
+                <a:endParaRPr lang="en-US" sz="2800" dirty="0"/>
+              </a:p>
+            </p:txBody>
+          </p:sp>
+        </mc:Choice>
+        <mc:Fallback xmlns="">
+          <p:sp>
+            <p:nvSpPr>
+              <p:cNvPr id="9" name="ZoneTexte 8">
+                <a:extLst>
+                  <a:ext uri="{FF2B5EF4-FFF2-40B4-BE49-F238E27FC236}">
+                    <a16:creationId xmlns:a16="http://schemas.microsoft.com/office/drawing/2014/main" id="{755EB032-14C9-415A-9285-77E8DDD1A462}"/>
+                  </a:ext>
+                </a:extLst>
+              </p:cNvPr>
+              <p:cNvSpPr txBox="1">
+                <a:spLocks noRot="1" noChangeAspect="1" noMove="1" noResize="1" noEditPoints="1" noAdjustHandles="1" noChangeArrowheads="1" noChangeShapeType="1" noTextEdit="1"/>
+              </p:cNvSpPr>
+              <p:nvPr/>
+            </p:nvSpPr>
+            <p:spPr>
+              <a:xfrm>
+                <a:off x="7791053" y="3605623"/>
+                <a:ext cx="722722" cy="523220"/>
+              </a:xfrm>
+              <a:prstGeom prst="rect">
+                <a:avLst/>
+              </a:prstGeom>
+              <a:blipFill>
+                <a:blip r:embed="rId5"/>
+                <a:stretch>
+                  <a:fillRect r="-5882"/>
+                </a:stretch>
+              </a:blipFill>
+            </p:spPr>
+            <p:txBody>
+              <a:bodyPr/>
+              <a:lstStyle/>
+              <a:p>
+                <a:r>
+                  <a:rPr lang="en-US">
+                    <a:noFill/>
+                  </a:rPr>
+                  <a:t> </a:t>
+                </a:r>
+              </a:p>
+            </p:txBody>
+          </p:sp>
+        </mc:Fallback>
+      </mc:AlternateContent>
     </p:spTree>
     <p:extLst>
       <p:ext uri="{BB962C8B-B14F-4D97-AF65-F5344CB8AC3E}">
         <p14:creationId xmlns:p14="http://schemas.microsoft.com/office/powerpoint/2010/main" val="1195288996"/>
+      </p:ext>
+    </p:extLst>
+  </p:cSld>
+  <p:clrMapOvr>
+    <a:masterClrMapping/>
+  </p:clrMapOvr>
+</p:sld>
+</file>
+
+<file path=ppt/slides/slide12.xml><?xml version="1.0" encoding="utf-8"?>
+<p:sld xmlns:a="http://schemas.openxmlformats.org/drawingml/2006/main" xmlns:r="http://schemas.openxmlformats.org/officeDocument/2006/relationships" xmlns:p="http://schemas.openxmlformats.org/presentationml/2006/main">
+  <p:cSld>
+    <p:spTree>
+      <p:nvGrpSpPr>
+        <p:cNvPr id="1" name=""/>
+        <p:cNvGrpSpPr/>
+        <p:nvPr/>
+      </p:nvGrpSpPr>
+      <p:grpSpPr>
+        <a:xfrm>
+          <a:off x="0" y="0"/>
+          <a:ext cx="0" cy="0"/>
+          <a:chOff x="0" y="0"/>
+          <a:chExt cx="0" cy="0"/>
+        </a:xfrm>
+      </p:grpSpPr>
+      <p:sp>
+        <p:nvSpPr>
+          <p:cNvPr id="2" name="Titre 1">
+            <a:extLst>
+              <a:ext uri="{FF2B5EF4-FFF2-40B4-BE49-F238E27FC236}">
+                <a16:creationId xmlns:a16="http://schemas.microsoft.com/office/drawing/2014/main" id="{8B8B4A80-03C3-4E7B-8AE6-2C0DF0D4E611}"/>
+              </a:ext>
+            </a:extLst>
+          </p:cNvPr>
+          <p:cNvSpPr>
+            <a:spLocks noGrp="1"/>
+          </p:cNvSpPr>
+          <p:nvPr>
+            <p:ph type="title"/>
+          </p:nvPr>
+        </p:nvSpPr>
+        <p:spPr/>
+        <p:txBody>
+          <a:bodyPr/>
+          <a:lstStyle/>
+          <a:p>
+            <a:r>
+              <a:rPr lang="en-US" dirty="0"/>
+              <a:t>Flat objective functions</a:t>
+            </a:r>
+          </a:p>
+        </p:txBody>
+      </p:sp>
+      <p:sp>
+        <p:nvSpPr>
+          <p:cNvPr id="3" name="Espace réservé du texte 2">
+            <a:extLst>
+              <a:ext uri="{FF2B5EF4-FFF2-40B4-BE49-F238E27FC236}">
+                <a16:creationId xmlns:a16="http://schemas.microsoft.com/office/drawing/2014/main" id="{FAA9DB74-D636-4446-B100-6B15F5435B0B}"/>
+              </a:ext>
+            </a:extLst>
+          </p:cNvPr>
+          <p:cNvSpPr>
+            <a:spLocks noGrp="1"/>
+          </p:cNvSpPr>
+          <p:nvPr>
+            <p:ph type="body" sz="quarter" idx="10"/>
+          </p:nvPr>
+        </p:nvSpPr>
+        <p:spPr/>
+        <p:txBody>
+          <a:bodyPr>
+            <a:normAutofit/>
+          </a:bodyPr>
+          <a:lstStyle/>
+          <a:p>
+            <a:r>
+              <a:rPr lang="en-US" dirty="0"/>
+              <a:t>Example: finding bugs in software / hardware</a:t>
+            </a:r>
+          </a:p>
+          <a:p>
+            <a:pPr lvl="1"/>
+            <a:r>
+              <a:rPr lang="en-US" dirty="0"/>
+              <a:t>Candidate solution: input to the device under test</a:t>
+            </a:r>
+          </a:p>
+          <a:p>
+            <a:pPr lvl="1"/>
+            <a:r>
+              <a:rPr lang="en-US" dirty="0"/>
+              <a:t>Fitness function: we found a bug (crash) / we did not find a bug</a:t>
+            </a:r>
+          </a:p>
+          <a:p>
+            <a:pPr lvl="1"/>
+            <a:r>
+              <a:rPr lang="en-US" dirty="0"/>
+              <a:t>Smoothening: number of different functionalities activated</a:t>
+            </a:r>
+          </a:p>
+          <a:p>
+            <a:pPr lvl="1"/>
+            <a:r>
+              <a:rPr lang="en-US" dirty="0"/>
+              <a:t>“The more functions activated, the more likely to trigger a bug”</a:t>
+            </a:r>
+          </a:p>
+          <a:p>
+            <a:r>
+              <a:rPr lang="en-US" dirty="0"/>
+              <a:t>As there are no gradients, stochastic/approximate (EAs)</a:t>
+            </a:r>
+          </a:p>
+          <a:p>
+            <a:pPr lvl="1"/>
+            <a:r>
+              <a:rPr lang="en-US" dirty="0"/>
+              <a:t>Meta (Facebook) uses </a:t>
+            </a:r>
+            <a:r>
+              <a:rPr lang="en-US" b="1" dirty="0" err="1"/>
+              <a:t>Sapienz</a:t>
+            </a:r>
+            <a:r>
+              <a:rPr lang="en-US" dirty="0"/>
+              <a:t> to test/debug user interfaces</a:t>
+            </a:r>
+          </a:p>
+          <a:p>
+            <a:pPr lvl="1"/>
+            <a:r>
+              <a:rPr lang="en-US" dirty="0"/>
+              <a:t>Motorola used it to test phones (2008)</a:t>
+            </a:r>
+          </a:p>
+          <a:p>
+            <a:pPr lvl="1"/>
+            <a:r>
+              <a:rPr lang="en-US" dirty="0"/>
+              <a:t>“Search-based software engineering”</a:t>
+            </a:r>
+          </a:p>
+        </p:txBody>
+      </p:sp>
+    </p:spTree>
+    <p:extLst>
+      <p:ext uri="{BB962C8B-B14F-4D97-AF65-F5344CB8AC3E}">
+        <p14:creationId xmlns:p14="http://schemas.microsoft.com/office/powerpoint/2010/main" val="1547876589"/>
+      </p:ext>
+    </p:extLst>
+  </p:cSld>
+  <p:clrMapOvr>
+    <a:masterClrMapping/>
+  </p:clrMapOvr>
+</p:sld>
+</file>
+
+<file path=ppt/slides/slide13.xml><?xml version="1.0" encoding="utf-8"?>
+<p:sld xmlns:a="http://schemas.openxmlformats.org/drawingml/2006/main" xmlns:r="http://schemas.openxmlformats.org/officeDocument/2006/relationships" xmlns:p="http://schemas.openxmlformats.org/presentationml/2006/main">
+  <p:cSld>
+    <p:spTree>
+      <p:nvGrpSpPr>
+        <p:cNvPr id="1" name=""/>
+        <p:cNvGrpSpPr/>
+        <p:nvPr/>
+      </p:nvGrpSpPr>
+      <p:grpSpPr>
+        <a:xfrm>
+          <a:off x="0" y="0"/>
+          <a:ext cx="0" cy="0"/>
+          <a:chOff x="0" y="0"/>
+          <a:chExt cx="0" cy="0"/>
+        </a:xfrm>
+      </p:grpSpPr>
+      <p:sp>
+        <p:nvSpPr>
+          <p:cNvPr id="2" name="Titre 1">
+            <a:extLst>
+              <a:ext uri="{FF2B5EF4-FFF2-40B4-BE49-F238E27FC236}">
+                <a16:creationId xmlns:a16="http://schemas.microsoft.com/office/drawing/2014/main" id="{88C7E2CF-137A-4A7C-B670-9F2298BB9F4A}"/>
+              </a:ext>
+            </a:extLst>
+          </p:cNvPr>
+          <p:cNvSpPr>
+            <a:spLocks noGrp="1"/>
+          </p:cNvSpPr>
+          <p:nvPr>
+            <p:ph type="title"/>
+          </p:nvPr>
+        </p:nvSpPr>
+        <p:spPr/>
+        <p:txBody>
+          <a:bodyPr/>
+          <a:lstStyle/>
+          <a:p>
+            <a:r>
+              <a:rPr lang="en-US" dirty="0"/>
+              <a:t>Example</a:t>
+            </a:r>
+          </a:p>
+        </p:txBody>
+      </p:sp>
+      <p:sp>
+        <p:nvSpPr>
+          <p:cNvPr id="3" name="Espace réservé du texte 2">
+            <a:extLst>
+              <a:ext uri="{FF2B5EF4-FFF2-40B4-BE49-F238E27FC236}">
+                <a16:creationId xmlns:a16="http://schemas.microsoft.com/office/drawing/2014/main" id="{CF8D0513-5379-4ED5-BD9E-E16F93A70669}"/>
+              </a:ext>
+            </a:extLst>
+          </p:cNvPr>
+          <p:cNvSpPr>
+            <a:spLocks noGrp="1"/>
+          </p:cNvSpPr>
+          <p:nvPr>
+            <p:ph type="body" sz="quarter" idx="10"/>
+          </p:nvPr>
+        </p:nvSpPr>
+        <p:spPr/>
+        <p:txBody>
+          <a:bodyPr/>
+          <a:lstStyle/>
+          <a:p>
+            <a:endParaRPr lang="en-US"/>
+          </a:p>
+        </p:txBody>
+      </p:sp>
+    </p:spTree>
+    <p:extLst>
+      <p:ext uri="{BB962C8B-B14F-4D97-AF65-F5344CB8AC3E}">
+        <p14:creationId xmlns:p14="http://schemas.microsoft.com/office/powerpoint/2010/main" val="1866855099"/>
+      </p:ext>
+    </p:extLst>
+  </p:cSld>
+  <p:clrMapOvr>
+    <a:masterClrMapping/>
+  </p:clrMapOvr>
+</p:sld>
+</file>
+
+<file path=ppt/slides/slide14.xml><?xml version="1.0" encoding="utf-8"?>
+<p:sld xmlns:a="http://schemas.openxmlformats.org/drawingml/2006/main" xmlns:r="http://schemas.openxmlformats.org/officeDocument/2006/relationships" xmlns:p="http://schemas.openxmlformats.org/presentationml/2006/main">
+  <p:cSld>
+    <p:spTree>
+      <p:nvGrpSpPr>
+        <p:cNvPr id="1" name=""/>
+        <p:cNvGrpSpPr/>
+        <p:nvPr/>
+      </p:nvGrpSpPr>
+      <p:grpSpPr>
+        <a:xfrm>
+          <a:off x="0" y="0"/>
+          <a:ext cx="0" cy="0"/>
+          <a:chOff x="0" y="0"/>
+          <a:chExt cx="0" cy="0"/>
+        </a:xfrm>
+      </p:grpSpPr>
+      <p:sp>
+        <p:nvSpPr>
+          <p:cNvPr id="2" name="Titre 1">
+            <a:extLst>
+              <a:ext uri="{FF2B5EF4-FFF2-40B4-BE49-F238E27FC236}">
+                <a16:creationId xmlns:a16="http://schemas.microsoft.com/office/drawing/2014/main" id="{0F4C2CCE-B0A2-4FB9-8618-B08F369570FA}"/>
+              </a:ext>
+            </a:extLst>
+          </p:cNvPr>
+          <p:cNvSpPr>
+            <a:spLocks noGrp="1"/>
+          </p:cNvSpPr>
+          <p:nvPr>
+            <p:ph type="title"/>
+          </p:nvPr>
+        </p:nvSpPr>
+        <p:spPr/>
+        <p:txBody>
+          <a:bodyPr/>
+          <a:lstStyle/>
+          <a:p>
+            <a:r>
+              <a:rPr lang="en-US" dirty="0"/>
+              <a:t>Expensive objective functions</a:t>
+            </a:r>
+          </a:p>
+        </p:txBody>
+      </p:sp>
+      <p:sp>
+        <p:nvSpPr>
+          <p:cNvPr id="3" name="Espace réservé du texte 2">
+            <a:extLst>
+              <a:ext uri="{FF2B5EF4-FFF2-40B4-BE49-F238E27FC236}">
+                <a16:creationId xmlns:a16="http://schemas.microsoft.com/office/drawing/2014/main" id="{F72BA12A-5ED5-46A1-A570-840A167447E4}"/>
+              </a:ext>
+            </a:extLst>
+          </p:cNvPr>
+          <p:cNvSpPr>
+            <a:spLocks noGrp="1"/>
+          </p:cNvSpPr>
+          <p:nvPr>
+            <p:ph type="body" sz="quarter" idx="10"/>
+          </p:nvPr>
+        </p:nvSpPr>
+        <p:spPr/>
+        <p:txBody>
+          <a:bodyPr/>
+          <a:lstStyle/>
+          <a:p>
+            <a:r>
+              <a:rPr lang="en-US" dirty="0"/>
+              <a:t>Evaluating one candidate solution takes a lot of time</a:t>
+            </a:r>
+          </a:p>
+          <a:p>
+            <a:r>
+              <a:rPr lang="en-US" dirty="0"/>
+              <a:t>Surrogate models</a:t>
+            </a:r>
+          </a:p>
+          <a:p>
+            <a:pPr lvl="1"/>
+            <a:r>
+              <a:rPr lang="en-US" dirty="0"/>
+              <a:t>With domain knowledge, create function that is faster to compute</a:t>
+            </a:r>
+          </a:p>
+          <a:p>
+            <a:pPr lvl="1"/>
+            <a:r>
+              <a:rPr lang="en-US" dirty="0"/>
+              <a:t>Same inputs, output is approximate but useful</a:t>
+            </a:r>
+          </a:p>
+          <a:p>
+            <a:pPr lvl="1"/>
+            <a:r>
+              <a:rPr lang="en-US" dirty="0"/>
+              <a:t>Surrogate function discriminates solutions before long evaluation</a:t>
+            </a:r>
+          </a:p>
+        </p:txBody>
+      </p:sp>
+      <mc:AlternateContent xmlns:mc="http://schemas.openxmlformats.org/markup-compatibility/2006" xmlns:a14="http://schemas.microsoft.com/office/drawing/2010/main">
+        <mc:Choice Requires="a14">
+          <p:sp>
+            <p:nvSpPr>
+              <p:cNvPr id="4" name="ZoneTexte 3">
+                <a:extLst>
+                  <a:ext uri="{FF2B5EF4-FFF2-40B4-BE49-F238E27FC236}">
+                    <a16:creationId xmlns:a16="http://schemas.microsoft.com/office/drawing/2014/main" id="{185B3BA2-44C0-48C1-9399-826E622E81BF}"/>
+                  </a:ext>
+                </a:extLst>
+              </p:cNvPr>
+              <p:cNvSpPr txBox="1"/>
+              <p:nvPr/>
+            </p:nvSpPr>
+            <p:spPr>
+              <a:xfrm>
+                <a:off x="1760706" y="4832236"/>
+                <a:ext cx="2607014" cy="714939"/>
+              </a:xfrm>
+              <a:prstGeom prst="rect">
+                <a:avLst/>
+              </a:prstGeom>
+              <a:noFill/>
+            </p:spPr>
+            <p:txBody>
+              <a:bodyPr wrap="square" rtlCol="0">
+                <a:spAutoFit/>
+              </a:bodyPr>
+              <a:lstStyle/>
+              <a:p>
+                <a:pPr/>
+                <a14:m>
+                  <m:oMathPara xmlns:m="http://schemas.openxmlformats.org/officeDocument/2006/math">
+                    <m:oMathParaPr>
+                      <m:jc m:val="centerGroup"/>
+                    </m:oMathParaPr>
+                    <m:oMath xmlns:m="http://schemas.openxmlformats.org/officeDocument/2006/math">
+                      <m:d>
+                        <m:dPr>
+                          <m:begChr m:val="{"/>
+                          <m:endChr m:val="}"/>
+                          <m:ctrlPr>
+                            <a:rPr lang="en-US" sz="3600" i="1" smtClean="0">
+                              <a:solidFill>
+                                <a:srgbClr val="836967"/>
+                              </a:solidFill>
+                              <a:latin typeface="Cambria Math" panose="02040503050406030204" pitchFamily="18" charset="0"/>
+                            </a:rPr>
+                          </m:ctrlPr>
+                        </m:dPr>
+                        <m:e>
+                          <m:sSub>
+                            <m:sSubPr>
+                              <m:ctrlPr>
+                                <a:rPr lang="en-US" sz="3600" i="1">
+                                  <a:solidFill>
+                                    <a:srgbClr val="836967"/>
+                                  </a:solidFill>
+                                  <a:latin typeface="Cambria Math" panose="02040503050406030204" pitchFamily="18" charset="0"/>
+                                </a:rPr>
+                              </m:ctrlPr>
+                            </m:sSubPr>
+                            <m:e>
+                              <m:r>
+                                <a:rPr lang="en-US" sz="3600" i="1">
+                                  <a:latin typeface="Cambria Math" panose="02040503050406030204" pitchFamily="18" charset="0"/>
+                                </a:rPr>
+                                <m:t>𝑥</m:t>
+                              </m:r>
+                            </m:e>
+                            <m:sub>
+                              <m:r>
+                                <a:rPr lang="en-US" sz="3600" i="0">
+                                  <a:latin typeface="Cambria Math" panose="02040503050406030204" pitchFamily="18" charset="0"/>
+                                </a:rPr>
+                                <m:t>0</m:t>
+                              </m:r>
+                            </m:sub>
+                          </m:sSub>
+                          <m:r>
+                            <a:rPr lang="en-US" sz="3600" i="0">
+                              <a:latin typeface="Cambria Math" panose="02040503050406030204" pitchFamily="18" charset="0"/>
+                            </a:rPr>
+                            <m:t>,</m:t>
+                          </m:r>
+                          <m:sSub>
+                            <m:sSubPr>
+                              <m:ctrlPr>
+                                <a:rPr lang="en-US" sz="3600" i="1">
+                                  <a:solidFill>
+                                    <a:srgbClr val="836967"/>
+                                  </a:solidFill>
+                                  <a:latin typeface="Cambria Math" panose="02040503050406030204" pitchFamily="18" charset="0"/>
+                                </a:rPr>
+                              </m:ctrlPr>
+                            </m:sSubPr>
+                            <m:e>
+                              <m:r>
+                                <a:rPr lang="en-US" sz="3600" i="1">
+                                  <a:latin typeface="Cambria Math" panose="02040503050406030204" pitchFamily="18" charset="0"/>
+                                </a:rPr>
+                                <m:t>𝑥</m:t>
+                              </m:r>
+                            </m:e>
+                            <m:sub>
+                              <m:r>
+                                <a:rPr lang="en-US" sz="3600" i="0">
+                                  <a:latin typeface="Cambria Math" panose="02040503050406030204" pitchFamily="18" charset="0"/>
+                                </a:rPr>
+                                <m:t>1,…</m:t>
+                              </m:r>
+                            </m:sub>
+                          </m:sSub>
+                          <m:r>
+                            <a:rPr lang="en-US" sz="3600" i="0">
+                              <a:latin typeface="Cambria Math" panose="02040503050406030204" pitchFamily="18" charset="0"/>
+                            </a:rPr>
+                            <m:t>,</m:t>
+                          </m:r>
+                          <m:sSub>
+                            <m:sSubPr>
+                              <m:ctrlPr>
+                                <a:rPr lang="en-US" sz="3600" i="1">
+                                  <a:solidFill>
+                                    <a:srgbClr val="836967"/>
+                                  </a:solidFill>
+                                  <a:latin typeface="Cambria Math" panose="02040503050406030204" pitchFamily="18" charset="0"/>
+                                </a:rPr>
+                              </m:ctrlPr>
+                            </m:sSubPr>
+                            <m:e>
+                              <m:r>
+                                <a:rPr lang="en-US" sz="3600" i="1">
+                                  <a:latin typeface="Cambria Math" panose="02040503050406030204" pitchFamily="18" charset="0"/>
+                                </a:rPr>
+                                <m:t>𝑥</m:t>
+                              </m:r>
+                            </m:e>
+                            <m:sub>
+                              <m:r>
+                                <a:rPr lang="en-US" sz="3600" i="1">
+                                  <a:latin typeface="Cambria Math" panose="02040503050406030204" pitchFamily="18" charset="0"/>
+                                </a:rPr>
+                                <m:t>𝑑</m:t>
+                              </m:r>
+                            </m:sub>
+                          </m:sSub>
+                        </m:e>
+                      </m:d>
+                    </m:oMath>
+                  </m:oMathPara>
+                </a14:m>
+                <a:endParaRPr lang="en-US" sz="3600" dirty="0"/>
+              </a:p>
+            </p:txBody>
+          </p:sp>
+        </mc:Choice>
+        <mc:Fallback xmlns="">
+          <p:sp>
+            <p:nvSpPr>
+              <p:cNvPr id="4" name="ZoneTexte 3">
+                <a:extLst>
+                  <a:ext uri="{FF2B5EF4-FFF2-40B4-BE49-F238E27FC236}">
+                    <a16:creationId xmlns:a16="http://schemas.microsoft.com/office/drawing/2014/main" id="{185B3BA2-44C0-48C1-9399-826E622E81BF}"/>
+                  </a:ext>
+                </a:extLst>
+              </p:cNvPr>
+              <p:cNvSpPr txBox="1">
+                <a:spLocks noRot="1" noChangeAspect="1" noMove="1" noResize="1" noEditPoints="1" noAdjustHandles="1" noChangeArrowheads="1" noChangeShapeType="1" noTextEdit="1"/>
+              </p:cNvSpPr>
+              <p:nvPr/>
+            </p:nvSpPr>
+            <p:spPr>
+              <a:xfrm>
+                <a:off x="1760706" y="4832236"/>
+                <a:ext cx="2607014" cy="714939"/>
+              </a:xfrm>
+              <a:prstGeom prst="rect">
+                <a:avLst/>
+              </a:prstGeom>
+              <a:blipFill>
+                <a:blip r:embed="rId2"/>
+                <a:stretch>
+                  <a:fillRect/>
+                </a:stretch>
+              </a:blipFill>
+            </p:spPr>
+            <p:txBody>
+              <a:bodyPr/>
+              <a:lstStyle/>
+              <a:p>
+                <a:r>
+                  <a:rPr lang="en-US">
+                    <a:noFill/>
+                  </a:rPr>
+                  <a:t> </a:t>
+                </a:r>
+              </a:p>
+            </p:txBody>
+          </p:sp>
+        </mc:Fallback>
+      </mc:AlternateContent>
+      <p:sp>
+        <p:nvSpPr>
+          <p:cNvPr id="5" name="ZoneTexte 4">
+            <a:extLst>
+              <a:ext uri="{FF2B5EF4-FFF2-40B4-BE49-F238E27FC236}">
+                <a16:creationId xmlns:a16="http://schemas.microsoft.com/office/drawing/2014/main" id="{5E1EC6C7-762A-4577-B122-B8CE29FE5F6D}"/>
+              </a:ext>
+            </a:extLst>
+          </p:cNvPr>
+          <p:cNvSpPr txBox="1"/>
+          <p:nvPr/>
+        </p:nvSpPr>
+        <p:spPr>
+          <a:xfrm>
+            <a:off x="1673157" y="4454060"/>
+            <a:ext cx="2782111" cy="461665"/>
+          </a:xfrm>
+          <a:prstGeom prst="rect">
+            <a:avLst/>
+          </a:prstGeom>
+          <a:noFill/>
+        </p:spPr>
+        <p:txBody>
+          <a:bodyPr wrap="square" rtlCol="0">
+            <a:spAutoFit/>
+          </a:bodyPr>
+          <a:lstStyle/>
+          <a:p>
+            <a:pPr algn="ctr"/>
+            <a:r>
+              <a:rPr lang="en-US" sz="2400" dirty="0"/>
+              <a:t>Candidate solution</a:t>
+            </a:r>
+          </a:p>
+        </p:txBody>
+      </p:sp>
+      <p:sp>
+        <p:nvSpPr>
+          <p:cNvPr id="6" name="Rectangle 5">
+            <a:extLst>
+              <a:ext uri="{FF2B5EF4-FFF2-40B4-BE49-F238E27FC236}">
+                <a16:creationId xmlns:a16="http://schemas.microsoft.com/office/drawing/2014/main" id="{45A0AA72-5488-412F-AFCC-191700D0449E}"/>
+              </a:ext>
+            </a:extLst>
+          </p:cNvPr>
+          <p:cNvSpPr/>
+          <p:nvPr/>
+        </p:nvSpPr>
+        <p:spPr>
+          <a:xfrm>
+            <a:off x="5507476" y="4756826"/>
+            <a:ext cx="1177047" cy="865761"/>
+          </a:xfrm>
+          <a:prstGeom prst="rect">
+            <a:avLst/>
+          </a:prstGeom>
+          <a:ln w="28575">
+            <a:solidFill>
+              <a:schemeClr val="accent1"/>
+            </a:solidFill>
+          </a:ln>
+        </p:spPr>
+        <p:style>
+          <a:lnRef idx="2">
+            <a:schemeClr val="accent5"/>
+          </a:lnRef>
+          <a:fillRef idx="1">
+            <a:schemeClr val="lt1"/>
+          </a:fillRef>
+          <a:effectRef idx="0">
+            <a:schemeClr val="accent5"/>
+          </a:effectRef>
+          <a:fontRef idx="minor">
+            <a:schemeClr val="dk1"/>
+          </a:fontRef>
+        </p:style>
+        <p:txBody>
+          <a:bodyPr rtlCol="0" anchor="ctr"/>
+          <a:lstStyle/>
+          <a:p>
+            <a:pPr algn="ctr"/>
+            <a:endParaRPr lang="en-US"/>
+          </a:p>
+        </p:txBody>
+      </p:sp>
+      <p:sp>
+        <p:nvSpPr>
+          <p:cNvPr id="7" name="ZoneTexte 6">
+            <a:extLst>
+              <a:ext uri="{FF2B5EF4-FFF2-40B4-BE49-F238E27FC236}">
+                <a16:creationId xmlns:a16="http://schemas.microsoft.com/office/drawing/2014/main" id="{F627DF9D-F45A-4FA4-8FAE-9685324BEA6D}"/>
+              </a:ext>
+            </a:extLst>
+          </p:cNvPr>
+          <p:cNvSpPr txBox="1"/>
+          <p:nvPr/>
+        </p:nvSpPr>
+        <p:spPr>
+          <a:xfrm>
+            <a:off x="4704943" y="4259285"/>
+            <a:ext cx="2782111" cy="461665"/>
+          </a:xfrm>
+          <a:prstGeom prst="rect">
+            <a:avLst/>
+          </a:prstGeom>
+          <a:noFill/>
+        </p:spPr>
+        <p:txBody>
+          <a:bodyPr wrap="square" rtlCol="0">
+            <a:spAutoFit/>
+          </a:bodyPr>
+          <a:lstStyle/>
+          <a:p>
+            <a:pPr algn="ctr"/>
+            <a:r>
+              <a:rPr lang="en-US" sz="2400" dirty="0"/>
+              <a:t>Objective function</a:t>
+            </a:r>
+          </a:p>
+        </p:txBody>
+      </p:sp>
+      <mc:AlternateContent xmlns:mc="http://schemas.openxmlformats.org/markup-compatibility/2006" xmlns:a14="http://schemas.microsoft.com/office/drawing/2010/main">
+        <mc:Choice Requires="a14">
+          <p:sp>
+            <p:nvSpPr>
+              <p:cNvPr id="8" name="ZoneTexte 7">
+                <a:extLst>
+                  <a:ext uri="{FF2B5EF4-FFF2-40B4-BE49-F238E27FC236}">
+                    <a16:creationId xmlns:a16="http://schemas.microsoft.com/office/drawing/2014/main" id="{EDD112EB-0207-4885-96F9-7B58A7D63777}"/>
+                  </a:ext>
+                </a:extLst>
+              </p:cNvPr>
+              <p:cNvSpPr txBox="1"/>
+              <p:nvPr/>
+            </p:nvSpPr>
+            <p:spPr>
+              <a:xfrm>
+                <a:off x="5657811" y="4949642"/>
+                <a:ext cx="722722" cy="523220"/>
+              </a:xfrm>
+              <a:prstGeom prst="rect">
+                <a:avLst/>
+              </a:prstGeom>
+              <a:noFill/>
+            </p:spPr>
+            <p:txBody>
+              <a:bodyPr wrap="square" rtlCol="0">
+                <a:spAutoFit/>
+              </a:bodyPr>
+              <a:lstStyle/>
+              <a:p>
+                <a:pPr/>
+                <a14:m>
+                  <m:oMathPara xmlns:m="http://schemas.openxmlformats.org/officeDocument/2006/math">
+                    <m:oMathParaPr>
+                      <m:jc m:val="centerGroup"/>
+                    </m:oMathParaPr>
+                    <m:oMath xmlns:m="http://schemas.openxmlformats.org/officeDocument/2006/math">
+                      <m:r>
+                        <a:rPr lang="it-IT" sz="2800" b="0" i="1" smtClean="0">
+                          <a:solidFill>
+                            <a:srgbClr val="0070C0"/>
+                          </a:solidFill>
+                          <a:latin typeface="Cambria Math" panose="02040503050406030204" pitchFamily="18" charset="0"/>
+                        </a:rPr>
+                        <m:t>𝑓</m:t>
+                      </m:r>
+                      <m:r>
+                        <a:rPr lang="it-IT" sz="2800" b="0" i="1" smtClean="0">
+                          <a:solidFill>
+                            <a:srgbClr val="0070C0"/>
+                          </a:solidFill>
+                          <a:latin typeface="Cambria Math" panose="02040503050406030204" pitchFamily="18" charset="0"/>
+                        </a:rPr>
+                        <m:t>(</m:t>
+                      </m:r>
+                      <m:r>
+                        <a:rPr lang="it-IT" sz="2800" b="0" i="1" smtClean="0">
+                          <a:solidFill>
+                            <a:srgbClr val="0070C0"/>
+                          </a:solidFill>
+                          <a:latin typeface="Cambria Math" panose="02040503050406030204" pitchFamily="18" charset="0"/>
+                        </a:rPr>
+                        <m:t>𝑥</m:t>
+                      </m:r>
+                      <m:r>
+                        <a:rPr lang="it-IT" sz="2800" b="0" i="1" smtClean="0">
+                          <a:solidFill>
+                            <a:srgbClr val="0070C0"/>
+                          </a:solidFill>
+                          <a:latin typeface="Cambria Math" panose="02040503050406030204" pitchFamily="18" charset="0"/>
+                        </a:rPr>
+                        <m:t>)</m:t>
+                      </m:r>
+                    </m:oMath>
+                  </m:oMathPara>
+                </a14:m>
+                <a:endParaRPr lang="en-US" sz="2800" dirty="0"/>
+              </a:p>
+            </p:txBody>
+          </p:sp>
+        </mc:Choice>
+        <mc:Fallback xmlns="">
+          <p:sp>
+            <p:nvSpPr>
+              <p:cNvPr id="8" name="ZoneTexte 7">
+                <a:extLst>
+                  <a:ext uri="{FF2B5EF4-FFF2-40B4-BE49-F238E27FC236}">
+                    <a16:creationId xmlns:a16="http://schemas.microsoft.com/office/drawing/2014/main" id="{EDD112EB-0207-4885-96F9-7B58A7D63777}"/>
+                  </a:ext>
+                </a:extLst>
+              </p:cNvPr>
+              <p:cNvSpPr txBox="1">
+                <a:spLocks noRot="1" noChangeAspect="1" noMove="1" noResize="1" noEditPoints="1" noAdjustHandles="1" noChangeArrowheads="1" noChangeShapeType="1" noTextEdit="1"/>
+              </p:cNvSpPr>
+              <p:nvPr/>
+            </p:nvSpPr>
+            <p:spPr>
+              <a:xfrm>
+                <a:off x="5657811" y="4949642"/>
+                <a:ext cx="722722" cy="523220"/>
+              </a:xfrm>
+              <a:prstGeom prst="rect">
+                <a:avLst/>
+              </a:prstGeom>
+              <a:blipFill>
+                <a:blip r:embed="rId3"/>
+                <a:stretch>
+                  <a:fillRect r="-5882"/>
+                </a:stretch>
+              </a:blipFill>
+            </p:spPr>
+            <p:txBody>
+              <a:bodyPr/>
+              <a:lstStyle/>
+              <a:p>
+                <a:r>
+                  <a:rPr lang="en-US">
+                    <a:noFill/>
+                  </a:rPr>
+                  <a:t> </a:t>
+                </a:r>
+              </a:p>
+            </p:txBody>
+          </p:sp>
+        </mc:Fallback>
+      </mc:AlternateContent>
+      <p:cxnSp>
+        <p:nvCxnSpPr>
+          <p:cNvPr id="10" name="Connecteur droit avec flèche 9">
+            <a:extLst>
+              <a:ext uri="{FF2B5EF4-FFF2-40B4-BE49-F238E27FC236}">
+                <a16:creationId xmlns:a16="http://schemas.microsoft.com/office/drawing/2014/main" id="{C2A12B26-6C5E-4EE9-BC44-A324840AB204}"/>
+              </a:ext>
+            </a:extLst>
+          </p:cNvPr>
+          <p:cNvCxnSpPr>
+            <a:cxnSpLocks/>
+            <a:stCxn id="4" idx="3"/>
+            <a:endCxn id="6" idx="1"/>
+          </p:cNvCxnSpPr>
+          <p:nvPr/>
+        </p:nvCxnSpPr>
+        <p:spPr>
+          <a:xfrm>
+            <a:off x="4367720" y="5189706"/>
+            <a:ext cx="1139756" cy="1"/>
+          </a:xfrm>
+          <a:prstGeom prst="straightConnector1">
+            <a:avLst/>
+          </a:prstGeom>
+          <a:ln w="38100">
+            <a:solidFill>
+              <a:schemeClr val="accent1"/>
+            </a:solidFill>
+            <a:tailEnd type="triangle"/>
+          </a:ln>
+        </p:spPr>
+        <p:style>
+          <a:lnRef idx="1">
+            <a:schemeClr val="accent1"/>
+          </a:lnRef>
+          <a:fillRef idx="0">
+            <a:schemeClr val="accent1"/>
+          </a:fillRef>
+          <a:effectRef idx="0">
+            <a:schemeClr val="accent1"/>
+          </a:effectRef>
+          <a:fontRef idx="minor">
+            <a:schemeClr val="tx1"/>
+          </a:fontRef>
+        </p:style>
+      </p:cxnSp>
+      <p:cxnSp>
+        <p:nvCxnSpPr>
+          <p:cNvPr id="11" name="Connecteur droit avec flèche 10">
+            <a:extLst>
+              <a:ext uri="{FF2B5EF4-FFF2-40B4-BE49-F238E27FC236}">
+                <a16:creationId xmlns:a16="http://schemas.microsoft.com/office/drawing/2014/main" id="{A08E043C-D803-48DE-814F-6CBFE26EF933}"/>
+              </a:ext>
+            </a:extLst>
+          </p:cNvPr>
+          <p:cNvCxnSpPr>
+            <a:cxnSpLocks/>
+            <a:stCxn id="6" idx="3"/>
+          </p:cNvCxnSpPr>
+          <p:nvPr/>
+        </p:nvCxnSpPr>
+        <p:spPr>
+          <a:xfrm flipV="1">
+            <a:off x="6684523" y="5189705"/>
+            <a:ext cx="2504062" cy="2"/>
+          </a:xfrm>
+          <a:prstGeom prst="straightConnector1">
+            <a:avLst/>
+          </a:prstGeom>
+          <a:ln w="38100">
+            <a:solidFill>
+              <a:schemeClr val="accent1"/>
+            </a:solidFill>
+            <a:prstDash val="dash"/>
+            <a:tailEnd type="triangle"/>
+          </a:ln>
+        </p:spPr>
+        <p:style>
+          <a:lnRef idx="1">
+            <a:schemeClr val="accent1"/>
+          </a:lnRef>
+          <a:fillRef idx="0">
+            <a:schemeClr val="accent1"/>
+          </a:fillRef>
+          <a:effectRef idx="0">
+            <a:schemeClr val="accent1"/>
+          </a:effectRef>
+          <a:fontRef idx="minor">
+            <a:schemeClr val="tx1"/>
+          </a:fontRef>
+        </p:style>
+      </p:cxnSp>
+      <p:sp>
+        <p:nvSpPr>
+          <p:cNvPr id="14" name="ZoneTexte 13">
+            <a:extLst>
+              <a:ext uri="{FF2B5EF4-FFF2-40B4-BE49-F238E27FC236}">
+                <a16:creationId xmlns:a16="http://schemas.microsoft.com/office/drawing/2014/main" id="{F86E3294-5ECE-40A0-84D7-FFF1AB9EB20D}"/>
+              </a:ext>
+            </a:extLst>
+          </p:cNvPr>
+          <p:cNvSpPr txBox="1"/>
+          <p:nvPr/>
+        </p:nvSpPr>
+        <p:spPr>
+          <a:xfrm>
+            <a:off x="6545499" y="5168383"/>
+            <a:ext cx="2782111" cy="461665"/>
+          </a:xfrm>
+          <a:prstGeom prst="rect">
+            <a:avLst/>
+          </a:prstGeom>
+          <a:noFill/>
+        </p:spPr>
+        <p:txBody>
+          <a:bodyPr wrap="square" rtlCol="0">
+            <a:spAutoFit/>
+          </a:bodyPr>
+          <a:lstStyle/>
+          <a:p>
+            <a:pPr algn="ctr"/>
+            <a:r>
+              <a:rPr lang="en-US" sz="2400" dirty="0">
+                <a:solidFill>
+                  <a:srgbClr val="0070C0"/>
+                </a:solidFill>
+              </a:rPr>
+              <a:t>…a long time</a:t>
+            </a:r>
+          </a:p>
+        </p:txBody>
+      </p:sp>
+      <p:sp>
+        <p:nvSpPr>
+          <p:cNvPr id="20" name="ZoneTexte 19">
+            <a:extLst>
+              <a:ext uri="{FF2B5EF4-FFF2-40B4-BE49-F238E27FC236}">
+                <a16:creationId xmlns:a16="http://schemas.microsoft.com/office/drawing/2014/main" id="{35DAAE40-096A-4391-896D-006384614463}"/>
+              </a:ext>
+            </a:extLst>
+          </p:cNvPr>
+          <p:cNvSpPr txBox="1"/>
+          <p:nvPr/>
+        </p:nvSpPr>
+        <p:spPr>
+          <a:xfrm>
+            <a:off x="8878110" y="4958872"/>
+            <a:ext cx="1679643" cy="461665"/>
+          </a:xfrm>
+          <a:prstGeom prst="rect">
+            <a:avLst/>
+          </a:prstGeom>
+          <a:noFill/>
+        </p:spPr>
+        <p:txBody>
+          <a:bodyPr wrap="square" rtlCol="0">
+            <a:spAutoFit/>
+          </a:bodyPr>
+          <a:lstStyle/>
+          <a:p>
+            <a:pPr algn="ctr"/>
+            <a:r>
+              <a:rPr lang="en-US" sz="2400" dirty="0"/>
+              <a:t>Value</a:t>
+            </a:r>
+          </a:p>
+        </p:txBody>
+      </p:sp>
+    </p:spTree>
+    <p:extLst>
+      <p:ext uri="{BB962C8B-B14F-4D97-AF65-F5344CB8AC3E}">
+        <p14:creationId xmlns:p14="http://schemas.microsoft.com/office/powerpoint/2010/main" val="2443621252"/>
+      </p:ext>
+    </p:extLst>
+  </p:cSld>
+  <p:clrMapOvr>
+    <a:masterClrMapping/>
+  </p:clrMapOvr>
+</p:sld>
+</file>
+
+<file path=ppt/slides/slide15.xml><?xml version="1.0" encoding="utf-8"?>
+<p:sld xmlns:a="http://schemas.openxmlformats.org/drawingml/2006/main" xmlns:r="http://schemas.openxmlformats.org/officeDocument/2006/relationships" xmlns:p="http://schemas.openxmlformats.org/presentationml/2006/main">
+  <p:cSld>
+    <p:spTree>
+      <p:nvGrpSpPr>
+        <p:cNvPr id="1" name=""/>
+        <p:cNvGrpSpPr/>
+        <p:nvPr/>
+      </p:nvGrpSpPr>
+      <p:grpSpPr>
+        <a:xfrm>
+          <a:off x="0" y="0"/>
+          <a:ext cx="0" cy="0"/>
+          <a:chOff x="0" y="0"/>
+          <a:chExt cx="0" cy="0"/>
+        </a:xfrm>
+      </p:grpSpPr>
+      <p:sp>
+        <p:nvSpPr>
+          <p:cNvPr id="2" name="Titre 1">
+            <a:extLst>
+              <a:ext uri="{FF2B5EF4-FFF2-40B4-BE49-F238E27FC236}">
+                <a16:creationId xmlns:a16="http://schemas.microsoft.com/office/drawing/2014/main" id="{0F4C2CCE-B0A2-4FB9-8618-B08F369570FA}"/>
+              </a:ext>
+            </a:extLst>
+          </p:cNvPr>
+          <p:cNvSpPr>
+            <a:spLocks noGrp="1"/>
+          </p:cNvSpPr>
+          <p:nvPr>
+            <p:ph type="title"/>
+          </p:nvPr>
+        </p:nvSpPr>
+        <p:spPr/>
+        <p:txBody>
+          <a:bodyPr/>
+          <a:lstStyle/>
+          <a:p>
+            <a:r>
+              <a:rPr lang="en-US" dirty="0"/>
+              <a:t>Expensive objective functions</a:t>
+            </a:r>
+          </a:p>
+        </p:txBody>
+      </p:sp>
+      <p:sp>
+        <p:nvSpPr>
+          <p:cNvPr id="3" name="Espace réservé du texte 2">
+            <a:extLst>
+              <a:ext uri="{FF2B5EF4-FFF2-40B4-BE49-F238E27FC236}">
+                <a16:creationId xmlns:a16="http://schemas.microsoft.com/office/drawing/2014/main" id="{F72BA12A-5ED5-46A1-A570-840A167447E4}"/>
+              </a:ext>
+            </a:extLst>
+          </p:cNvPr>
+          <p:cNvSpPr>
+            <a:spLocks noGrp="1"/>
+          </p:cNvSpPr>
+          <p:nvPr>
+            <p:ph type="body" sz="quarter" idx="10"/>
+          </p:nvPr>
+        </p:nvSpPr>
+        <p:spPr>
+          <a:xfrm>
+            <a:off x="838200" y="1423359"/>
+            <a:ext cx="10515600" cy="2561946"/>
+          </a:xfrm>
+        </p:spPr>
+        <p:txBody>
+          <a:bodyPr/>
+          <a:lstStyle/>
+          <a:p>
+            <a:r>
+              <a:rPr lang="en-US" dirty="0"/>
+              <a:t>Evaluating one candidate solution takes a lot of time</a:t>
+            </a:r>
+          </a:p>
+          <a:p>
+            <a:r>
+              <a:rPr lang="en-US" dirty="0"/>
+              <a:t>Surrogate models</a:t>
+            </a:r>
+          </a:p>
+          <a:p>
+            <a:pPr lvl="1"/>
+            <a:r>
+              <a:rPr lang="en-US" dirty="0"/>
+              <a:t>With domain knowledge, create function that is faster to compute</a:t>
+            </a:r>
+          </a:p>
+          <a:p>
+            <a:pPr lvl="1"/>
+            <a:r>
+              <a:rPr lang="en-US" dirty="0"/>
+              <a:t>Same inputs, output is approximate but useful</a:t>
+            </a:r>
+          </a:p>
+          <a:p>
+            <a:pPr lvl="1"/>
+            <a:r>
+              <a:rPr lang="en-US" dirty="0"/>
+              <a:t>Surrogate function discriminates solutions before long evaluation</a:t>
+            </a:r>
+          </a:p>
+        </p:txBody>
+      </p:sp>
+      <mc:AlternateContent xmlns:mc="http://schemas.openxmlformats.org/markup-compatibility/2006" xmlns:a14="http://schemas.microsoft.com/office/drawing/2010/main">
+        <mc:Choice Requires="a14">
+          <p:sp>
+            <p:nvSpPr>
+              <p:cNvPr id="4" name="ZoneTexte 3">
+                <a:extLst>
+                  <a:ext uri="{FF2B5EF4-FFF2-40B4-BE49-F238E27FC236}">
+                    <a16:creationId xmlns:a16="http://schemas.microsoft.com/office/drawing/2014/main" id="{185B3BA2-44C0-48C1-9399-826E622E81BF}"/>
+                  </a:ext>
+                </a:extLst>
+              </p:cNvPr>
+              <p:cNvSpPr txBox="1"/>
+              <p:nvPr/>
+            </p:nvSpPr>
+            <p:spPr>
+              <a:xfrm>
+                <a:off x="460238" y="4676373"/>
+                <a:ext cx="2607014" cy="714939"/>
+              </a:xfrm>
+              <a:prstGeom prst="rect">
+                <a:avLst/>
+              </a:prstGeom>
+              <a:noFill/>
+            </p:spPr>
+            <p:txBody>
+              <a:bodyPr wrap="square" rtlCol="0">
+                <a:spAutoFit/>
+              </a:bodyPr>
+              <a:lstStyle/>
+              <a:p>
+                <a:pPr/>
+                <a14:m>
+                  <m:oMathPara xmlns:m="http://schemas.openxmlformats.org/officeDocument/2006/math">
+                    <m:oMathParaPr>
+                      <m:jc m:val="centerGroup"/>
+                    </m:oMathParaPr>
+                    <m:oMath xmlns:m="http://schemas.openxmlformats.org/officeDocument/2006/math">
+                      <m:d>
+                        <m:dPr>
+                          <m:begChr m:val="{"/>
+                          <m:endChr m:val="}"/>
+                          <m:ctrlPr>
+                            <a:rPr lang="en-US" sz="3600" i="1" smtClean="0">
+                              <a:solidFill>
+                                <a:srgbClr val="836967"/>
+                              </a:solidFill>
+                              <a:latin typeface="Cambria Math" panose="02040503050406030204" pitchFamily="18" charset="0"/>
+                            </a:rPr>
+                          </m:ctrlPr>
+                        </m:dPr>
+                        <m:e>
+                          <m:sSub>
+                            <m:sSubPr>
+                              <m:ctrlPr>
+                                <a:rPr lang="en-US" sz="3600" i="1">
+                                  <a:solidFill>
+                                    <a:srgbClr val="836967"/>
+                                  </a:solidFill>
+                                  <a:latin typeface="Cambria Math" panose="02040503050406030204" pitchFamily="18" charset="0"/>
+                                </a:rPr>
+                              </m:ctrlPr>
+                            </m:sSubPr>
+                            <m:e>
+                              <m:r>
+                                <a:rPr lang="en-US" sz="3600" i="1">
+                                  <a:latin typeface="Cambria Math" panose="02040503050406030204" pitchFamily="18" charset="0"/>
+                                </a:rPr>
+                                <m:t>𝑥</m:t>
+                              </m:r>
+                            </m:e>
+                            <m:sub>
+                              <m:r>
+                                <a:rPr lang="en-US" sz="3600" i="0">
+                                  <a:latin typeface="Cambria Math" panose="02040503050406030204" pitchFamily="18" charset="0"/>
+                                </a:rPr>
+                                <m:t>0</m:t>
+                              </m:r>
+                            </m:sub>
+                          </m:sSub>
+                          <m:r>
+                            <a:rPr lang="en-US" sz="3600" i="0">
+                              <a:latin typeface="Cambria Math" panose="02040503050406030204" pitchFamily="18" charset="0"/>
+                            </a:rPr>
+                            <m:t>,</m:t>
+                          </m:r>
+                          <m:sSub>
+                            <m:sSubPr>
+                              <m:ctrlPr>
+                                <a:rPr lang="en-US" sz="3600" i="1">
+                                  <a:solidFill>
+                                    <a:srgbClr val="836967"/>
+                                  </a:solidFill>
+                                  <a:latin typeface="Cambria Math" panose="02040503050406030204" pitchFamily="18" charset="0"/>
+                                </a:rPr>
+                              </m:ctrlPr>
+                            </m:sSubPr>
+                            <m:e>
+                              <m:r>
+                                <a:rPr lang="en-US" sz="3600" i="1">
+                                  <a:latin typeface="Cambria Math" panose="02040503050406030204" pitchFamily="18" charset="0"/>
+                                </a:rPr>
+                                <m:t>𝑥</m:t>
+                              </m:r>
+                            </m:e>
+                            <m:sub>
+                              <m:r>
+                                <a:rPr lang="en-US" sz="3600" i="0">
+                                  <a:latin typeface="Cambria Math" panose="02040503050406030204" pitchFamily="18" charset="0"/>
+                                </a:rPr>
+                                <m:t>1,…</m:t>
+                              </m:r>
+                            </m:sub>
+                          </m:sSub>
+                          <m:r>
+                            <a:rPr lang="en-US" sz="3600" i="0">
+                              <a:latin typeface="Cambria Math" panose="02040503050406030204" pitchFamily="18" charset="0"/>
+                            </a:rPr>
+                            <m:t>,</m:t>
+                          </m:r>
+                          <m:sSub>
+                            <m:sSubPr>
+                              <m:ctrlPr>
+                                <a:rPr lang="en-US" sz="3600" i="1">
+                                  <a:solidFill>
+                                    <a:srgbClr val="836967"/>
+                                  </a:solidFill>
+                                  <a:latin typeface="Cambria Math" panose="02040503050406030204" pitchFamily="18" charset="0"/>
+                                </a:rPr>
+                              </m:ctrlPr>
+                            </m:sSubPr>
+                            <m:e>
+                              <m:r>
+                                <a:rPr lang="en-US" sz="3600" i="1">
+                                  <a:latin typeface="Cambria Math" panose="02040503050406030204" pitchFamily="18" charset="0"/>
+                                </a:rPr>
+                                <m:t>𝑥</m:t>
+                              </m:r>
+                            </m:e>
+                            <m:sub>
+                              <m:r>
+                                <a:rPr lang="en-US" sz="3600" i="1">
+                                  <a:latin typeface="Cambria Math" panose="02040503050406030204" pitchFamily="18" charset="0"/>
+                                </a:rPr>
+                                <m:t>𝑑</m:t>
+                              </m:r>
+                            </m:sub>
+                          </m:sSub>
+                        </m:e>
+                      </m:d>
+                    </m:oMath>
+                  </m:oMathPara>
+                </a14:m>
+                <a:endParaRPr lang="en-US" sz="3600" dirty="0"/>
+              </a:p>
+            </p:txBody>
+          </p:sp>
+        </mc:Choice>
+        <mc:Fallback xmlns="">
+          <p:sp>
+            <p:nvSpPr>
+              <p:cNvPr id="4" name="ZoneTexte 3">
+                <a:extLst>
+                  <a:ext uri="{FF2B5EF4-FFF2-40B4-BE49-F238E27FC236}">
+                    <a16:creationId xmlns:a16="http://schemas.microsoft.com/office/drawing/2014/main" id="{185B3BA2-44C0-48C1-9399-826E622E81BF}"/>
+                  </a:ext>
+                </a:extLst>
+              </p:cNvPr>
+              <p:cNvSpPr txBox="1">
+                <a:spLocks noRot="1" noChangeAspect="1" noMove="1" noResize="1" noEditPoints="1" noAdjustHandles="1" noChangeArrowheads="1" noChangeShapeType="1" noTextEdit="1"/>
+              </p:cNvSpPr>
+              <p:nvPr/>
+            </p:nvSpPr>
+            <p:spPr>
+              <a:xfrm>
+                <a:off x="460238" y="4676373"/>
+                <a:ext cx="2607014" cy="714939"/>
+              </a:xfrm>
+              <a:prstGeom prst="rect">
+                <a:avLst/>
+              </a:prstGeom>
+              <a:blipFill>
+                <a:blip r:embed="rId2"/>
+                <a:stretch>
+                  <a:fillRect/>
+                </a:stretch>
+              </a:blipFill>
+            </p:spPr>
+            <p:txBody>
+              <a:bodyPr/>
+              <a:lstStyle/>
+              <a:p>
+                <a:r>
+                  <a:rPr lang="en-US">
+                    <a:noFill/>
+                  </a:rPr>
+                  <a:t> </a:t>
+                </a:r>
+              </a:p>
+            </p:txBody>
+          </p:sp>
+        </mc:Fallback>
+      </mc:AlternateContent>
+      <p:sp>
+        <p:nvSpPr>
+          <p:cNvPr id="5" name="ZoneTexte 4">
+            <a:extLst>
+              <a:ext uri="{FF2B5EF4-FFF2-40B4-BE49-F238E27FC236}">
+                <a16:creationId xmlns:a16="http://schemas.microsoft.com/office/drawing/2014/main" id="{5E1EC6C7-762A-4577-B122-B8CE29FE5F6D}"/>
+              </a:ext>
+            </a:extLst>
+          </p:cNvPr>
+          <p:cNvSpPr txBox="1"/>
+          <p:nvPr/>
+        </p:nvSpPr>
+        <p:spPr>
+          <a:xfrm>
+            <a:off x="372689" y="4298197"/>
+            <a:ext cx="2782111" cy="461665"/>
+          </a:xfrm>
+          <a:prstGeom prst="rect">
+            <a:avLst/>
+          </a:prstGeom>
+          <a:noFill/>
+        </p:spPr>
+        <p:txBody>
+          <a:bodyPr wrap="square" rtlCol="0">
+            <a:spAutoFit/>
+          </a:bodyPr>
+          <a:lstStyle/>
+          <a:p>
+            <a:pPr algn="ctr"/>
+            <a:r>
+              <a:rPr lang="en-US" sz="2400" dirty="0"/>
+              <a:t>Candidate solution</a:t>
+            </a:r>
+          </a:p>
+        </p:txBody>
+      </p:sp>
+      <p:sp>
+        <p:nvSpPr>
+          <p:cNvPr id="6" name="Rectangle 5">
+            <a:extLst>
+              <a:ext uri="{FF2B5EF4-FFF2-40B4-BE49-F238E27FC236}">
+                <a16:creationId xmlns:a16="http://schemas.microsoft.com/office/drawing/2014/main" id="{45A0AA72-5488-412F-AFCC-191700D0449E}"/>
+              </a:ext>
+            </a:extLst>
+          </p:cNvPr>
+          <p:cNvSpPr/>
+          <p:nvPr/>
+        </p:nvSpPr>
+        <p:spPr>
+          <a:xfrm>
+            <a:off x="3951043" y="4600961"/>
+            <a:ext cx="1177047" cy="865761"/>
+          </a:xfrm>
+          <a:prstGeom prst="rect">
+            <a:avLst/>
+          </a:prstGeom>
+          <a:ln w="28575">
+            <a:solidFill>
+              <a:srgbClr val="FF0000"/>
+            </a:solidFill>
+          </a:ln>
+        </p:spPr>
+        <p:style>
+          <a:lnRef idx="2">
+            <a:schemeClr val="accent5"/>
+          </a:lnRef>
+          <a:fillRef idx="1">
+            <a:schemeClr val="lt1"/>
+          </a:fillRef>
+          <a:effectRef idx="0">
+            <a:schemeClr val="accent5"/>
+          </a:effectRef>
+          <a:fontRef idx="minor">
+            <a:schemeClr val="dk1"/>
+          </a:fontRef>
+        </p:style>
+        <p:txBody>
+          <a:bodyPr rtlCol="0" anchor="ctr"/>
+          <a:lstStyle/>
+          <a:p>
+            <a:pPr algn="ctr"/>
+            <a:endParaRPr lang="en-US"/>
+          </a:p>
+        </p:txBody>
+      </p:sp>
+      <p:sp>
+        <p:nvSpPr>
+          <p:cNvPr id="7" name="ZoneTexte 6">
+            <a:extLst>
+              <a:ext uri="{FF2B5EF4-FFF2-40B4-BE49-F238E27FC236}">
+                <a16:creationId xmlns:a16="http://schemas.microsoft.com/office/drawing/2014/main" id="{F627DF9D-F45A-4FA4-8FAE-9685324BEA6D}"/>
+              </a:ext>
+            </a:extLst>
+          </p:cNvPr>
+          <p:cNvSpPr txBox="1"/>
+          <p:nvPr/>
+        </p:nvSpPr>
+        <p:spPr>
+          <a:xfrm>
+            <a:off x="3255516" y="4085885"/>
+            <a:ext cx="2782111" cy="461665"/>
+          </a:xfrm>
+          <a:prstGeom prst="rect">
+            <a:avLst/>
+          </a:prstGeom>
+          <a:noFill/>
+        </p:spPr>
+        <p:txBody>
+          <a:bodyPr wrap="square" rtlCol="0">
+            <a:spAutoFit/>
+          </a:bodyPr>
+          <a:lstStyle/>
+          <a:p>
+            <a:pPr algn="ctr"/>
+            <a:r>
+              <a:rPr lang="en-US" sz="2400" dirty="0"/>
+              <a:t>Surrogate function</a:t>
+            </a:r>
+          </a:p>
+        </p:txBody>
+      </p:sp>
+      <mc:AlternateContent xmlns:mc="http://schemas.openxmlformats.org/markup-compatibility/2006" xmlns:a14="http://schemas.microsoft.com/office/drawing/2010/main">
+        <mc:Choice Requires="a14">
+          <p:sp>
+            <p:nvSpPr>
+              <p:cNvPr id="8" name="ZoneTexte 7">
+                <a:extLst>
+                  <a:ext uri="{FF2B5EF4-FFF2-40B4-BE49-F238E27FC236}">
+                    <a16:creationId xmlns:a16="http://schemas.microsoft.com/office/drawing/2014/main" id="{EDD112EB-0207-4885-96F9-7B58A7D63777}"/>
+                  </a:ext>
+                </a:extLst>
+              </p:cNvPr>
+              <p:cNvSpPr txBox="1"/>
+              <p:nvPr/>
+            </p:nvSpPr>
+            <p:spPr>
+              <a:xfrm>
+                <a:off x="4101378" y="4793777"/>
+                <a:ext cx="722722" cy="523220"/>
+              </a:xfrm>
+              <a:prstGeom prst="rect">
+                <a:avLst/>
+              </a:prstGeom>
+              <a:noFill/>
+            </p:spPr>
+            <p:txBody>
+              <a:bodyPr wrap="square" rtlCol="0">
+                <a:spAutoFit/>
+              </a:bodyPr>
+              <a:lstStyle/>
+              <a:p>
+                <a:pPr/>
+                <a14:m>
+                  <m:oMathPara xmlns:m="http://schemas.openxmlformats.org/officeDocument/2006/math">
+                    <m:oMathParaPr>
+                      <m:jc m:val="centerGroup"/>
+                    </m:oMathParaPr>
+                    <m:oMath xmlns:m="http://schemas.openxmlformats.org/officeDocument/2006/math">
+                      <m:r>
+                        <a:rPr lang="it-IT" sz="2800" b="0" i="1" smtClean="0">
+                          <a:solidFill>
+                            <a:srgbClr val="FF0000"/>
+                          </a:solidFill>
+                          <a:latin typeface="Cambria Math" panose="02040503050406030204" pitchFamily="18" charset="0"/>
+                        </a:rPr>
+                        <m:t>𝑓</m:t>
+                      </m:r>
+                      <m:r>
+                        <a:rPr lang="it-IT" sz="2800" b="0" i="1" smtClean="0">
+                          <a:solidFill>
+                            <a:srgbClr val="FF0000"/>
+                          </a:solidFill>
+                          <a:latin typeface="Cambria Math" panose="02040503050406030204" pitchFamily="18" charset="0"/>
+                        </a:rPr>
+                        <m:t>′(</m:t>
+                      </m:r>
+                      <m:r>
+                        <a:rPr lang="it-IT" sz="2800" b="0" i="1" smtClean="0">
+                          <a:solidFill>
+                            <a:srgbClr val="FF0000"/>
+                          </a:solidFill>
+                          <a:latin typeface="Cambria Math" panose="02040503050406030204" pitchFamily="18" charset="0"/>
+                        </a:rPr>
+                        <m:t>𝑥</m:t>
+                      </m:r>
+                      <m:r>
+                        <a:rPr lang="it-IT" sz="2800" b="0" i="1" smtClean="0">
+                          <a:solidFill>
+                            <a:srgbClr val="FF0000"/>
+                          </a:solidFill>
+                          <a:latin typeface="Cambria Math" panose="02040503050406030204" pitchFamily="18" charset="0"/>
+                        </a:rPr>
+                        <m:t>)</m:t>
+                      </m:r>
+                    </m:oMath>
+                  </m:oMathPara>
+                </a14:m>
+                <a:endParaRPr lang="en-US" sz="2800" dirty="0">
+                  <a:solidFill>
+                    <a:srgbClr val="FF0000"/>
+                  </a:solidFill>
+                </a:endParaRPr>
+              </a:p>
+            </p:txBody>
+          </p:sp>
+        </mc:Choice>
+        <mc:Fallback xmlns="">
+          <p:sp>
+            <p:nvSpPr>
+              <p:cNvPr id="8" name="ZoneTexte 7">
+                <a:extLst>
+                  <a:ext uri="{FF2B5EF4-FFF2-40B4-BE49-F238E27FC236}">
+                    <a16:creationId xmlns:a16="http://schemas.microsoft.com/office/drawing/2014/main" id="{EDD112EB-0207-4885-96F9-7B58A7D63777}"/>
+                  </a:ext>
+                </a:extLst>
+              </p:cNvPr>
+              <p:cNvSpPr txBox="1">
+                <a:spLocks noRot="1" noChangeAspect="1" noMove="1" noResize="1" noEditPoints="1" noAdjustHandles="1" noChangeArrowheads="1" noChangeShapeType="1" noTextEdit="1"/>
+              </p:cNvSpPr>
+              <p:nvPr/>
+            </p:nvSpPr>
+            <p:spPr>
+              <a:xfrm>
+                <a:off x="4101378" y="4793777"/>
+                <a:ext cx="722722" cy="523220"/>
+              </a:xfrm>
+              <a:prstGeom prst="rect">
+                <a:avLst/>
+              </a:prstGeom>
+              <a:blipFill>
+                <a:blip r:embed="rId3"/>
+                <a:stretch>
+                  <a:fillRect r="-16949"/>
+                </a:stretch>
+              </a:blipFill>
+            </p:spPr>
+            <p:txBody>
+              <a:bodyPr/>
+              <a:lstStyle/>
+              <a:p>
+                <a:r>
+                  <a:rPr lang="en-US">
+                    <a:noFill/>
+                  </a:rPr>
+                  <a:t> </a:t>
+                </a:r>
+              </a:p>
+            </p:txBody>
+          </p:sp>
+        </mc:Fallback>
+      </mc:AlternateContent>
+      <p:cxnSp>
+        <p:nvCxnSpPr>
+          <p:cNvPr id="10" name="Connecteur droit avec flèche 9">
+            <a:extLst>
+              <a:ext uri="{FF2B5EF4-FFF2-40B4-BE49-F238E27FC236}">
+                <a16:creationId xmlns:a16="http://schemas.microsoft.com/office/drawing/2014/main" id="{C2A12B26-6C5E-4EE9-BC44-A324840AB204}"/>
+              </a:ext>
+            </a:extLst>
+          </p:cNvPr>
+          <p:cNvCxnSpPr>
+            <a:cxnSpLocks/>
+            <a:stCxn id="4" idx="3"/>
+            <a:endCxn id="6" idx="1"/>
+          </p:cNvCxnSpPr>
+          <p:nvPr/>
+        </p:nvCxnSpPr>
+        <p:spPr>
+          <a:xfrm flipV="1">
+            <a:off x="3067252" y="5033842"/>
+            <a:ext cx="883791" cy="1"/>
+          </a:xfrm>
+          <a:prstGeom prst="straightConnector1">
+            <a:avLst/>
+          </a:prstGeom>
+          <a:ln w="38100">
+            <a:solidFill>
+              <a:srgbClr val="FF0000"/>
+            </a:solidFill>
+            <a:tailEnd type="triangle"/>
+          </a:ln>
+        </p:spPr>
+        <p:style>
+          <a:lnRef idx="1">
+            <a:schemeClr val="accent1"/>
+          </a:lnRef>
+          <a:fillRef idx="0">
+            <a:schemeClr val="accent1"/>
+          </a:fillRef>
+          <a:effectRef idx="0">
+            <a:schemeClr val="accent1"/>
+          </a:effectRef>
+          <a:fontRef idx="minor">
+            <a:schemeClr val="tx1"/>
+          </a:fontRef>
+        </p:style>
+      </p:cxnSp>
+      <p:cxnSp>
+        <p:nvCxnSpPr>
+          <p:cNvPr id="11" name="Connecteur droit avec flèche 10">
+            <a:extLst>
+              <a:ext uri="{FF2B5EF4-FFF2-40B4-BE49-F238E27FC236}">
+                <a16:creationId xmlns:a16="http://schemas.microsoft.com/office/drawing/2014/main" id="{A08E043C-D803-48DE-814F-6CBFE26EF933}"/>
+              </a:ext>
+            </a:extLst>
+          </p:cNvPr>
+          <p:cNvCxnSpPr>
+            <a:cxnSpLocks/>
+            <a:stCxn id="6" idx="3"/>
+            <a:endCxn id="22" idx="1"/>
+          </p:cNvCxnSpPr>
+          <p:nvPr/>
+        </p:nvCxnSpPr>
+        <p:spPr>
+          <a:xfrm flipV="1">
+            <a:off x="5128090" y="5031545"/>
+            <a:ext cx="743547" cy="2297"/>
+          </a:xfrm>
+          <a:prstGeom prst="straightConnector1">
+            <a:avLst/>
+          </a:prstGeom>
+          <a:ln w="38100">
+            <a:solidFill>
+              <a:srgbClr val="FF0000"/>
+            </a:solidFill>
+            <a:prstDash val="solid"/>
+            <a:tailEnd type="triangle"/>
+          </a:ln>
+        </p:spPr>
+        <p:style>
+          <a:lnRef idx="1">
+            <a:schemeClr val="accent1"/>
+          </a:lnRef>
+          <a:fillRef idx="0">
+            <a:schemeClr val="accent1"/>
+          </a:fillRef>
+          <a:effectRef idx="0">
+            <a:schemeClr val="accent1"/>
+          </a:effectRef>
+          <a:fontRef idx="minor">
+            <a:schemeClr val="tx1"/>
+          </a:fontRef>
+        </p:style>
+      </p:cxnSp>
+      <p:sp>
+        <p:nvSpPr>
+          <p:cNvPr id="22" name="Organigramme : Décision 21">
+            <a:extLst>
+              <a:ext uri="{FF2B5EF4-FFF2-40B4-BE49-F238E27FC236}">
+                <a16:creationId xmlns:a16="http://schemas.microsoft.com/office/drawing/2014/main" id="{FFA78330-3DA5-4E9E-BE8F-424FEB44BF84}"/>
+              </a:ext>
+            </a:extLst>
+          </p:cNvPr>
+          <p:cNvSpPr/>
+          <p:nvPr/>
+        </p:nvSpPr>
+        <p:spPr>
+          <a:xfrm>
+            <a:off x="5871637" y="4345745"/>
+            <a:ext cx="1905001" cy="1371600"/>
+          </a:xfrm>
+          <a:prstGeom prst="flowChartDecision">
+            <a:avLst/>
+          </a:prstGeom>
+          <a:ln w="28575">
+            <a:solidFill>
+              <a:srgbClr val="FF0000"/>
+            </a:solidFill>
+          </a:ln>
+        </p:spPr>
+        <p:style>
+          <a:lnRef idx="2">
+            <a:schemeClr val="accent5"/>
+          </a:lnRef>
+          <a:fillRef idx="1">
+            <a:schemeClr val="lt1"/>
+          </a:fillRef>
+          <a:effectRef idx="0">
+            <a:schemeClr val="accent5"/>
+          </a:effectRef>
+          <a:fontRef idx="minor">
+            <a:schemeClr val="dk1"/>
+          </a:fontRef>
+        </p:style>
+        <p:txBody>
+          <a:bodyPr rtlCol="0" anchor="ctr"/>
+          <a:lstStyle/>
+          <a:p>
+            <a:pPr algn="ctr"/>
+            <a:r>
+              <a:rPr lang="en-US" dirty="0"/>
+              <a:t>Good enough?</a:t>
+            </a:r>
+          </a:p>
+        </p:txBody>
+      </p:sp>
+      <p:cxnSp>
+        <p:nvCxnSpPr>
+          <p:cNvPr id="24" name="Connecteur droit avec flèche 23">
+            <a:extLst>
+              <a:ext uri="{FF2B5EF4-FFF2-40B4-BE49-F238E27FC236}">
+                <a16:creationId xmlns:a16="http://schemas.microsoft.com/office/drawing/2014/main" id="{10D00A18-5F8F-49A5-90CF-AB0CAF479DF0}"/>
+              </a:ext>
+            </a:extLst>
+          </p:cNvPr>
+          <p:cNvCxnSpPr>
+            <a:cxnSpLocks/>
+            <a:stCxn id="22" idx="3"/>
+            <a:endCxn id="27" idx="1"/>
+          </p:cNvCxnSpPr>
+          <p:nvPr/>
+        </p:nvCxnSpPr>
+        <p:spPr>
+          <a:xfrm>
+            <a:off x="7776638" y="5031545"/>
+            <a:ext cx="658197" cy="0"/>
+          </a:xfrm>
+          <a:prstGeom prst="straightConnector1">
+            <a:avLst/>
+          </a:prstGeom>
+          <a:ln w="38100">
+            <a:solidFill>
+              <a:srgbClr val="FF0000"/>
+            </a:solidFill>
+            <a:headEnd type="none" w="med" len="med"/>
+            <a:tailEnd type="triangle" w="med" len="med"/>
+          </a:ln>
+        </p:spPr>
+        <p:style>
+          <a:lnRef idx="2">
+            <a:schemeClr val="accent5"/>
+          </a:lnRef>
+          <a:fillRef idx="1">
+            <a:schemeClr val="lt1"/>
+          </a:fillRef>
+          <a:effectRef idx="0">
+            <a:schemeClr val="accent5"/>
+          </a:effectRef>
+          <a:fontRef idx="minor">
+            <a:schemeClr val="dk1"/>
+          </a:fontRef>
+        </p:style>
+      </p:cxnSp>
+      <p:sp>
+        <p:nvSpPr>
+          <p:cNvPr id="27" name="Rectangle 26">
+            <a:extLst>
+              <a:ext uri="{FF2B5EF4-FFF2-40B4-BE49-F238E27FC236}">
+                <a16:creationId xmlns:a16="http://schemas.microsoft.com/office/drawing/2014/main" id="{74A8EDBA-3A44-40F2-A2E5-10B6053D48AD}"/>
+              </a:ext>
+            </a:extLst>
+          </p:cNvPr>
+          <p:cNvSpPr/>
+          <p:nvPr/>
+        </p:nvSpPr>
+        <p:spPr>
+          <a:xfrm>
+            <a:off x="8434835" y="4598664"/>
+            <a:ext cx="1177047" cy="865761"/>
+          </a:xfrm>
+          <a:prstGeom prst="rect">
+            <a:avLst/>
+          </a:prstGeom>
+          <a:ln w="28575">
+            <a:solidFill>
+              <a:schemeClr val="accent1"/>
+            </a:solidFill>
+          </a:ln>
+        </p:spPr>
+        <p:style>
+          <a:lnRef idx="2">
+            <a:schemeClr val="accent5"/>
+          </a:lnRef>
+          <a:fillRef idx="1">
+            <a:schemeClr val="lt1"/>
+          </a:fillRef>
+          <a:effectRef idx="0">
+            <a:schemeClr val="accent5"/>
+          </a:effectRef>
+          <a:fontRef idx="minor">
+            <a:schemeClr val="dk1"/>
+          </a:fontRef>
+        </p:style>
+        <p:txBody>
+          <a:bodyPr rtlCol="0" anchor="ctr"/>
+          <a:lstStyle/>
+          <a:p>
+            <a:pPr algn="ctr"/>
+            <a:endParaRPr lang="en-US"/>
+          </a:p>
+        </p:txBody>
+      </p:sp>
+      <p:sp>
+        <p:nvSpPr>
+          <p:cNvPr id="28" name="ZoneTexte 27">
+            <a:extLst>
+              <a:ext uri="{FF2B5EF4-FFF2-40B4-BE49-F238E27FC236}">
+                <a16:creationId xmlns:a16="http://schemas.microsoft.com/office/drawing/2014/main" id="{0F1BA409-ADC8-4CB3-91A7-F684330B6A45}"/>
+              </a:ext>
+            </a:extLst>
+          </p:cNvPr>
+          <p:cNvSpPr txBox="1"/>
+          <p:nvPr/>
+        </p:nvSpPr>
+        <p:spPr>
+          <a:xfrm>
+            <a:off x="7621620" y="4110251"/>
+            <a:ext cx="2782111" cy="461665"/>
+          </a:xfrm>
+          <a:prstGeom prst="rect">
+            <a:avLst/>
+          </a:prstGeom>
+          <a:noFill/>
+        </p:spPr>
+        <p:txBody>
+          <a:bodyPr wrap="square" rtlCol="0">
+            <a:spAutoFit/>
+          </a:bodyPr>
+          <a:lstStyle/>
+          <a:p>
+            <a:pPr algn="ctr"/>
+            <a:r>
+              <a:rPr lang="en-US" sz="2400" dirty="0"/>
+              <a:t>Objective function</a:t>
+            </a:r>
+          </a:p>
+        </p:txBody>
+      </p:sp>
+      <mc:AlternateContent xmlns:mc="http://schemas.openxmlformats.org/markup-compatibility/2006" xmlns:a14="http://schemas.microsoft.com/office/drawing/2010/main">
+        <mc:Choice Requires="a14">
+          <p:sp>
+            <p:nvSpPr>
+              <p:cNvPr id="29" name="ZoneTexte 28">
+                <a:extLst>
+                  <a:ext uri="{FF2B5EF4-FFF2-40B4-BE49-F238E27FC236}">
+                    <a16:creationId xmlns:a16="http://schemas.microsoft.com/office/drawing/2014/main" id="{BF195500-2B0A-49D9-A5F2-6FD42F895BCE}"/>
+                  </a:ext>
+                </a:extLst>
+              </p:cNvPr>
+              <p:cNvSpPr txBox="1"/>
+              <p:nvPr/>
+            </p:nvSpPr>
+            <p:spPr>
+              <a:xfrm>
+                <a:off x="8593511" y="4756068"/>
+                <a:ext cx="722722" cy="523220"/>
+              </a:xfrm>
+              <a:prstGeom prst="rect">
+                <a:avLst/>
+              </a:prstGeom>
+              <a:noFill/>
+            </p:spPr>
+            <p:txBody>
+              <a:bodyPr wrap="square" rtlCol="0">
+                <a:spAutoFit/>
+              </a:bodyPr>
+              <a:lstStyle/>
+              <a:p>
+                <a:pPr/>
+                <a14:m>
+                  <m:oMathPara xmlns:m="http://schemas.openxmlformats.org/officeDocument/2006/math">
+                    <m:oMathParaPr>
+                      <m:jc m:val="centerGroup"/>
+                    </m:oMathParaPr>
+                    <m:oMath xmlns:m="http://schemas.openxmlformats.org/officeDocument/2006/math">
+                      <m:r>
+                        <a:rPr lang="it-IT" sz="2800" b="0" i="1" smtClean="0">
+                          <a:solidFill>
+                            <a:srgbClr val="0070C0"/>
+                          </a:solidFill>
+                          <a:latin typeface="Cambria Math" panose="02040503050406030204" pitchFamily="18" charset="0"/>
+                        </a:rPr>
+                        <m:t>𝑓</m:t>
+                      </m:r>
+                      <m:r>
+                        <a:rPr lang="it-IT" sz="2800" b="0" i="1" smtClean="0">
+                          <a:solidFill>
+                            <a:srgbClr val="0070C0"/>
+                          </a:solidFill>
+                          <a:latin typeface="Cambria Math" panose="02040503050406030204" pitchFamily="18" charset="0"/>
+                        </a:rPr>
+                        <m:t>(</m:t>
+                      </m:r>
+                      <m:r>
+                        <a:rPr lang="it-IT" sz="2800" b="0" i="1" smtClean="0">
+                          <a:solidFill>
+                            <a:srgbClr val="0070C0"/>
+                          </a:solidFill>
+                          <a:latin typeface="Cambria Math" panose="02040503050406030204" pitchFamily="18" charset="0"/>
+                        </a:rPr>
+                        <m:t>𝑥</m:t>
+                      </m:r>
+                      <m:r>
+                        <a:rPr lang="it-IT" sz="2800" b="0" i="1" smtClean="0">
+                          <a:solidFill>
+                            <a:srgbClr val="0070C0"/>
+                          </a:solidFill>
+                          <a:latin typeface="Cambria Math" panose="02040503050406030204" pitchFamily="18" charset="0"/>
+                        </a:rPr>
+                        <m:t>)</m:t>
+                      </m:r>
+                    </m:oMath>
+                  </m:oMathPara>
+                </a14:m>
+                <a:endParaRPr lang="en-US" sz="2800" dirty="0"/>
+              </a:p>
+            </p:txBody>
+          </p:sp>
+        </mc:Choice>
+        <mc:Fallback xmlns="">
+          <p:sp>
+            <p:nvSpPr>
+              <p:cNvPr id="29" name="ZoneTexte 28">
+                <a:extLst>
+                  <a:ext uri="{FF2B5EF4-FFF2-40B4-BE49-F238E27FC236}">
+                    <a16:creationId xmlns:a16="http://schemas.microsoft.com/office/drawing/2014/main" id="{BF195500-2B0A-49D9-A5F2-6FD42F895BCE}"/>
+                  </a:ext>
+                </a:extLst>
+              </p:cNvPr>
+              <p:cNvSpPr txBox="1">
+                <a:spLocks noRot="1" noChangeAspect="1" noMove="1" noResize="1" noEditPoints="1" noAdjustHandles="1" noChangeArrowheads="1" noChangeShapeType="1" noTextEdit="1"/>
+              </p:cNvSpPr>
+              <p:nvPr/>
+            </p:nvSpPr>
+            <p:spPr>
+              <a:xfrm>
+                <a:off x="8593511" y="4756068"/>
+                <a:ext cx="722722" cy="523220"/>
+              </a:xfrm>
+              <a:prstGeom prst="rect">
+                <a:avLst/>
+              </a:prstGeom>
+              <a:blipFill>
+                <a:blip r:embed="rId4"/>
+                <a:stretch>
+                  <a:fillRect r="-5932"/>
+                </a:stretch>
+              </a:blipFill>
+            </p:spPr>
+            <p:txBody>
+              <a:bodyPr/>
+              <a:lstStyle/>
+              <a:p>
+                <a:r>
+                  <a:rPr lang="en-US">
+                    <a:noFill/>
+                  </a:rPr>
+                  <a:t> </a:t>
+                </a:r>
+              </a:p>
+            </p:txBody>
+          </p:sp>
+        </mc:Fallback>
+      </mc:AlternateContent>
+      <p:cxnSp>
+        <p:nvCxnSpPr>
+          <p:cNvPr id="30" name="Connecteur droit avec flèche 29">
+            <a:extLst>
+              <a:ext uri="{FF2B5EF4-FFF2-40B4-BE49-F238E27FC236}">
+                <a16:creationId xmlns:a16="http://schemas.microsoft.com/office/drawing/2014/main" id="{7E075D50-633E-4AC9-8648-31E4F8B8BA9F}"/>
+              </a:ext>
+            </a:extLst>
+          </p:cNvPr>
+          <p:cNvCxnSpPr>
+            <a:cxnSpLocks/>
+            <a:stCxn id="27" idx="3"/>
+          </p:cNvCxnSpPr>
+          <p:nvPr/>
+        </p:nvCxnSpPr>
+        <p:spPr>
+          <a:xfrm flipV="1">
+            <a:off x="9611882" y="5031543"/>
+            <a:ext cx="2504062" cy="2"/>
+          </a:xfrm>
+          <a:prstGeom prst="straightConnector1">
+            <a:avLst/>
+          </a:prstGeom>
+          <a:ln w="38100">
+            <a:solidFill>
+              <a:schemeClr val="accent1"/>
+            </a:solidFill>
+            <a:prstDash val="dash"/>
+            <a:tailEnd type="triangle"/>
+          </a:ln>
+        </p:spPr>
+        <p:style>
+          <a:lnRef idx="1">
+            <a:schemeClr val="accent1"/>
+          </a:lnRef>
+          <a:fillRef idx="0">
+            <a:schemeClr val="accent1"/>
+          </a:fillRef>
+          <a:effectRef idx="0">
+            <a:schemeClr val="accent1"/>
+          </a:effectRef>
+          <a:fontRef idx="minor">
+            <a:schemeClr val="tx1"/>
+          </a:fontRef>
+        </p:style>
+      </p:cxnSp>
+      <p:sp>
+        <p:nvSpPr>
+          <p:cNvPr id="31" name="ZoneTexte 30">
+            <a:extLst>
+              <a:ext uri="{FF2B5EF4-FFF2-40B4-BE49-F238E27FC236}">
+                <a16:creationId xmlns:a16="http://schemas.microsoft.com/office/drawing/2014/main" id="{FEA90F39-C81D-4ECD-98B5-E170CB12D0F7}"/>
+              </a:ext>
+            </a:extLst>
+          </p:cNvPr>
+          <p:cNvSpPr txBox="1"/>
+          <p:nvPr/>
+        </p:nvSpPr>
+        <p:spPr>
+          <a:xfrm>
+            <a:off x="9462176" y="5019349"/>
+            <a:ext cx="2782111" cy="461665"/>
+          </a:xfrm>
+          <a:prstGeom prst="rect">
+            <a:avLst/>
+          </a:prstGeom>
+          <a:noFill/>
+        </p:spPr>
+        <p:txBody>
+          <a:bodyPr wrap="square" rtlCol="0">
+            <a:spAutoFit/>
+          </a:bodyPr>
+          <a:lstStyle/>
+          <a:p>
+            <a:pPr algn="ctr"/>
+            <a:r>
+              <a:rPr lang="en-US" sz="2400" dirty="0">
+                <a:solidFill>
+                  <a:srgbClr val="0070C0"/>
+                </a:solidFill>
+              </a:rPr>
+              <a:t>…a long time</a:t>
+            </a:r>
+          </a:p>
+        </p:txBody>
+      </p:sp>
+      <p:sp>
+        <p:nvSpPr>
+          <p:cNvPr id="33" name="ZoneTexte 32">
+            <a:extLst>
+              <a:ext uri="{FF2B5EF4-FFF2-40B4-BE49-F238E27FC236}">
+                <a16:creationId xmlns:a16="http://schemas.microsoft.com/office/drawing/2014/main" id="{0F2FA6D3-F912-4F3F-AD00-B8B2EFD10430}"/>
+              </a:ext>
+            </a:extLst>
+          </p:cNvPr>
+          <p:cNvSpPr txBox="1"/>
+          <p:nvPr/>
+        </p:nvSpPr>
+        <p:spPr>
+          <a:xfrm>
+            <a:off x="7659605" y="5011888"/>
+            <a:ext cx="646887" cy="461665"/>
+          </a:xfrm>
+          <a:prstGeom prst="rect">
+            <a:avLst/>
+          </a:prstGeom>
+          <a:noFill/>
+        </p:spPr>
+        <p:txBody>
+          <a:bodyPr wrap="square" rtlCol="0">
+            <a:spAutoFit/>
+          </a:bodyPr>
+          <a:lstStyle/>
+          <a:p>
+            <a:pPr algn="ctr"/>
+            <a:r>
+              <a:rPr lang="en-US" sz="2400" dirty="0"/>
+              <a:t>Yes</a:t>
+            </a:r>
+          </a:p>
+        </p:txBody>
+      </p:sp>
+      <p:sp>
+        <p:nvSpPr>
+          <p:cNvPr id="36" name="ZoneTexte 35">
+            <a:extLst>
+              <a:ext uri="{FF2B5EF4-FFF2-40B4-BE49-F238E27FC236}">
+                <a16:creationId xmlns:a16="http://schemas.microsoft.com/office/drawing/2014/main" id="{C3EC879D-7F44-4941-A2E2-504D121267D0}"/>
+              </a:ext>
+            </a:extLst>
+          </p:cNvPr>
+          <p:cNvSpPr txBox="1"/>
+          <p:nvPr/>
+        </p:nvSpPr>
+        <p:spPr>
+          <a:xfrm>
+            <a:off x="6819715" y="5577208"/>
+            <a:ext cx="646887" cy="461665"/>
+          </a:xfrm>
+          <a:prstGeom prst="rect">
+            <a:avLst/>
+          </a:prstGeom>
+          <a:noFill/>
+        </p:spPr>
+        <p:txBody>
+          <a:bodyPr wrap="square" rtlCol="0">
+            <a:spAutoFit/>
+          </a:bodyPr>
+          <a:lstStyle/>
+          <a:p>
+            <a:pPr algn="ctr"/>
+            <a:r>
+              <a:rPr lang="en-US" sz="2400" dirty="0"/>
+              <a:t>No</a:t>
+            </a:r>
+          </a:p>
+        </p:txBody>
+      </p:sp>
+      <p:cxnSp>
+        <p:nvCxnSpPr>
+          <p:cNvPr id="37" name="Connecteur droit avec flèche 36">
+            <a:extLst>
+              <a:ext uri="{FF2B5EF4-FFF2-40B4-BE49-F238E27FC236}">
+                <a16:creationId xmlns:a16="http://schemas.microsoft.com/office/drawing/2014/main" id="{6F73C803-F98F-43B4-9A6D-DCF07E6F7473}"/>
+              </a:ext>
+            </a:extLst>
+          </p:cNvPr>
+          <p:cNvCxnSpPr>
+            <a:cxnSpLocks/>
+            <a:stCxn id="22" idx="2"/>
+          </p:cNvCxnSpPr>
+          <p:nvPr/>
+        </p:nvCxnSpPr>
+        <p:spPr>
+          <a:xfrm flipH="1">
+            <a:off x="6819715" y="5717345"/>
+            <a:ext cx="4423" cy="440265"/>
+          </a:xfrm>
+          <a:prstGeom prst="straightConnector1">
+            <a:avLst/>
+          </a:prstGeom>
+          <a:ln w="38100">
+            <a:solidFill>
+              <a:srgbClr val="FF0000"/>
+            </a:solidFill>
+            <a:headEnd type="none" w="med" len="med"/>
+            <a:tailEnd type="triangle" w="med" len="med"/>
+          </a:ln>
+        </p:spPr>
+        <p:style>
+          <a:lnRef idx="2">
+            <a:schemeClr val="accent5"/>
+          </a:lnRef>
+          <a:fillRef idx="1">
+            <a:schemeClr val="lt1"/>
+          </a:fillRef>
+          <a:effectRef idx="0">
+            <a:schemeClr val="accent5"/>
+          </a:effectRef>
+          <a:fontRef idx="minor">
+            <a:schemeClr val="dk1"/>
+          </a:fontRef>
+        </p:style>
+      </p:cxnSp>
+      <p:sp>
+        <p:nvSpPr>
+          <p:cNvPr id="40" name="ZoneTexte 39">
+            <a:extLst>
+              <a:ext uri="{FF2B5EF4-FFF2-40B4-BE49-F238E27FC236}">
+                <a16:creationId xmlns:a16="http://schemas.microsoft.com/office/drawing/2014/main" id="{7C1C355B-9B01-44C3-BE08-EAD67DD8FD7B}"/>
+              </a:ext>
+            </a:extLst>
+          </p:cNvPr>
+          <p:cNvSpPr txBox="1"/>
+          <p:nvPr/>
+        </p:nvSpPr>
+        <p:spPr>
+          <a:xfrm>
+            <a:off x="5428659" y="6077785"/>
+            <a:ext cx="2782111" cy="461665"/>
+          </a:xfrm>
+          <a:prstGeom prst="rect">
+            <a:avLst/>
+          </a:prstGeom>
+          <a:noFill/>
+        </p:spPr>
+        <p:txBody>
+          <a:bodyPr wrap="square" rtlCol="0">
+            <a:spAutoFit/>
+          </a:bodyPr>
+          <a:lstStyle/>
+          <a:p>
+            <a:pPr algn="ctr"/>
+            <a:r>
+              <a:rPr lang="en-US" sz="2400" dirty="0"/>
+              <a:t>Discard</a:t>
+            </a:r>
+          </a:p>
+        </p:txBody>
+      </p:sp>
+    </p:spTree>
+    <p:extLst>
+      <p:ext uri="{BB962C8B-B14F-4D97-AF65-F5344CB8AC3E}">
+        <p14:creationId xmlns:p14="http://schemas.microsoft.com/office/powerpoint/2010/main" val="3823565751"/>
+      </p:ext>
+    </p:extLst>
+  </p:cSld>
+  <p:clrMapOvr>
+    <a:masterClrMapping/>
+  </p:clrMapOvr>
+</p:sld>
+</file>
+
+<file path=ppt/slides/slide16.xml><?xml version="1.0" encoding="utf-8"?>
+<p:sld xmlns:a="http://schemas.openxmlformats.org/drawingml/2006/main" xmlns:r="http://schemas.openxmlformats.org/officeDocument/2006/relationships" xmlns:p="http://schemas.openxmlformats.org/presentationml/2006/main">
+  <p:cSld>
+    <p:spTree>
+      <p:nvGrpSpPr>
+        <p:cNvPr id="1" name=""/>
+        <p:cNvGrpSpPr/>
+        <p:nvPr/>
+      </p:nvGrpSpPr>
+      <p:grpSpPr>
+        <a:xfrm>
+          <a:off x="0" y="0"/>
+          <a:ext cx="0" cy="0"/>
+          <a:chOff x="0" y="0"/>
+          <a:chExt cx="0" cy="0"/>
+        </a:xfrm>
+      </p:grpSpPr>
+      <p:sp>
+        <p:nvSpPr>
+          <p:cNvPr id="2" name="Titre 1">
+            <a:extLst>
+              <a:ext uri="{FF2B5EF4-FFF2-40B4-BE49-F238E27FC236}">
+                <a16:creationId xmlns:a16="http://schemas.microsoft.com/office/drawing/2014/main" id="{3AC48A01-8582-4683-8910-338782A982F8}"/>
+              </a:ext>
+            </a:extLst>
+          </p:cNvPr>
+          <p:cNvSpPr>
+            <a:spLocks noGrp="1"/>
+          </p:cNvSpPr>
+          <p:nvPr>
+            <p:ph type="title"/>
+          </p:nvPr>
+        </p:nvSpPr>
+        <p:spPr/>
+        <p:txBody>
+          <a:bodyPr/>
+          <a:lstStyle/>
+          <a:p>
+            <a:r>
+              <a:rPr lang="en-US" dirty="0"/>
+              <a:t>Expensive objective functions</a:t>
+            </a:r>
+          </a:p>
+        </p:txBody>
+      </p:sp>
+      <p:sp>
+        <p:nvSpPr>
+          <p:cNvPr id="3" name="Espace réservé du texte 2">
+            <a:extLst>
+              <a:ext uri="{FF2B5EF4-FFF2-40B4-BE49-F238E27FC236}">
+                <a16:creationId xmlns:a16="http://schemas.microsoft.com/office/drawing/2014/main" id="{C2AA34FE-2B11-41C7-A339-A4F490F75C90}"/>
+              </a:ext>
+            </a:extLst>
+          </p:cNvPr>
+          <p:cNvSpPr>
+            <a:spLocks noGrp="1"/>
+          </p:cNvSpPr>
+          <p:nvPr>
+            <p:ph type="body" sz="quarter" idx="10"/>
+          </p:nvPr>
+        </p:nvSpPr>
+        <p:spPr/>
+        <p:txBody>
+          <a:bodyPr/>
+          <a:lstStyle/>
+          <a:p>
+            <a:r>
+              <a:rPr lang="en-US" dirty="0"/>
+              <a:t>Examples of surrogate models</a:t>
+            </a:r>
+          </a:p>
+          <a:p>
+            <a:pPr lvl="1"/>
+            <a:r>
+              <a:rPr lang="en-US" dirty="0"/>
+              <a:t>Classifier (yes/no)</a:t>
+            </a:r>
+          </a:p>
+          <a:p>
+            <a:pPr lvl="1"/>
+            <a:r>
+              <a:rPr lang="en-US" dirty="0"/>
+              <a:t>Regressor trained on samples of your original function</a:t>
+            </a:r>
+          </a:p>
+          <a:p>
+            <a:pPr lvl="1"/>
+            <a:r>
+              <a:rPr lang="en-US" dirty="0"/>
+              <a:t>A physics-based model with less precision</a:t>
+            </a:r>
+          </a:p>
+          <a:p>
+            <a:pPr lvl="1"/>
+            <a:r>
+              <a:rPr lang="en-US" dirty="0"/>
+              <a:t>(ML) Same function, but use only a subset of the samples</a:t>
+            </a:r>
+          </a:p>
+          <a:p>
+            <a:endParaRPr lang="en-US" dirty="0"/>
+          </a:p>
+          <a:p>
+            <a:r>
+              <a:rPr lang="en-US" dirty="0"/>
+              <a:t>However, surrogate models are </a:t>
+            </a:r>
+            <a:r>
+              <a:rPr lang="en-US" b="1" dirty="0"/>
+              <a:t>problem-specific</a:t>
+            </a:r>
+          </a:p>
+          <a:p>
+            <a:r>
+              <a:rPr lang="en-US" dirty="0"/>
+              <a:t>Require domain knowledge and expertise from user</a:t>
+            </a:r>
+          </a:p>
+        </p:txBody>
+      </p:sp>
+    </p:spTree>
+    <p:extLst>
+      <p:ext uri="{BB962C8B-B14F-4D97-AF65-F5344CB8AC3E}">
+        <p14:creationId xmlns:p14="http://schemas.microsoft.com/office/powerpoint/2010/main" val="3822660741"/>
+      </p:ext>
+    </p:extLst>
+  </p:cSld>
+  <p:clrMapOvr>
+    <a:masterClrMapping/>
+  </p:clrMapOvr>
+</p:sld>
+</file>
+
+<file path=ppt/slides/slide17.xml><?xml version="1.0" encoding="utf-8"?>
+<p:sld xmlns:a="http://schemas.openxmlformats.org/drawingml/2006/main" xmlns:r="http://schemas.openxmlformats.org/officeDocument/2006/relationships" xmlns:p="http://schemas.openxmlformats.org/presentationml/2006/main">
+  <p:cSld>
+    <p:spTree>
+      <p:nvGrpSpPr>
+        <p:cNvPr id="1" name=""/>
+        <p:cNvGrpSpPr/>
+        <p:nvPr/>
+      </p:nvGrpSpPr>
+      <p:grpSpPr>
+        <a:xfrm>
+          <a:off x="0" y="0"/>
+          <a:ext cx="0" cy="0"/>
+          <a:chOff x="0" y="0"/>
+          <a:chExt cx="0" cy="0"/>
+        </a:xfrm>
+      </p:grpSpPr>
+      <p:sp>
+        <p:nvSpPr>
+          <p:cNvPr id="2" name="Titre 1">
+            <a:extLst>
+              <a:ext uri="{FF2B5EF4-FFF2-40B4-BE49-F238E27FC236}">
+                <a16:creationId xmlns:a16="http://schemas.microsoft.com/office/drawing/2014/main" id="{0F4C2CCE-B0A2-4FB9-8618-B08F369570FA}"/>
+              </a:ext>
+            </a:extLst>
+          </p:cNvPr>
+          <p:cNvSpPr>
+            <a:spLocks noGrp="1"/>
+          </p:cNvSpPr>
+          <p:nvPr>
+            <p:ph type="title"/>
+          </p:nvPr>
+        </p:nvSpPr>
+        <p:spPr/>
+        <p:txBody>
+          <a:bodyPr/>
+          <a:lstStyle/>
+          <a:p>
+            <a:r>
+              <a:rPr lang="en-US" dirty="0"/>
+              <a:t>Expensive objective functions</a:t>
+            </a:r>
+          </a:p>
+        </p:txBody>
+      </p:sp>
+      <p:sp>
+        <p:nvSpPr>
+          <p:cNvPr id="3" name="Espace réservé du texte 2">
+            <a:extLst>
+              <a:ext uri="{FF2B5EF4-FFF2-40B4-BE49-F238E27FC236}">
+                <a16:creationId xmlns:a16="http://schemas.microsoft.com/office/drawing/2014/main" id="{F72BA12A-5ED5-46A1-A570-840A167447E4}"/>
+              </a:ext>
+            </a:extLst>
+          </p:cNvPr>
+          <p:cNvSpPr>
+            <a:spLocks noGrp="1"/>
+          </p:cNvSpPr>
+          <p:nvPr>
+            <p:ph type="body" sz="quarter" idx="10"/>
+          </p:nvPr>
+        </p:nvSpPr>
+        <p:spPr/>
+        <p:txBody>
+          <a:bodyPr/>
+          <a:lstStyle/>
+          <a:p>
+            <a:r>
+              <a:rPr lang="en-US" dirty="0"/>
+              <a:t>Bayesian optimization</a:t>
+            </a:r>
+          </a:p>
+          <a:p>
+            <a:pPr lvl="1"/>
+            <a:r>
+              <a:rPr lang="en-US" dirty="0"/>
+              <a:t>Use a generic surrogate model, a random function with a prior</a:t>
+            </a:r>
+          </a:p>
+          <a:p>
+            <a:pPr lvl="1"/>
+            <a:r>
+              <a:rPr lang="en-US" dirty="0"/>
+              <a:t>Most common methodology uses kriging with Gaussian processes</a:t>
+            </a:r>
+          </a:p>
+          <a:p>
+            <a:pPr lvl="1"/>
+            <a:r>
+              <a:rPr lang="en-US" dirty="0"/>
+              <a:t>The surrogate model is updated at each evaluation</a:t>
+            </a:r>
+          </a:p>
+          <a:p>
+            <a:pPr lvl="1"/>
+            <a:r>
+              <a:rPr lang="en-US" dirty="0"/>
+              <a:t>Next point explored where surrogate model predicts improvement</a:t>
+            </a:r>
+          </a:p>
+          <a:p>
+            <a:pPr lvl="1"/>
+            <a:endParaRPr lang="en-US" dirty="0"/>
+          </a:p>
+          <a:p>
+            <a:r>
+              <a:rPr lang="en-US" dirty="0"/>
+              <a:t>Gaussian processes also estimate incertitude around a point</a:t>
+            </a:r>
+          </a:p>
+          <a:p>
+            <a:r>
+              <a:rPr lang="en-US" dirty="0"/>
+              <a:t>Sampling the point reduces uncertainty around it</a:t>
+            </a:r>
+          </a:p>
+          <a:p>
+            <a:r>
+              <a:rPr lang="en-US" dirty="0"/>
+              <a:t>De-facto build approximate model of the search space</a:t>
+            </a:r>
+          </a:p>
+        </p:txBody>
+      </p:sp>
+    </p:spTree>
+    <p:extLst>
+      <p:ext uri="{BB962C8B-B14F-4D97-AF65-F5344CB8AC3E}">
+        <p14:creationId xmlns:p14="http://schemas.microsoft.com/office/powerpoint/2010/main" val="310010912"/>
+      </p:ext>
+    </p:extLst>
+  </p:cSld>
+  <p:clrMapOvr>
+    <a:masterClrMapping/>
+  </p:clrMapOvr>
+</p:sld>
+</file>
+
+<file path=ppt/slides/slide18.xml><?xml version="1.0" encoding="utf-8"?>
+<p:sld xmlns:a="http://schemas.openxmlformats.org/drawingml/2006/main" xmlns:r="http://schemas.openxmlformats.org/officeDocument/2006/relationships" xmlns:p="http://schemas.openxmlformats.org/presentationml/2006/main">
+  <p:cSld>
+    <p:spTree>
+      <p:nvGrpSpPr>
+        <p:cNvPr id="1" name=""/>
+        <p:cNvGrpSpPr/>
+        <p:nvPr/>
+      </p:nvGrpSpPr>
+      <p:grpSpPr>
+        <a:xfrm>
+          <a:off x="0" y="0"/>
+          <a:ext cx="0" cy="0"/>
+          <a:chOff x="0" y="0"/>
+          <a:chExt cx="0" cy="0"/>
+        </a:xfrm>
+      </p:grpSpPr>
+      <p:sp>
+        <p:nvSpPr>
+          <p:cNvPr id="2" name="Titre 1">
+            <a:extLst>
+              <a:ext uri="{FF2B5EF4-FFF2-40B4-BE49-F238E27FC236}">
+                <a16:creationId xmlns:a16="http://schemas.microsoft.com/office/drawing/2014/main" id="{D4BD4984-6D5B-4E34-AF13-D8CEC69BC624}"/>
+              </a:ext>
+            </a:extLst>
+          </p:cNvPr>
+          <p:cNvSpPr>
+            <a:spLocks noGrp="1"/>
+          </p:cNvSpPr>
+          <p:nvPr>
+            <p:ph type="title"/>
+          </p:nvPr>
+        </p:nvSpPr>
+        <p:spPr/>
+        <p:txBody>
+          <a:bodyPr/>
+          <a:lstStyle/>
+          <a:p>
+            <a:r>
+              <a:rPr lang="en-US" dirty="0"/>
+              <a:t>Expensive objective functions</a:t>
+            </a:r>
+          </a:p>
+        </p:txBody>
+      </p:sp>
+      <p:sp>
+        <p:nvSpPr>
+          <p:cNvPr id="3" name="Espace réservé du texte 2">
+            <a:extLst>
+              <a:ext uri="{FF2B5EF4-FFF2-40B4-BE49-F238E27FC236}">
+                <a16:creationId xmlns:a16="http://schemas.microsoft.com/office/drawing/2014/main" id="{9B91BC2D-529B-4778-B1CD-85D371E8B264}"/>
+              </a:ext>
+            </a:extLst>
+          </p:cNvPr>
+          <p:cNvSpPr>
+            <a:spLocks noGrp="1"/>
+          </p:cNvSpPr>
+          <p:nvPr>
+            <p:ph type="body" sz="quarter" idx="10"/>
+          </p:nvPr>
+        </p:nvSpPr>
+        <p:spPr/>
+        <p:txBody>
+          <a:bodyPr/>
+          <a:lstStyle/>
+          <a:p>
+            <a:endParaRPr lang="en-US" dirty="0"/>
+          </a:p>
+        </p:txBody>
+      </p:sp>
+      <p:pic>
+        <p:nvPicPr>
+          <p:cNvPr id="7" name="Image 6">
+            <a:extLst>
+              <a:ext uri="{FF2B5EF4-FFF2-40B4-BE49-F238E27FC236}">
+                <a16:creationId xmlns:a16="http://schemas.microsoft.com/office/drawing/2014/main" id="{E71E05D9-AC93-4E2B-988D-88F5368CDBD8}"/>
+              </a:ext>
+            </a:extLst>
+          </p:cNvPr>
+          <p:cNvPicPr>
+            <a:picLocks noChangeAspect="1"/>
+          </p:cNvPicPr>
+          <p:nvPr/>
+        </p:nvPicPr>
+        <p:blipFill rotWithShape="1">
+          <a:blip r:embed="rId2">
+            <a:extLst>
+              <a:ext uri="{28A0092B-C50C-407E-A947-70E740481C1C}">
+                <a14:useLocalDpi xmlns:a14="http://schemas.microsoft.com/office/drawing/2010/main" val="0"/>
+              </a:ext>
+            </a:extLst>
+          </a:blip>
+          <a:srcRect b="51615"/>
+          <a:stretch/>
+        </p:blipFill>
+        <p:spPr>
+          <a:xfrm>
+            <a:off x="1930170" y="1489361"/>
+            <a:ext cx="8331659" cy="4543809"/>
+          </a:xfrm>
+          <a:prstGeom prst="rect">
+            <a:avLst/>
+          </a:prstGeom>
+        </p:spPr>
+      </p:pic>
+    </p:spTree>
+    <p:extLst>
+      <p:ext uri="{BB962C8B-B14F-4D97-AF65-F5344CB8AC3E}">
+        <p14:creationId xmlns:p14="http://schemas.microsoft.com/office/powerpoint/2010/main" val="730267398"/>
+      </p:ext>
+    </p:extLst>
+  </p:cSld>
+  <p:clrMapOvr>
+    <a:masterClrMapping/>
+  </p:clrMapOvr>
+</p:sld>
+</file>
+
+<file path=ppt/slides/slide19.xml><?xml version="1.0" encoding="utf-8"?>
+<p:sld xmlns:a="http://schemas.openxmlformats.org/drawingml/2006/main" xmlns:r="http://schemas.openxmlformats.org/officeDocument/2006/relationships" xmlns:p="http://schemas.openxmlformats.org/presentationml/2006/main">
+  <p:cSld>
+    <p:spTree>
+      <p:nvGrpSpPr>
+        <p:cNvPr id="1" name=""/>
+        <p:cNvGrpSpPr/>
+        <p:nvPr/>
+      </p:nvGrpSpPr>
+      <p:grpSpPr>
+        <a:xfrm>
+          <a:off x="0" y="0"/>
+          <a:ext cx="0" cy="0"/>
+          <a:chOff x="0" y="0"/>
+          <a:chExt cx="0" cy="0"/>
+        </a:xfrm>
+      </p:grpSpPr>
+      <p:sp>
+        <p:nvSpPr>
+          <p:cNvPr id="4" name="Titre 3">
+            <a:extLst>
+              <a:ext uri="{FF2B5EF4-FFF2-40B4-BE49-F238E27FC236}">
+                <a16:creationId xmlns:a16="http://schemas.microsoft.com/office/drawing/2014/main" id="{B53E8A05-42BD-489E-BF5F-958C213739DF}"/>
+              </a:ext>
+            </a:extLst>
+          </p:cNvPr>
+          <p:cNvSpPr>
+            <a:spLocks noGrp="1"/>
+          </p:cNvSpPr>
+          <p:nvPr>
+            <p:ph type="ctrTitle"/>
+          </p:nvPr>
+        </p:nvSpPr>
+        <p:spPr/>
+        <p:txBody>
+          <a:bodyPr/>
+          <a:lstStyle/>
+          <a:p>
+            <a:r>
+              <a:rPr lang="en-US" dirty="0"/>
+              <a:t>Questions?</a:t>
+            </a:r>
+          </a:p>
+        </p:txBody>
+      </p:sp>
+      <p:sp>
+        <p:nvSpPr>
+          <p:cNvPr id="5" name="Sous-titre 4">
+            <a:extLst>
+              <a:ext uri="{FF2B5EF4-FFF2-40B4-BE49-F238E27FC236}">
+                <a16:creationId xmlns:a16="http://schemas.microsoft.com/office/drawing/2014/main" id="{CEB63DBD-0FC0-4057-AC92-1717C1D0ED55}"/>
+              </a:ext>
+            </a:extLst>
+          </p:cNvPr>
+          <p:cNvSpPr>
+            <a:spLocks noGrp="1"/>
+          </p:cNvSpPr>
+          <p:nvPr>
+            <p:ph type="subTitle" idx="1"/>
+          </p:nvPr>
+        </p:nvSpPr>
+        <p:spPr/>
+        <p:txBody>
+          <a:bodyPr>
+            <a:noAutofit/>
+          </a:bodyPr>
+          <a:lstStyle/>
+          <a:p>
+            <a:r>
+              <a:rPr lang="en-US" dirty="0"/>
+              <a:t>Bibliography</a:t>
+            </a:r>
+            <a:br>
+              <a:rPr lang="en-US" dirty="0"/>
+            </a:br>
+            <a:r>
+              <a:rPr lang="en-US" dirty="0"/>
+              <a:t>- Lehman &amp; Stanley, </a:t>
+            </a:r>
+            <a:r>
+              <a:rPr lang="en-US" i="1" dirty="0"/>
+              <a:t>Abandoning Objectives: Evolution through the Search for Novelty Alone</a:t>
+            </a:r>
+            <a:r>
+              <a:rPr lang="en-US" dirty="0"/>
+              <a:t>, 2011</a:t>
+            </a:r>
+            <a:br>
+              <a:rPr lang="en-US" dirty="0"/>
+            </a:br>
+            <a:r>
+              <a:rPr lang="en-US" dirty="0"/>
+              <a:t>- </a:t>
+            </a:r>
+            <a:r>
+              <a:rPr lang="en-US" dirty="0" err="1"/>
+              <a:t>Alshawhan</a:t>
+            </a:r>
+            <a:r>
+              <a:rPr lang="en-US" dirty="0"/>
+              <a:t> et al., </a:t>
+            </a:r>
+            <a:r>
+              <a:rPr lang="en-US" i="1" dirty="0"/>
+              <a:t>Deploying Search Based Software Engineering with </a:t>
+            </a:r>
+            <a:r>
+              <a:rPr lang="en-US" i="1" dirty="0" err="1"/>
+              <a:t>Sapienz</a:t>
+            </a:r>
+            <a:r>
+              <a:rPr lang="en-US" i="1" dirty="0"/>
+              <a:t> at Facebook</a:t>
+            </a:r>
+            <a:r>
+              <a:rPr lang="en-US" dirty="0"/>
+              <a:t>, 2018</a:t>
+            </a:r>
+            <a:br>
+              <a:rPr lang="en-US" dirty="0"/>
+            </a:br>
+            <a:r>
+              <a:rPr lang="en-US" dirty="0"/>
+              <a:t>- Frazier, </a:t>
+            </a:r>
+            <a:r>
+              <a:rPr lang="en-US" i="1" dirty="0"/>
+              <a:t>A Tutorial on Bayesian Optimization</a:t>
+            </a:r>
+            <a:r>
+              <a:rPr lang="en-US" dirty="0"/>
+              <a:t>, 2018</a:t>
+            </a:r>
+          </a:p>
+          <a:p>
+            <a:r>
+              <a:rPr lang="en-US" sz="1200" dirty="0"/>
+              <a:t>Images: unless otherwise stated, I stole them from the Internet. I hope they are not copyrighted, or that their use falls under the Fair Use clause, and if not, I am sorry. Please don’t sue me.</a:t>
+            </a:r>
+          </a:p>
+        </p:txBody>
+      </p:sp>
+      <p:pic>
+        <p:nvPicPr>
+          <p:cNvPr id="6" name="Picture 2">
+            <a:extLst>
+              <a:ext uri="{FF2B5EF4-FFF2-40B4-BE49-F238E27FC236}">
+                <a16:creationId xmlns:a16="http://schemas.microsoft.com/office/drawing/2014/main" id="{6E214693-AB7E-4C54-8D7C-0391735F7C4F}"/>
+              </a:ext>
+            </a:extLst>
+          </p:cNvPr>
+          <p:cNvPicPr>
+            <a:picLocks noChangeAspect="1" noChangeArrowheads="1"/>
+          </p:cNvPicPr>
+          <p:nvPr/>
+        </p:nvPicPr>
+        <p:blipFill rotWithShape="1">
+          <a:blip r:embed="rId2">
+            <a:extLst>
+              <a:ext uri="{BEBA8EAE-BF5A-486C-A8C5-ECC9F3942E4B}">
+                <a14:imgProps xmlns:a14="http://schemas.microsoft.com/office/drawing/2010/main">
+                  <a14:imgLayer r:embed="rId3">
+                    <a14:imgEffect>
+                      <a14:backgroundRemoval t="22283" b="75673" l="54554" r="90983"/>
+                    </a14:imgEffect>
+                  </a14:imgLayer>
+                </a14:imgProps>
+              </a:ext>
+              <a:ext uri="{28A0092B-C50C-407E-A947-70E740481C1C}">
+                <a14:useLocalDpi xmlns:a14="http://schemas.microsoft.com/office/drawing/2010/main" val="0"/>
+              </a:ext>
+            </a:extLst>
+          </a:blip>
+          <a:srcRect l="50000" t="15610" r="4463" b="17653"/>
+          <a:stretch/>
+        </p:blipFill>
+        <p:spPr bwMode="auto">
+          <a:xfrm>
+            <a:off x="4938382" y="1037974"/>
+            <a:ext cx="1295445" cy="884352"/>
+          </a:xfrm>
+          <a:prstGeom prst="rect">
+            <a:avLst/>
+          </a:prstGeom>
+          <a:noFill/>
+          <a:extLst>
+            <a:ext uri="{909E8E84-426E-40DD-AFC4-6F175D3DCCD1}">
+              <a14:hiddenFill xmlns:a14="http://schemas.microsoft.com/office/drawing/2010/main">
+                <a:solidFill>
+                  <a:srgbClr val="FFFFFF"/>
+                </a:solidFill>
+              </a14:hiddenFill>
+            </a:ext>
+          </a:extLst>
+        </p:spPr>
+      </p:pic>
+      <p:pic>
+        <p:nvPicPr>
+          <p:cNvPr id="7" name="Image 6">
+            <a:extLst>
+              <a:ext uri="{FF2B5EF4-FFF2-40B4-BE49-F238E27FC236}">
+                <a16:creationId xmlns:a16="http://schemas.microsoft.com/office/drawing/2014/main" id="{414D43F9-35B6-46FA-B5D4-8F2F1AA72ED1}"/>
+              </a:ext>
+            </a:extLst>
+          </p:cNvPr>
+          <p:cNvPicPr>
+            <a:picLocks noChangeAspect="1"/>
+          </p:cNvPicPr>
+          <p:nvPr/>
+        </p:nvPicPr>
+        <p:blipFill>
+          <a:blip r:embed="rId4"/>
+          <a:stretch>
+            <a:fillRect/>
+          </a:stretch>
+        </p:blipFill>
+        <p:spPr>
+          <a:xfrm>
+            <a:off x="6383826" y="1073027"/>
+            <a:ext cx="1642424" cy="574848"/>
+          </a:xfrm>
+          <a:prstGeom prst="rect">
+            <a:avLst/>
+          </a:prstGeom>
+        </p:spPr>
+      </p:pic>
+    </p:spTree>
+    <p:extLst>
+      <p:ext uri="{BB962C8B-B14F-4D97-AF65-F5344CB8AC3E}">
+        <p14:creationId xmlns:p14="http://schemas.microsoft.com/office/powerpoint/2010/main" val="938009228"/>
+      </p:ext>
+    </p:extLst>
+  </p:cSld>
+  <p:clrMapOvr>
+    <a:masterClrMapping/>
+  </p:clrMapOvr>
+</p:sld>
+</file>
+
+<file path=ppt/slides/slide2.xml><?xml version="1.0" encoding="utf-8"?>
+<p:sld xmlns:a="http://schemas.openxmlformats.org/drawingml/2006/main" xmlns:r="http://schemas.openxmlformats.org/officeDocument/2006/relationships" xmlns:p="http://schemas.openxmlformats.org/presentationml/2006/main">
+  <p:cSld>
+    <p:spTree>
+      <p:nvGrpSpPr>
+        <p:cNvPr id="1" name=""/>
+        <p:cNvGrpSpPr/>
+        <p:nvPr/>
+      </p:nvGrpSpPr>
+      <p:grpSpPr>
+        <a:xfrm>
+          <a:off x="0" y="0"/>
+          <a:ext cx="0" cy="0"/>
+          <a:chOff x="0" y="0"/>
+          <a:chExt cx="0" cy="0"/>
+        </a:xfrm>
+      </p:grpSpPr>
+      <p:sp>
+        <p:nvSpPr>
+          <p:cNvPr id="4" name="Titre 3"/>
+          <p:cNvSpPr>
+            <a:spLocks noGrp="1"/>
+          </p:cNvSpPr>
+          <p:nvPr>
+            <p:ph type="title"/>
+          </p:nvPr>
+        </p:nvSpPr>
+        <p:spPr/>
+        <p:txBody>
+          <a:bodyPr/>
+          <a:lstStyle/>
+          <a:p>
+            <a:r>
+              <a:rPr lang="en-US" dirty="0"/>
+              <a:t>Outline</a:t>
+            </a:r>
+          </a:p>
+        </p:txBody>
+      </p:sp>
+      <p:sp>
+        <p:nvSpPr>
+          <p:cNvPr id="5" name="Espace réservé du texte 4"/>
+          <p:cNvSpPr>
+            <a:spLocks noGrp="1"/>
+          </p:cNvSpPr>
+          <p:nvPr>
+            <p:ph type="body" sz="quarter" idx="10"/>
+          </p:nvPr>
+        </p:nvSpPr>
+        <p:spPr/>
+        <p:txBody>
+          <a:bodyPr/>
+          <a:lstStyle/>
+          <a:p>
+            <a:r>
+              <a:rPr lang="en-US" dirty="0"/>
+              <a:t>Finding multiple optima</a:t>
+            </a:r>
+          </a:p>
+          <a:p>
+            <a:r>
+              <a:rPr lang="en-US" dirty="0"/>
+              <a:t>Deceptive objective functions</a:t>
+            </a:r>
+          </a:p>
+          <a:p>
+            <a:r>
+              <a:rPr lang="en-US" dirty="0"/>
+              <a:t>Flat objective functions</a:t>
+            </a:r>
+          </a:p>
+          <a:p>
+            <a:r>
+              <a:rPr lang="en-US" dirty="0"/>
+              <a:t>Expensive objective functions</a:t>
+            </a:r>
+          </a:p>
+          <a:p>
+            <a:r>
+              <a:rPr lang="en-US" dirty="0"/>
+              <a:t>Dynamic objective functions</a:t>
+            </a:r>
+          </a:p>
+        </p:txBody>
+      </p:sp>
+    </p:spTree>
+    <p:extLst>
+      <p:ext uri="{BB962C8B-B14F-4D97-AF65-F5344CB8AC3E}">
+        <p14:creationId xmlns:p14="http://schemas.microsoft.com/office/powerpoint/2010/main" val="454349701"/>
+      </p:ext>
+    </p:extLst>
+  </p:cSld>
+  <p:clrMapOvr>
+    <a:masterClrMapping/>
+  </p:clrMapOvr>
+</p:sld>
+</file>
+
+<file path=ppt/slides/slide3.xml><?xml version="1.0" encoding="utf-8"?>
+<p:sld xmlns:a="http://schemas.openxmlformats.org/drawingml/2006/main" xmlns:r="http://schemas.openxmlformats.org/officeDocument/2006/relationships" xmlns:p="http://schemas.openxmlformats.org/presentationml/2006/main">
+  <p:cSld>
+    <p:spTree>
+      <p:nvGrpSpPr>
+        <p:cNvPr id="1" name=""/>
+        <p:cNvGrpSpPr/>
+        <p:nvPr/>
+      </p:nvGrpSpPr>
+      <p:grpSpPr>
+        <a:xfrm>
+          <a:off x="0" y="0"/>
+          <a:ext cx="0" cy="0"/>
+          <a:chOff x="0" y="0"/>
+          <a:chExt cx="0" cy="0"/>
+        </a:xfrm>
+      </p:grpSpPr>
+      <p:sp>
+        <p:nvSpPr>
+          <p:cNvPr id="2" name="Titre 1">
+            <a:extLst>
+              <a:ext uri="{FF2B5EF4-FFF2-40B4-BE49-F238E27FC236}">
+                <a16:creationId xmlns:a16="http://schemas.microsoft.com/office/drawing/2014/main" id="{8C1E9F50-A1B4-47BF-AD9A-9A880F80BFA7}"/>
+              </a:ext>
+            </a:extLst>
+          </p:cNvPr>
+          <p:cNvSpPr>
+            <a:spLocks noGrp="1"/>
+          </p:cNvSpPr>
+          <p:nvPr>
+            <p:ph type="title"/>
+          </p:nvPr>
+        </p:nvSpPr>
+        <p:spPr/>
+        <p:txBody>
+          <a:bodyPr/>
+          <a:lstStyle/>
+          <a:p>
+            <a:r>
+              <a:rPr lang="en-US" dirty="0"/>
+              <a:t>Finding multiple optima</a:t>
+            </a:r>
+          </a:p>
+        </p:txBody>
+      </p:sp>
+      <p:sp>
+        <p:nvSpPr>
+          <p:cNvPr id="3" name="Espace réservé du texte 2">
+            <a:extLst>
+              <a:ext uri="{FF2B5EF4-FFF2-40B4-BE49-F238E27FC236}">
+                <a16:creationId xmlns:a16="http://schemas.microsoft.com/office/drawing/2014/main" id="{08772E4A-E3AC-4D6B-BBD0-5CB19363A352}"/>
+              </a:ext>
+            </a:extLst>
+          </p:cNvPr>
+          <p:cNvSpPr>
+            <a:spLocks noGrp="1"/>
+          </p:cNvSpPr>
+          <p:nvPr>
+            <p:ph type="body" sz="quarter" idx="10"/>
+          </p:nvPr>
+        </p:nvSpPr>
+        <p:spPr/>
+        <p:txBody>
+          <a:bodyPr/>
+          <a:lstStyle/>
+          <a:p>
+            <a:r>
+              <a:rPr lang="en-US" dirty="0"/>
+              <a:t>Multimodal functions</a:t>
+            </a:r>
+          </a:p>
+          <a:p>
+            <a:pPr lvl="1"/>
+            <a:r>
+              <a:rPr lang="en-US" dirty="0"/>
+              <a:t>Several global optima</a:t>
+            </a:r>
+          </a:p>
+          <a:p>
+            <a:pPr lvl="1"/>
+            <a:r>
+              <a:rPr lang="en-US" dirty="0"/>
+              <a:t>Or a global optimum and several strong local optima</a:t>
+            </a:r>
+          </a:p>
+          <a:p>
+            <a:pPr lvl="1"/>
+            <a:endParaRPr lang="en-US" dirty="0"/>
+          </a:p>
+          <a:p>
+            <a:r>
+              <a:rPr lang="en-US" dirty="0"/>
+              <a:t>Optimization algorithms tend to end up in the same places</a:t>
+            </a:r>
+          </a:p>
+          <a:p>
+            <a:pPr lvl="1"/>
+            <a:r>
+              <a:rPr lang="en-US" dirty="0"/>
+              <a:t>How to force the algorithm to explore other areas?</a:t>
+            </a:r>
+          </a:p>
+          <a:p>
+            <a:pPr lvl="1"/>
+            <a:r>
+              <a:rPr lang="en-US" dirty="0"/>
+              <a:t>Any ideas?</a:t>
+            </a:r>
+          </a:p>
+        </p:txBody>
+      </p:sp>
+    </p:spTree>
+    <p:extLst>
+      <p:ext uri="{BB962C8B-B14F-4D97-AF65-F5344CB8AC3E}">
+        <p14:creationId xmlns:p14="http://schemas.microsoft.com/office/powerpoint/2010/main" val="1661753176"/>
+      </p:ext>
+    </p:extLst>
+  </p:cSld>
+  <p:clrMapOvr>
+    <a:masterClrMapping/>
+  </p:clrMapOvr>
+</p:sld>
+</file>
+
+<file path=ppt/slides/slide4.xml><?xml version="1.0" encoding="utf-8"?>
+<p:sld xmlns:a="http://schemas.openxmlformats.org/drawingml/2006/main" xmlns:r="http://schemas.openxmlformats.org/officeDocument/2006/relationships" xmlns:p="http://schemas.openxmlformats.org/presentationml/2006/main">
+  <p:cSld>
+    <p:spTree>
+      <p:nvGrpSpPr>
+        <p:cNvPr id="1" name=""/>
+        <p:cNvGrpSpPr/>
+        <p:nvPr/>
+      </p:nvGrpSpPr>
+      <p:grpSpPr>
+        <a:xfrm>
+          <a:off x="0" y="0"/>
+          <a:ext cx="0" cy="0"/>
+          <a:chOff x="0" y="0"/>
+          <a:chExt cx="0" cy="0"/>
+        </a:xfrm>
+      </p:grpSpPr>
+      <p:sp>
+        <p:nvSpPr>
+          <p:cNvPr id="2" name="Titre 1">
+            <a:extLst>
+              <a:ext uri="{FF2B5EF4-FFF2-40B4-BE49-F238E27FC236}">
+                <a16:creationId xmlns:a16="http://schemas.microsoft.com/office/drawing/2014/main" id="{964437A8-AECB-466D-81E5-19E7EA908EBB}"/>
+              </a:ext>
+            </a:extLst>
+          </p:cNvPr>
+          <p:cNvSpPr>
+            <a:spLocks noGrp="1"/>
+          </p:cNvSpPr>
+          <p:nvPr>
+            <p:ph type="title"/>
+          </p:nvPr>
+        </p:nvSpPr>
+        <p:spPr/>
+        <p:txBody>
+          <a:bodyPr/>
+          <a:lstStyle/>
+          <a:p>
+            <a:r>
+              <a:rPr lang="en-US" dirty="0"/>
+              <a:t>Finding multiple optima</a:t>
+            </a:r>
+          </a:p>
+        </p:txBody>
+      </p:sp>
+      <p:sp>
+        <p:nvSpPr>
+          <p:cNvPr id="3" name="Espace réservé du texte 2">
+            <a:extLst>
+              <a:ext uri="{FF2B5EF4-FFF2-40B4-BE49-F238E27FC236}">
+                <a16:creationId xmlns:a16="http://schemas.microsoft.com/office/drawing/2014/main" id="{25EFA04D-419E-4199-ACEC-26A3AD031FD8}"/>
+              </a:ext>
+            </a:extLst>
+          </p:cNvPr>
+          <p:cNvSpPr>
+            <a:spLocks noGrp="1"/>
+          </p:cNvSpPr>
+          <p:nvPr>
+            <p:ph type="body" sz="quarter" idx="10"/>
+          </p:nvPr>
+        </p:nvSpPr>
+        <p:spPr/>
+        <p:txBody>
+          <a:bodyPr/>
+          <a:lstStyle/>
+          <a:p>
+            <a:r>
+              <a:rPr lang="en-US" dirty="0"/>
+              <a:t>BIPOP-CMA-ES</a:t>
+            </a:r>
+          </a:p>
+          <a:p>
+            <a:pPr lvl="1"/>
+            <a:r>
+              <a:rPr lang="en-US" dirty="0"/>
+              <a:t>Set a budget with a total number of evaluations</a:t>
+            </a:r>
+          </a:p>
+          <a:p>
+            <a:pPr lvl="1"/>
+            <a:r>
+              <a:rPr lang="en-US" dirty="0"/>
+              <a:t>After a run stops for heuristic conditions</a:t>
+            </a:r>
+          </a:p>
+          <a:p>
+            <a:pPr lvl="1"/>
+            <a:r>
+              <a:rPr lang="en-US" dirty="0"/>
+              <a:t>Restart the run with larger populations, until budget exhausted</a:t>
+            </a:r>
+          </a:p>
+        </p:txBody>
+      </p:sp>
+      <p:pic>
+        <p:nvPicPr>
+          <p:cNvPr id="5" name="Image 4">
+            <a:extLst>
+              <a:ext uri="{FF2B5EF4-FFF2-40B4-BE49-F238E27FC236}">
+                <a16:creationId xmlns:a16="http://schemas.microsoft.com/office/drawing/2014/main" id="{1E5D0BBC-949F-4348-B866-E28EC458C144}"/>
+              </a:ext>
+            </a:extLst>
+          </p:cNvPr>
+          <p:cNvPicPr>
+            <a:picLocks noChangeAspect="1"/>
+          </p:cNvPicPr>
+          <p:nvPr/>
+        </p:nvPicPr>
+        <p:blipFill>
+          <a:blip r:embed="rId2">
+            <a:extLst>
+              <a:ext uri="{28A0092B-C50C-407E-A947-70E740481C1C}">
+                <a14:useLocalDpi xmlns:a14="http://schemas.microsoft.com/office/drawing/2010/main" val="0"/>
+              </a:ext>
+            </a:extLst>
+          </a:blip>
+          <a:stretch>
+            <a:fillRect/>
+          </a:stretch>
+        </p:blipFill>
+        <p:spPr>
+          <a:xfrm>
+            <a:off x="3259121" y="3452076"/>
+            <a:ext cx="5673757" cy="2836879"/>
+          </a:xfrm>
+          <a:prstGeom prst="rect">
+            <a:avLst/>
+          </a:prstGeom>
+        </p:spPr>
+      </p:pic>
+    </p:spTree>
+    <p:extLst>
+      <p:ext uri="{BB962C8B-B14F-4D97-AF65-F5344CB8AC3E}">
+        <p14:creationId xmlns:p14="http://schemas.microsoft.com/office/powerpoint/2010/main" val="655068542"/>
+      </p:ext>
+    </p:extLst>
+  </p:cSld>
+  <p:clrMapOvr>
+    <a:masterClrMapping/>
+  </p:clrMapOvr>
+</p:sld>
+</file>
+
+<file path=ppt/slides/slide5.xml><?xml version="1.0" encoding="utf-8"?>
+<p:sld xmlns:a="http://schemas.openxmlformats.org/drawingml/2006/main" xmlns:r="http://schemas.openxmlformats.org/officeDocument/2006/relationships" xmlns:p="http://schemas.openxmlformats.org/presentationml/2006/main">
+  <p:cSld>
+    <p:spTree>
+      <p:nvGrpSpPr>
+        <p:cNvPr id="1" name=""/>
+        <p:cNvGrpSpPr/>
+        <p:nvPr/>
+      </p:nvGrpSpPr>
+      <p:grpSpPr>
+        <a:xfrm>
+          <a:off x="0" y="0"/>
+          <a:ext cx="0" cy="0"/>
+          <a:chOff x="0" y="0"/>
+          <a:chExt cx="0" cy="0"/>
+        </a:xfrm>
+      </p:grpSpPr>
+      <p:sp>
+        <p:nvSpPr>
+          <p:cNvPr id="2" name="Titre 1">
+            <a:extLst>
+              <a:ext uri="{FF2B5EF4-FFF2-40B4-BE49-F238E27FC236}">
+                <a16:creationId xmlns:a16="http://schemas.microsoft.com/office/drawing/2014/main" id="{E6CE93CE-92E5-4516-BBB1-29FD4CC6D7A2}"/>
+              </a:ext>
+            </a:extLst>
+          </p:cNvPr>
+          <p:cNvSpPr>
+            <a:spLocks noGrp="1"/>
+          </p:cNvSpPr>
+          <p:nvPr>
+            <p:ph type="title"/>
+          </p:nvPr>
+        </p:nvSpPr>
+        <p:spPr/>
+        <p:txBody>
+          <a:bodyPr/>
+          <a:lstStyle/>
+          <a:p>
+            <a:r>
+              <a:rPr lang="en-US" dirty="0"/>
+              <a:t>Finding multiple optima</a:t>
+            </a:r>
+          </a:p>
+        </p:txBody>
+      </p:sp>
+      <p:sp>
+        <p:nvSpPr>
+          <p:cNvPr id="3" name="Espace réservé du texte 2">
+            <a:extLst>
+              <a:ext uri="{FF2B5EF4-FFF2-40B4-BE49-F238E27FC236}">
+                <a16:creationId xmlns:a16="http://schemas.microsoft.com/office/drawing/2014/main" id="{D30171C0-09E2-4FE6-80A6-C8A4D27E4792}"/>
+              </a:ext>
+            </a:extLst>
+          </p:cNvPr>
+          <p:cNvSpPr>
+            <a:spLocks noGrp="1"/>
+          </p:cNvSpPr>
+          <p:nvPr>
+            <p:ph type="body" sz="quarter" idx="10"/>
+          </p:nvPr>
+        </p:nvSpPr>
+        <p:spPr/>
+        <p:txBody>
+          <a:bodyPr/>
+          <a:lstStyle/>
+          <a:p>
+            <a:r>
+              <a:rPr lang="en-US" dirty="0"/>
+              <a:t>Flattening explored areas of the objective function</a:t>
+            </a:r>
+          </a:p>
+          <a:p>
+            <a:pPr lvl="1"/>
+            <a:r>
+              <a:rPr lang="en-US" dirty="0"/>
+              <a:t>Run algorithm once, store best point found</a:t>
+            </a:r>
+          </a:p>
+          <a:p>
+            <a:pPr lvl="1"/>
+            <a:r>
+              <a:rPr lang="en-US" dirty="0"/>
+              <a:t>Modify value of objective function around best point</a:t>
+            </a:r>
+          </a:p>
+          <a:p>
+            <a:pPr lvl="1"/>
+            <a:r>
+              <a:rPr lang="en-US" dirty="0"/>
+              <a:t>Set the value around best point to undesired (e.g. 0.0 if maximize)</a:t>
+            </a:r>
+          </a:p>
+          <a:p>
+            <a:pPr lvl="1"/>
+            <a:r>
+              <a:rPr lang="en-US" dirty="0"/>
+              <a:t>Run the algorithm a second time; iterate several times</a:t>
+            </a:r>
+          </a:p>
+          <a:p>
+            <a:endParaRPr lang="en-US" dirty="0"/>
+          </a:p>
+          <a:p>
+            <a:r>
+              <a:rPr lang="en-US" dirty="0"/>
+              <a:t>“Removing” areas of the search space already explored</a:t>
+            </a:r>
+          </a:p>
+          <a:p>
+            <a:r>
+              <a:rPr lang="en-US" dirty="0"/>
+              <a:t>Changing the objective function lead algorithms elsewhere</a:t>
+            </a:r>
+          </a:p>
+        </p:txBody>
+      </p:sp>
+    </p:spTree>
+    <p:extLst>
+      <p:ext uri="{BB962C8B-B14F-4D97-AF65-F5344CB8AC3E}">
+        <p14:creationId xmlns:p14="http://schemas.microsoft.com/office/powerpoint/2010/main" val="3636940099"/>
       </p:ext>
     </p:extLst>
   </p:cSld>
@@ -2516,7 +6271,7 @@
           <p:cNvPr id="2" name="Titre 1">
             <a:extLst>
               <a:ext uri="{FF2B5EF4-FFF2-40B4-BE49-F238E27FC236}">
-                <a16:creationId xmlns:a16="http://schemas.microsoft.com/office/drawing/2014/main" id="{8B8B4A80-03C3-4E7B-8AE6-2C0DF0D4E611}"/>
+                <a16:creationId xmlns:a16="http://schemas.microsoft.com/office/drawing/2014/main" id="{8C1E9F50-A1B4-47BF-AD9A-9A880F80BFA7}"/>
               </a:ext>
             </a:extLst>
           </p:cNvPr>
@@ -2534,7 +6289,7 @@
           <a:p>
             <a:r>
               <a:rPr lang="en-US" dirty="0"/>
-              <a:t>Flat objective function</a:t>
+              <a:t>Finding multiple optima</a:t>
             </a:r>
           </a:p>
         </p:txBody>
@@ -2544,7 +6299,7 @@
           <p:cNvPr id="3" name="Espace réservé du texte 2">
             <a:extLst>
               <a:ext uri="{FF2B5EF4-FFF2-40B4-BE49-F238E27FC236}">
-                <a16:creationId xmlns:a16="http://schemas.microsoft.com/office/drawing/2014/main" id="{FAA9DB74-D636-4446-B100-6B15F5435B0B}"/>
+                <a16:creationId xmlns:a16="http://schemas.microsoft.com/office/drawing/2014/main" id="{08772E4A-E3AC-4D6B-BBD0-5CB19363A352}"/>
               </a:ext>
             </a:extLst>
           </p:cNvPr>
@@ -2562,66 +6317,34 @@
           <a:p>
             <a:r>
               <a:rPr lang="en-US" dirty="0"/>
-              <a:t>Example: finding bugs in software / hardware</a:t>
+              <a:t>All the techniques require restarting!</a:t>
+            </a:r>
+          </a:p>
+          <a:p>
+            <a:r>
+              <a:rPr lang="en-US" dirty="0"/>
+              <a:t>Niching: push for exploration during a single runtime</a:t>
             </a:r>
           </a:p>
           <a:p>
             <a:pPr lvl="1"/>
             <a:r>
               <a:rPr lang="en-US" dirty="0"/>
-              <a:t>Candidate solution: input to the device under test</a:t>
+              <a:t>Technique developed for Evolutionary Algorithms</a:t>
             </a:r>
           </a:p>
           <a:p>
             <a:pPr lvl="1"/>
             <a:r>
               <a:rPr lang="en-US" dirty="0"/>
-              <a:t>Fitness function: we found a bug (crash) / we did not find a bug</a:t>
+              <a:t>Lower value of candidate solution based on crowding</a:t>
             </a:r>
           </a:p>
           <a:p>
             <a:pPr lvl="1"/>
             <a:r>
               <a:rPr lang="en-US" dirty="0"/>
-              <a:t>Smoothening: number of different functionalities activated</a:t>
-            </a:r>
-          </a:p>
-          <a:p>
-            <a:pPr lvl="1"/>
-            <a:r>
-              <a:rPr lang="en-US" dirty="0"/>
-              <a:t>“The more functions activated, the more likely to trigger a bug”</a:t>
-            </a:r>
-          </a:p>
-          <a:p>
-            <a:endParaRPr lang="en-US" dirty="0"/>
-          </a:p>
-          <a:p>
-            <a:r>
-              <a:rPr lang="en-US" dirty="0"/>
-              <a:t>As there are no gradients, stochastic optimization (EAs)</a:t>
-            </a:r>
-          </a:p>
-          <a:p>
-            <a:pPr lvl="1"/>
-            <a:r>
-              <a:rPr lang="en-US" dirty="0"/>
-              <a:t>Meta (Facebook) uses </a:t>
-            </a:r>
-            <a:r>
-              <a:rPr lang="en-US" b="1" dirty="0" err="1"/>
-              <a:t>Sapienz</a:t>
-            </a:r>
-            <a:r>
-              <a:rPr lang="en-US" dirty="0"/>
-              <a:t> to test/debug user interfaces</a:t>
-            </a:r>
-          </a:p>
-          <a:p>
-            <a:pPr lvl="1"/>
-            <a:r>
-              <a:rPr lang="en-US" dirty="0"/>
-              <a:t>Motorola used it to test phones (2008)</a:t>
+              <a:t>Isolated solutions are favored</a:t>
             </a:r>
           </a:p>
         </p:txBody>
@@ -2629,7 +6352,7 @@
     </p:spTree>
     <p:extLst>
       <p:ext uri="{BB962C8B-B14F-4D97-AF65-F5344CB8AC3E}">
-        <p14:creationId xmlns:p14="http://schemas.microsoft.com/office/powerpoint/2010/main" val="1547876589"/>
+        <p14:creationId xmlns:p14="http://schemas.microsoft.com/office/powerpoint/2010/main" val="3772106680"/>
       </p:ext>
     </p:extLst>
   </p:cSld>
@@ -2661,7 +6384,7 @@
           <p:cNvPr id="2" name="Titre 1">
             <a:extLst>
               <a:ext uri="{FF2B5EF4-FFF2-40B4-BE49-F238E27FC236}">
-                <a16:creationId xmlns:a16="http://schemas.microsoft.com/office/drawing/2014/main" id="{88C7E2CF-137A-4A7C-B670-9F2298BB9F4A}"/>
+                <a16:creationId xmlns:a16="http://schemas.microsoft.com/office/drawing/2014/main" id="{F1B49ACA-6ADA-461F-B3D1-67BF805353FE}"/>
               </a:ext>
             </a:extLst>
           </p:cNvPr>
@@ -2679,7 +6402,7 @@
           <a:p>
             <a:r>
               <a:rPr lang="en-US" dirty="0"/>
-              <a:t>Example</a:t>
+              <a:t>Deceptive objective functions</a:t>
             </a:r>
           </a:p>
         </p:txBody>
@@ -2689,7 +6412,7 @@
           <p:cNvPr id="3" name="Espace réservé du texte 2">
             <a:extLst>
               <a:ext uri="{FF2B5EF4-FFF2-40B4-BE49-F238E27FC236}">
-                <a16:creationId xmlns:a16="http://schemas.microsoft.com/office/drawing/2014/main" id="{CF8D0513-5379-4ED5-BD9E-E16F93A70669}"/>
+                <a16:creationId xmlns:a16="http://schemas.microsoft.com/office/drawing/2014/main" id="{99C24590-6293-46B0-96B6-ACD265C18134}"/>
               </a:ext>
             </a:extLst>
           </p:cNvPr>
@@ -2705,14 +6428,353 @@
           <a:bodyPr/>
           <a:lstStyle/>
           <a:p>
-            <a:endParaRPr lang="en-US"/>
+            <a:r>
+              <a:rPr lang="en-US" dirty="0"/>
+              <a:t>Feedback from the objective function is </a:t>
+            </a:r>
+            <a:r>
+              <a:rPr lang="en-US" i="1" dirty="0"/>
+              <a:t>deceptive</a:t>
+            </a:r>
+            <a:endParaRPr lang="en-US" dirty="0"/>
+          </a:p>
+          <a:p>
+            <a:pPr lvl="1"/>
+            <a:r>
+              <a:rPr lang="en-US" dirty="0"/>
+              <a:t>Following feedback leads away from global optimum</a:t>
+            </a:r>
+          </a:p>
+          <a:p>
+            <a:pPr lvl="1"/>
+            <a:r>
+              <a:rPr lang="en-US" dirty="0"/>
+              <a:t>Strong local optima surrounding the global one</a:t>
+            </a:r>
+          </a:p>
+        </p:txBody>
+      </p:sp>
+      <p:pic>
+        <p:nvPicPr>
+          <p:cNvPr id="5" name="Image 4">
+            <a:extLst>
+              <a:ext uri="{FF2B5EF4-FFF2-40B4-BE49-F238E27FC236}">
+                <a16:creationId xmlns:a16="http://schemas.microsoft.com/office/drawing/2014/main" id="{F051BF98-7BAF-4A37-A657-6641FDEB706B}"/>
+              </a:ext>
+            </a:extLst>
+          </p:cNvPr>
+          <p:cNvPicPr>
+            <a:picLocks noChangeAspect="1"/>
+          </p:cNvPicPr>
+          <p:nvPr/>
+        </p:nvPicPr>
+        <p:blipFill>
+          <a:blip r:embed="rId2"/>
+          <a:stretch>
+            <a:fillRect/>
+          </a:stretch>
+        </p:blipFill>
+        <p:spPr>
+          <a:xfrm>
+            <a:off x="5085107" y="3329949"/>
+            <a:ext cx="6115904" cy="2391109"/>
+          </a:xfrm>
+          <a:prstGeom prst="rect">
+            <a:avLst/>
+          </a:prstGeom>
+        </p:spPr>
+      </p:pic>
+      <p:pic>
+        <p:nvPicPr>
+          <p:cNvPr id="6" name="Picture 2" descr="N-D Test Functions D — AMPGO 0.1.0 documentation">
+            <a:extLst>
+              <a:ext uri="{FF2B5EF4-FFF2-40B4-BE49-F238E27FC236}">
+                <a16:creationId xmlns:a16="http://schemas.microsoft.com/office/drawing/2014/main" id="{2323F80B-DAF3-400D-88D9-3D65604F557D}"/>
+              </a:ext>
+            </a:extLst>
+          </p:cNvPr>
+          <p:cNvPicPr>
+            <a:picLocks noChangeAspect="1" noChangeArrowheads="1"/>
+          </p:cNvPicPr>
+          <p:nvPr/>
+        </p:nvPicPr>
+        <p:blipFill>
+          <a:blip r:embed="rId3">
+            <a:extLst>
+              <a:ext uri="{28A0092B-C50C-407E-A947-70E740481C1C}">
+                <a14:useLocalDpi xmlns:a14="http://schemas.microsoft.com/office/drawing/2010/main" val="0"/>
+              </a:ext>
+            </a:extLst>
+          </a:blip>
+          <a:srcRect/>
+          <a:stretch>
+            <a:fillRect/>
+          </a:stretch>
+        </p:blipFill>
+        <p:spPr bwMode="auto">
+          <a:xfrm>
+            <a:off x="615752" y="3026004"/>
+            <a:ext cx="3822699" cy="2867024"/>
+          </a:xfrm>
+          <a:prstGeom prst="rect">
+            <a:avLst/>
+          </a:prstGeom>
+          <a:noFill/>
+          <a:extLst>
+            <a:ext uri="{909E8E84-426E-40DD-AFC4-6F175D3DCCD1}">
+              <a14:hiddenFill xmlns:a14="http://schemas.microsoft.com/office/drawing/2010/main">
+                <a:solidFill>
+                  <a:srgbClr val="FFFFFF"/>
+                </a:solidFill>
+              </a14:hiddenFill>
+            </a:ext>
+          </a:extLst>
+        </p:spPr>
+      </p:pic>
+    </p:spTree>
+    <p:extLst>
+      <p:ext uri="{BB962C8B-B14F-4D97-AF65-F5344CB8AC3E}">
+        <p14:creationId xmlns:p14="http://schemas.microsoft.com/office/powerpoint/2010/main" val="3330422493"/>
+      </p:ext>
+    </p:extLst>
+  </p:cSld>
+  <p:clrMapOvr>
+    <a:masterClrMapping/>
+  </p:clrMapOvr>
+</p:sld>
+</file>
+
+<file path=ppt/slides/slide8.xml><?xml version="1.0" encoding="utf-8"?>
+<p:sld xmlns:a="http://schemas.openxmlformats.org/drawingml/2006/main" xmlns:r="http://schemas.openxmlformats.org/officeDocument/2006/relationships" xmlns:p="http://schemas.openxmlformats.org/presentationml/2006/main">
+  <p:cSld>
+    <p:spTree>
+      <p:nvGrpSpPr>
+        <p:cNvPr id="1" name=""/>
+        <p:cNvGrpSpPr/>
+        <p:nvPr/>
+      </p:nvGrpSpPr>
+      <p:grpSpPr>
+        <a:xfrm>
+          <a:off x="0" y="0"/>
+          <a:ext cx="0" cy="0"/>
+          <a:chOff x="0" y="0"/>
+          <a:chExt cx="0" cy="0"/>
+        </a:xfrm>
+      </p:grpSpPr>
+      <p:sp>
+        <p:nvSpPr>
+          <p:cNvPr id="2" name="Titre 1">
+            <a:extLst>
+              <a:ext uri="{FF2B5EF4-FFF2-40B4-BE49-F238E27FC236}">
+                <a16:creationId xmlns:a16="http://schemas.microsoft.com/office/drawing/2014/main" id="{F1B49ACA-6ADA-461F-B3D1-67BF805353FE}"/>
+              </a:ext>
+            </a:extLst>
+          </p:cNvPr>
+          <p:cNvSpPr>
+            <a:spLocks noGrp="1"/>
+          </p:cNvSpPr>
+          <p:nvPr>
+            <p:ph type="title"/>
+          </p:nvPr>
+        </p:nvSpPr>
+        <p:spPr/>
+        <p:txBody>
+          <a:bodyPr/>
+          <a:lstStyle/>
+          <a:p>
+            <a:r>
+              <a:rPr lang="en-US" dirty="0"/>
+              <a:t>Deceptive objective functions</a:t>
+            </a:r>
+          </a:p>
+        </p:txBody>
+      </p:sp>
+      <p:sp>
+        <p:nvSpPr>
+          <p:cNvPr id="3" name="Espace réservé du texte 2">
+            <a:extLst>
+              <a:ext uri="{FF2B5EF4-FFF2-40B4-BE49-F238E27FC236}">
+                <a16:creationId xmlns:a16="http://schemas.microsoft.com/office/drawing/2014/main" id="{99C24590-6293-46B0-96B6-ACD265C18134}"/>
+              </a:ext>
+            </a:extLst>
+          </p:cNvPr>
+          <p:cNvSpPr>
+            <a:spLocks noGrp="1"/>
+          </p:cNvSpPr>
+          <p:nvPr>
+            <p:ph type="body" sz="quarter" idx="10"/>
+          </p:nvPr>
+        </p:nvSpPr>
+        <p:spPr/>
+        <p:txBody>
+          <a:bodyPr/>
+          <a:lstStyle/>
+          <a:p>
+            <a:r>
+              <a:rPr lang="en-US" dirty="0"/>
+              <a:t>Solution (?): Novelty Search</a:t>
+            </a:r>
+          </a:p>
+          <a:p>
+            <a:pPr lvl="1"/>
+            <a:r>
+              <a:rPr lang="en-US" dirty="0"/>
+              <a:t>Ignore feedback from the objective function</a:t>
+            </a:r>
+          </a:p>
+          <a:p>
+            <a:pPr lvl="1"/>
+            <a:r>
+              <a:rPr lang="en-US" dirty="0"/>
+              <a:t>Evaluate candidate solutions based on diversity</a:t>
+            </a:r>
+          </a:p>
+          <a:p>
+            <a:pPr lvl="1"/>
+            <a:r>
+              <a:rPr lang="en-US" dirty="0"/>
+              <a:t>Keep archive of solutions, search near solutions that are “novel”</a:t>
+            </a:r>
+          </a:p>
+          <a:p>
+            <a:pPr lvl="1"/>
+            <a:r>
+              <a:rPr lang="en-US" dirty="0"/>
+              <a:t>Measure novelty: problem-dependent</a:t>
+            </a:r>
+          </a:p>
+          <a:p>
+            <a:pPr lvl="1"/>
+            <a:r>
+              <a:rPr lang="en-US" dirty="0"/>
+              <a:t>Example: Average distance from k nearest neighbors</a:t>
+            </a:r>
+          </a:p>
+          <a:p>
+            <a:r>
+              <a:rPr lang="en-US" dirty="0"/>
+              <a:t>Value of the objective function used to stop</a:t>
+            </a:r>
           </a:p>
         </p:txBody>
       </p:sp>
     </p:spTree>
     <p:extLst>
       <p:ext uri="{BB962C8B-B14F-4D97-AF65-F5344CB8AC3E}">
-        <p14:creationId xmlns:p14="http://schemas.microsoft.com/office/powerpoint/2010/main" val="1866855099"/>
+        <p14:creationId xmlns:p14="http://schemas.microsoft.com/office/powerpoint/2010/main" val="3269960673"/>
+      </p:ext>
+    </p:extLst>
+  </p:cSld>
+  <p:clrMapOvr>
+    <a:masterClrMapping/>
+  </p:clrMapOvr>
+</p:sld>
+</file>
+
+<file path=ppt/slides/slide9.xml><?xml version="1.0" encoding="utf-8"?>
+<p:sld xmlns:a="http://schemas.openxmlformats.org/drawingml/2006/main" xmlns:r="http://schemas.openxmlformats.org/officeDocument/2006/relationships" xmlns:p="http://schemas.openxmlformats.org/presentationml/2006/main">
+  <p:cSld>
+    <p:spTree>
+      <p:nvGrpSpPr>
+        <p:cNvPr id="1" name=""/>
+        <p:cNvGrpSpPr/>
+        <p:nvPr/>
+      </p:nvGrpSpPr>
+      <p:grpSpPr>
+        <a:xfrm>
+          <a:off x="0" y="0"/>
+          <a:ext cx="0" cy="0"/>
+          <a:chOff x="0" y="0"/>
+          <a:chExt cx="0" cy="0"/>
+        </a:xfrm>
+      </p:grpSpPr>
+      <p:sp>
+        <p:nvSpPr>
+          <p:cNvPr id="2" name="Titre 1">
+            <a:extLst>
+              <a:ext uri="{FF2B5EF4-FFF2-40B4-BE49-F238E27FC236}">
+                <a16:creationId xmlns:a16="http://schemas.microsoft.com/office/drawing/2014/main" id="{F1B49ACA-6ADA-461F-B3D1-67BF805353FE}"/>
+              </a:ext>
+            </a:extLst>
+          </p:cNvPr>
+          <p:cNvSpPr>
+            <a:spLocks noGrp="1"/>
+          </p:cNvSpPr>
+          <p:nvPr>
+            <p:ph type="title"/>
+          </p:nvPr>
+        </p:nvSpPr>
+        <p:spPr/>
+        <p:txBody>
+          <a:bodyPr/>
+          <a:lstStyle/>
+          <a:p>
+            <a:r>
+              <a:rPr lang="en-US" dirty="0"/>
+              <a:t>Deceptive objective functions</a:t>
+            </a:r>
+          </a:p>
+        </p:txBody>
+      </p:sp>
+      <p:sp>
+        <p:nvSpPr>
+          <p:cNvPr id="3" name="Espace réservé du texte 2">
+            <a:extLst>
+              <a:ext uri="{FF2B5EF4-FFF2-40B4-BE49-F238E27FC236}">
+                <a16:creationId xmlns:a16="http://schemas.microsoft.com/office/drawing/2014/main" id="{99C24590-6293-46B0-96B6-ACD265C18134}"/>
+              </a:ext>
+            </a:extLst>
+          </p:cNvPr>
+          <p:cNvSpPr>
+            <a:spLocks noGrp="1"/>
+          </p:cNvSpPr>
+          <p:nvPr>
+            <p:ph type="body" sz="quarter" idx="10"/>
+          </p:nvPr>
+        </p:nvSpPr>
+        <p:spPr/>
+        <p:txBody>
+          <a:bodyPr/>
+          <a:lstStyle/>
+          <a:p>
+            <a:endParaRPr lang="en-US" dirty="0"/>
+          </a:p>
+        </p:txBody>
+      </p:sp>
+      <p:pic>
+        <p:nvPicPr>
+          <p:cNvPr id="5" name="Image 4">
+            <a:extLst>
+              <a:ext uri="{FF2B5EF4-FFF2-40B4-BE49-F238E27FC236}">
+                <a16:creationId xmlns:a16="http://schemas.microsoft.com/office/drawing/2014/main" id="{9F29AEE9-60A3-44AA-AF51-549CC47A7558}"/>
+              </a:ext>
+            </a:extLst>
+          </p:cNvPr>
+          <p:cNvPicPr>
+            <a:picLocks noChangeAspect="1"/>
+          </p:cNvPicPr>
+          <p:nvPr/>
+        </p:nvPicPr>
+        <p:blipFill>
+          <a:blip r:embed="rId2"/>
+          <a:stretch>
+            <a:fillRect/>
+          </a:stretch>
+        </p:blipFill>
+        <p:spPr>
+          <a:xfrm>
+            <a:off x="2925805" y="1509361"/>
+            <a:ext cx="6340389" cy="4503810"/>
+          </a:xfrm>
+          <a:prstGeom prst="rect">
+            <a:avLst/>
+          </a:prstGeom>
+        </p:spPr>
+      </p:pic>
+    </p:spTree>
+    <p:extLst>
+      <p:ext uri="{BB962C8B-B14F-4D97-AF65-F5344CB8AC3E}">
+        <p14:creationId xmlns:p14="http://schemas.microsoft.com/office/powerpoint/2010/main" val="2450050827"/>
       </p:ext>
     </p:extLst>
   </p:cSld>

--- a/optimization-methods-for-artificial-intelligence/optimization-advanced.pptx
+++ b/optimization-methods-for-artificial-intelligence/optimization-advanced.pptx
@@ -23,7 +23,9 @@
     <p:sldId id="274" r:id="rId17"/>
     <p:sldId id="265" r:id="rId18"/>
     <p:sldId id="275" r:id="rId19"/>
-    <p:sldId id="269" r:id="rId20"/>
+    <p:sldId id="279" r:id="rId20"/>
+    <p:sldId id="280" r:id="rId21"/>
+    <p:sldId id="269" r:id="rId22"/>
   </p:sldIdLst>
   <p:sldSz cx="12192000" cy="6858000"/>
   <p:notesSz cx="6858000" cy="9144000"/>
@@ -2426,10 +2428,10 @@
       </mc:AlternateContent>
       <p:pic>
         <p:nvPicPr>
-          <p:cNvPr id="4" name="Picture 2" descr="Dirac delta function - Wikipedia">
-            <a:extLst>
-              <a:ext uri="{FF2B5EF4-FFF2-40B4-BE49-F238E27FC236}">
-                <a16:creationId xmlns:a16="http://schemas.microsoft.com/office/drawing/2014/main" id="{98F51FD6-51B0-409A-BC77-DCEDA80C030B}"/>
+          <p:cNvPr id="8" name="Picture 2" descr="Dirac delta function - Wikipedia">
+            <a:extLst>
+              <a:ext uri="{FF2B5EF4-FFF2-40B4-BE49-F238E27FC236}">
+                <a16:creationId xmlns:a16="http://schemas.microsoft.com/office/drawing/2014/main" id="{270CF6F3-E0BE-48EB-82CE-14AC6314F72D}"/>
               </a:ext>
             </a:extLst>
           </p:cNvPr>
@@ -2453,7 +2455,7 @@
         </p:blipFill>
         <p:spPr bwMode="auto">
           <a:xfrm>
-            <a:off x="7311026" y="3316137"/>
+            <a:off x="7311600" y="3316137"/>
             <a:ext cx="4231310" cy="3176737"/>
           </a:xfrm>
           <a:prstGeom prst="rect">
@@ -3121,6 +3123,326 @@
       </p:grpSpPr>
       <p:sp>
         <p:nvSpPr>
+          <p:cNvPr id="20" name="Flèche : virage 19">
+            <a:extLst>
+              <a:ext uri="{FF2B5EF4-FFF2-40B4-BE49-F238E27FC236}">
+                <a16:creationId xmlns:a16="http://schemas.microsoft.com/office/drawing/2014/main" id="{EB17A48B-008F-4971-88DE-9197043F123C}"/>
+              </a:ext>
+            </a:extLst>
+          </p:cNvPr>
+          <p:cNvSpPr/>
+          <p:nvPr/>
+        </p:nvSpPr>
+        <p:spPr>
+          <a:xfrm rot="16200000">
+            <a:off x="4099390" y="2038850"/>
+            <a:ext cx="887774" cy="4940530"/>
+          </a:xfrm>
+          <a:prstGeom prst="bentArrow">
+            <a:avLst>
+              <a:gd name="adj1" fmla="val 25000"/>
+              <a:gd name="adj2" fmla="val 25000"/>
+              <a:gd name="adj3" fmla="val 28186"/>
+              <a:gd name="adj4" fmla="val 43750"/>
+            </a:avLst>
+          </a:prstGeom>
+        </p:spPr>
+        <p:style>
+          <a:lnRef idx="2">
+            <a:schemeClr val="dk1"/>
+          </a:lnRef>
+          <a:fillRef idx="1">
+            <a:schemeClr val="lt1"/>
+          </a:fillRef>
+          <a:effectRef idx="0">
+            <a:schemeClr val="dk1"/>
+          </a:effectRef>
+          <a:fontRef idx="minor">
+            <a:schemeClr val="dk1"/>
+          </a:fontRef>
+        </p:style>
+        <p:txBody>
+          <a:bodyPr rtlCol="0" anchor="ctr"/>
+          <a:lstStyle/>
+          <a:p>
+            <a:pPr algn="ctr"/>
+            <a:endParaRPr lang="en-US">
+              <a:solidFill>
+                <a:schemeClr val="tx1"/>
+              </a:solidFill>
+            </a:endParaRPr>
+          </a:p>
+        </p:txBody>
+      </p:sp>
+      <p:sp>
+        <p:nvSpPr>
+          <p:cNvPr id="21" name="Flèche : droite 20">
+            <a:extLst>
+              <a:ext uri="{FF2B5EF4-FFF2-40B4-BE49-F238E27FC236}">
+                <a16:creationId xmlns:a16="http://schemas.microsoft.com/office/drawing/2014/main" id="{A2841F2E-50A5-4CAC-A645-961AF2B1A3E2}"/>
+              </a:ext>
+            </a:extLst>
+          </p:cNvPr>
+          <p:cNvSpPr/>
+          <p:nvPr/>
+        </p:nvSpPr>
+        <p:spPr>
+          <a:xfrm rot="16200000">
+            <a:off x="1733645" y="3233927"/>
+            <a:ext cx="1065229" cy="386499"/>
+          </a:xfrm>
+          <a:prstGeom prst="rightArrow">
+            <a:avLst/>
+          </a:prstGeom>
+        </p:spPr>
+        <p:style>
+          <a:lnRef idx="2">
+            <a:schemeClr val="dk1"/>
+          </a:lnRef>
+          <a:fillRef idx="1">
+            <a:schemeClr val="lt1"/>
+          </a:fillRef>
+          <a:effectRef idx="0">
+            <a:schemeClr val="dk1"/>
+          </a:effectRef>
+          <a:fontRef idx="minor">
+            <a:schemeClr val="dk1"/>
+          </a:fontRef>
+        </p:style>
+        <p:txBody>
+          <a:bodyPr rtlCol="0" anchor="ctr"/>
+          <a:lstStyle/>
+          <a:p>
+            <a:pPr algn="ctr"/>
+            <a:endParaRPr lang="en-US"/>
+          </a:p>
+        </p:txBody>
+      </p:sp>
+      <p:sp>
+        <p:nvSpPr>
+          <p:cNvPr id="18" name="Flèche : droite 17">
+            <a:extLst>
+              <a:ext uri="{FF2B5EF4-FFF2-40B4-BE49-F238E27FC236}">
+                <a16:creationId xmlns:a16="http://schemas.microsoft.com/office/drawing/2014/main" id="{8A3DEDA3-09DA-4A9A-A6FA-D477B1B50E26}"/>
+              </a:ext>
+            </a:extLst>
+          </p:cNvPr>
+          <p:cNvSpPr/>
+          <p:nvPr/>
+        </p:nvSpPr>
+        <p:spPr>
+          <a:xfrm rot="10800000">
+            <a:off x="3089535" y="3471339"/>
+            <a:ext cx="2293953" cy="386499"/>
+          </a:xfrm>
+          <a:prstGeom prst="rightArrow">
+            <a:avLst/>
+          </a:prstGeom>
+        </p:spPr>
+        <p:style>
+          <a:lnRef idx="2">
+            <a:schemeClr val="dk1"/>
+          </a:lnRef>
+          <a:fillRef idx="1">
+            <a:schemeClr val="lt1"/>
+          </a:fillRef>
+          <a:effectRef idx="0">
+            <a:schemeClr val="dk1"/>
+          </a:effectRef>
+          <a:fontRef idx="minor">
+            <a:schemeClr val="dk1"/>
+          </a:fontRef>
+        </p:style>
+        <p:txBody>
+          <a:bodyPr rtlCol="0" anchor="ctr"/>
+          <a:lstStyle/>
+          <a:p>
+            <a:pPr algn="ctr"/>
+            <a:endParaRPr lang="en-US"/>
+          </a:p>
+        </p:txBody>
+      </p:sp>
+      <p:sp>
+        <p:nvSpPr>
+          <p:cNvPr id="13" name="Flèche : droite 12">
+            <a:extLst>
+              <a:ext uri="{FF2B5EF4-FFF2-40B4-BE49-F238E27FC236}">
+                <a16:creationId xmlns:a16="http://schemas.microsoft.com/office/drawing/2014/main" id="{2D0EED0F-580E-45BA-A66F-0BDBB43ACE33}"/>
+              </a:ext>
+            </a:extLst>
+          </p:cNvPr>
+          <p:cNvSpPr/>
+          <p:nvPr/>
+        </p:nvSpPr>
+        <p:spPr>
+          <a:xfrm rot="10800000">
+            <a:off x="6349735" y="3471341"/>
+            <a:ext cx="1065229" cy="386499"/>
+          </a:xfrm>
+          <a:prstGeom prst="rightArrow">
+            <a:avLst/>
+          </a:prstGeom>
+        </p:spPr>
+        <p:style>
+          <a:lnRef idx="2">
+            <a:schemeClr val="dk1"/>
+          </a:lnRef>
+          <a:fillRef idx="1">
+            <a:schemeClr val="lt1"/>
+          </a:fillRef>
+          <a:effectRef idx="0">
+            <a:schemeClr val="dk1"/>
+          </a:effectRef>
+          <a:fontRef idx="minor">
+            <a:schemeClr val="dk1"/>
+          </a:fontRef>
+        </p:style>
+        <p:txBody>
+          <a:bodyPr rtlCol="0" anchor="ctr"/>
+          <a:lstStyle/>
+          <a:p>
+            <a:pPr algn="ctr"/>
+            <a:endParaRPr lang="en-US"/>
+          </a:p>
+        </p:txBody>
+      </p:sp>
+      <p:sp>
+        <p:nvSpPr>
+          <p:cNvPr id="12" name="Flèche : droite 11">
+            <a:extLst>
+              <a:ext uri="{FF2B5EF4-FFF2-40B4-BE49-F238E27FC236}">
+                <a16:creationId xmlns:a16="http://schemas.microsoft.com/office/drawing/2014/main" id="{46CD3DCB-5794-4F23-B960-FC7864A82892}"/>
+              </a:ext>
+            </a:extLst>
+          </p:cNvPr>
+          <p:cNvSpPr/>
+          <p:nvPr/>
+        </p:nvSpPr>
+        <p:spPr>
+          <a:xfrm rot="10800000">
+            <a:off x="8711934" y="3456061"/>
+            <a:ext cx="1065229" cy="386499"/>
+          </a:xfrm>
+          <a:prstGeom prst="rightArrow">
+            <a:avLst/>
+          </a:prstGeom>
+        </p:spPr>
+        <p:style>
+          <a:lnRef idx="2">
+            <a:schemeClr val="dk1"/>
+          </a:lnRef>
+          <a:fillRef idx="1">
+            <a:schemeClr val="lt1"/>
+          </a:fillRef>
+          <a:effectRef idx="0">
+            <a:schemeClr val="dk1"/>
+          </a:effectRef>
+          <a:fontRef idx="minor">
+            <a:schemeClr val="dk1"/>
+          </a:fontRef>
+        </p:style>
+        <p:txBody>
+          <a:bodyPr rtlCol="0" anchor="ctr"/>
+          <a:lstStyle/>
+          <a:p>
+            <a:pPr algn="ctr"/>
+            <a:endParaRPr lang="en-US"/>
+          </a:p>
+        </p:txBody>
+      </p:sp>
+      <p:pic>
+        <p:nvPicPr>
+          <p:cNvPr id="2050" name="Picture 2" descr="Nokia feature phones catalogue | Compare basic mobiles by prices">
+            <a:extLst>
+              <a:ext uri="{FF2B5EF4-FFF2-40B4-BE49-F238E27FC236}">
+                <a16:creationId xmlns:a16="http://schemas.microsoft.com/office/drawing/2014/main" id="{C4D6555D-FAB1-4617-B5BD-F93AD2E8DB52}"/>
+              </a:ext>
+            </a:extLst>
+          </p:cNvPr>
+          <p:cNvPicPr>
+            <a:picLocks noChangeAspect="1" noChangeArrowheads="1"/>
+          </p:cNvPicPr>
+          <p:nvPr/>
+        </p:nvPicPr>
+        <p:blipFill>
+          <a:blip r:embed="rId2" cstate="print">
+            <a:extLst>
+              <a:ext uri="{28A0092B-C50C-407E-A947-70E740481C1C}">
+                <a14:useLocalDpi xmlns:a14="http://schemas.microsoft.com/office/drawing/2010/main" val="0"/>
+              </a:ext>
+            </a:extLst>
+          </a:blip>
+          <a:srcRect/>
+          <a:stretch>
+            <a:fillRect/>
+          </a:stretch>
+        </p:blipFill>
+        <p:spPr bwMode="auto">
+          <a:xfrm>
+            <a:off x="9491418" y="1806937"/>
+            <a:ext cx="1855697" cy="4232635"/>
+          </a:xfrm>
+          <a:prstGeom prst="rect">
+            <a:avLst/>
+          </a:prstGeom>
+          <a:noFill/>
+          <a:extLst>
+            <a:ext uri="{909E8E84-426E-40DD-AFC4-6F175D3DCCD1}">
+              <a14:hiddenFill xmlns:a14="http://schemas.microsoft.com/office/drawing/2010/main">
+                <a:solidFill>
+                  <a:srgbClr val="FFFFFF"/>
+                </a:solidFill>
+              </a14:hiddenFill>
+            </a:ext>
+          </a:extLst>
+        </p:spPr>
+      </p:pic>
+      <p:sp>
+        <p:nvSpPr>
+          <p:cNvPr id="9" name="Flèche : droite 8">
+            <a:extLst>
+              <a:ext uri="{FF2B5EF4-FFF2-40B4-BE49-F238E27FC236}">
+                <a16:creationId xmlns:a16="http://schemas.microsoft.com/office/drawing/2014/main" id="{0F3E9B66-6FAC-4D11-9666-A15750265A14}"/>
+              </a:ext>
+            </a:extLst>
+          </p:cNvPr>
+          <p:cNvSpPr/>
+          <p:nvPr/>
+        </p:nvSpPr>
+        <p:spPr>
+          <a:xfrm>
+            <a:off x="5410984" y="2302642"/>
+            <a:ext cx="4213783" cy="386499"/>
+          </a:xfrm>
+          <a:prstGeom prst="rightArrow">
+            <a:avLst/>
+          </a:prstGeom>
+        </p:spPr>
+        <p:style>
+          <a:lnRef idx="2">
+            <a:schemeClr val="dk1"/>
+          </a:lnRef>
+          <a:fillRef idx="1">
+            <a:schemeClr val="lt1"/>
+          </a:fillRef>
+          <a:effectRef idx="0">
+            <a:schemeClr val="dk1"/>
+          </a:effectRef>
+          <a:fontRef idx="minor">
+            <a:schemeClr val="dk1"/>
+          </a:fontRef>
+        </p:style>
+        <p:txBody>
+          <a:bodyPr rtlCol="0" anchor="ctr"/>
+          <a:lstStyle/>
+          <a:p>
+            <a:pPr algn="ctr"/>
+            <a:endParaRPr lang="en-US"/>
+          </a:p>
+        </p:txBody>
+      </p:sp>
+      <p:sp>
+        <p:nvSpPr>
           <p:cNvPr id="2" name="Titre 1">
             <a:extLst>
               <a:ext uri="{FF2B5EF4-FFF2-40B4-BE49-F238E27FC236}">
@@ -3163,12 +3485,526 @@
             <p:ph type="body" sz="quarter" idx="10"/>
           </p:nvPr>
         </p:nvSpPr>
-        <p:spPr/>
-        <p:txBody>
-          <a:bodyPr/>
+        <p:spPr>
+          <a:xfrm>
+            <a:off x="838200" y="1423359"/>
+            <a:ext cx="10515600" cy="245186"/>
+          </a:xfrm>
+        </p:spPr>
+        <p:txBody>
+          <a:bodyPr>
+            <a:normAutofit fontScale="40000" lnSpcReduction="20000"/>
+          </a:bodyPr>
           <a:lstStyle/>
           <a:p>
+            <a:endParaRPr lang="en-US" dirty="0"/>
+          </a:p>
+        </p:txBody>
+      </p:sp>
+      <p:sp>
+        <p:nvSpPr>
+          <p:cNvPr id="5" name="Flèche : droite 4">
+            <a:extLst>
+              <a:ext uri="{FF2B5EF4-FFF2-40B4-BE49-F238E27FC236}">
+                <a16:creationId xmlns:a16="http://schemas.microsoft.com/office/drawing/2014/main" id="{CBF4FF94-CDC0-41B2-A899-A880F6956D76}"/>
+              </a:ext>
+            </a:extLst>
+          </p:cNvPr>
+          <p:cNvSpPr/>
+          <p:nvPr/>
+        </p:nvSpPr>
+        <p:spPr>
+          <a:xfrm>
+            <a:off x="2869083" y="2302642"/>
+            <a:ext cx="1065229" cy="386499"/>
+          </a:xfrm>
+          <a:prstGeom prst="rightArrow">
+            <a:avLst/>
+          </a:prstGeom>
+        </p:spPr>
+        <p:style>
+          <a:lnRef idx="2">
+            <a:schemeClr val="dk1"/>
+          </a:lnRef>
+          <a:fillRef idx="1">
+            <a:schemeClr val="lt1"/>
+          </a:fillRef>
+          <a:effectRef idx="0">
+            <a:schemeClr val="dk1"/>
+          </a:effectRef>
+          <a:fontRef idx="minor">
+            <a:schemeClr val="dk1"/>
+          </a:fontRef>
+        </p:style>
+        <p:txBody>
+          <a:bodyPr rtlCol="0" anchor="ctr"/>
+          <a:lstStyle/>
+          <a:p>
+            <a:pPr algn="ctr"/>
             <a:endParaRPr lang="en-US"/>
+          </a:p>
+        </p:txBody>
+      </p:sp>
+      <p:sp>
+        <p:nvSpPr>
+          <p:cNvPr id="6" name="Rectangle : coins arrondis 5">
+            <a:extLst>
+              <a:ext uri="{FF2B5EF4-FFF2-40B4-BE49-F238E27FC236}">
+                <a16:creationId xmlns:a16="http://schemas.microsoft.com/office/drawing/2014/main" id="{9F7B7214-FBD9-44BC-8C07-0723D41EBCDB}"/>
+              </a:ext>
+            </a:extLst>
+          </p:cNvPr>
+          <p:cNvSpPr/>
+          <p:nvPr/>
+        </p:nvSpPr>
+        <p:spPr>
+          <a:xfrm>
+            <a:off x="1357461" y="2096146"/>
+            <a:ext cx="1715678" cy="801278"/>
+          </a:xfrm>
+          <a:prstGeom prst="roundRect">
+            <a:avLst/>
+          </a:prstGeom>
+        </p:spPr>
+        <p:style>
+          <a:lnRef idx="2">
+            <a:schemeClr val="accent6"/>
+          </a:lnRef>
+          <a:fillRef idx="1">
+            <a:schemeClr val="lt1"/>
+          </a:fillRef>
+          <a:effectRef idx="0">
+            <a:schemeClr val="accent6"/>
+          </a:effectRef>
+          <a:fontRef idx="minor">
+            <a:schemeClr val="dk1"/>
+          </a:fontRef>
+        </p:style>
+        <p:txBody>
+          <a:bodyPr rtlCol="0" anchor="ctr"/>
+          <a:lstStyle/>
+          <a:p>
+            <a:pPr algn="ctr"/>
+            <a:r>
+              <a:rPr lang="en-US" dirty="0"/>
+              <a:t>Evolutionary Algorithm</a:t>
+            </a:r>
+          </a:p>
+        </p:txBody>
+      </p:sp>
+      <p:sp>
+        <p:nvSpPr>
+          <p:cNvPr id="7" name="Rectangle 6">
+            <a:extLst>
+              <a:ext uri="{FF2B5EF4-FFF2-40B4-BE49-F238E27FC236}">
+                <a16:creationId xmlns:a16="http://schemas.microsoft.com/office/drawing/2014/main" id="{DD4C7CE6-2899-4FDB-8ED6-70113B6A85AF}"/>
+              </a:ext>
+            </a:extLst>
+          </p:cNvPr>
+          <p:cNvSpPr/>
+          <p:nvPr/>
+        </p:nvSpPr>
+        <p:spPr>
+          <a:xfrm>
+            <a:off x="3940404" y="2170711"/>
+            <a:ext cx="1545995" cy="652147"/>
+          </a:xfrm>
+          <a:prstGeom prst="rect">
+            <a:avLst/>
+          </a:prstGeom>
+        </p:spPr>
+        <p:style>
+          <a:lnRef idx="2">
+            <a:schemeClr val="dk1"/>
+          </a:lnRef>
+          <a:fillRef idx="1">
+            <a:schemeClr val="lt1"/>
+          </a:fillRef>
+          <a:effectRef idx="0">
+            <a:schemeClr val="dk1"/>
+          </a:effectRef>
+          <a:fontRef idx="minor">
+            <a:schemeClr val="dk1"/>
+          </a:fontRef>
+        </p:style>
+        <p:txBody>
+          <a:bodyPr rtlCol="0" anchor="ctr"/>
+          <a:lstStyle/>
+          <a:p>
+            <a:pPr algn="ctr"/>
+            <a:r>
+              <a:rPr lang="en-US" dirty="0"/>
+              <a:t>Sequence of inputs</a:t>
+            </a:r>
+          </a:p>
+        </p:txBody>
+      </p:sp>
+      <p:sp>
+        <p:nvSpPr>
+          <p:cNvPr id="16" name="Flèche : droite 15">
+            <a:extLst>
+              <a:ext uri="{FF2B5EF4-FFF2-40B4-BE49-F238E27FC236}">
+                <a16:creationId xmlns:a16="http://schemas.microsoft.com/office/drawing/2014/main" id="{00BF3866-29A0-4B4E-B41C-7B1E2B6A6720}"/>
+              </a:ext>
+            </a:extLst>
+          </p:cNvPr>
+          <p:cNvSpPr/>
+          <p:nvPr/>
+        </p:nvSpPr>
+        <p:spPr>
+          <a:xfrm rot="5400000">
+            <a:off x="7406322" y="3768365"/>
+            <a:ext cx="1065229" cy="386499"/>
+          </a:xfrm>
+          <a:prstGeom prst="rightArrow">
+            <a:avLst/>
+          </a:prstGeom>
+        </p:spPr>
+        <p:style>
+          <a:lnRef idx="2">
+            <a:schemeClr val="dk1"/>
+          </a:lnRef>
+          <a:fillRef idx="1">
+            <a:schemeClr val="lt1"/>
+          </a:fillRef>
+          <a:effectRef idx="0">
+            <a:schemeClr val="dk1"/>
+          </a:effectRef>
+          <a:fontRef idx="minor">
+            <a:schemeClr val="dk1"/>
+          </a:fontRef>
+        </p:style>
+        <p:txBody>
+          <a:bodyPr rtlCol="0" anchor="ctr"/>
+          <a:lstStyle/>
+          <a:p>
+            <a:pPr algn="ctr"/>
+            <a:endParaRPr lang="en-US"/>
+          </a:p>
+        </p:txBody>
+      </p:sp>
+      <p:sp>
+        <p:nvSpPr>
+          <p:cNvPr id="8" name="ZoneTexte 7">
+            <a:extLst>
+              <a:ext uri="{FF2B5EF4-FFF2-40B4-BE49-F238E27FC236}">
+                <a16:creationId xmlns:a16="http://schemas.microsoft.com/office/drawing/2014/main" id="{CC880039-5A34-475B-9126-141F31C69996}"/>
+              </a:ext>
+            </a:extLst>
+          </p:cNvPr>
+          <p:cNvSpPr txBox="1"/>
+          <p:nvPr/>
+        </p:nvSpPr>
+        <p:spPr>
+          <a:xfrm>
+            <a:off x="3701791" y="1806937"/>
+            <a:ext cx="2130458" cy="369332"/>
+          </a:xfrm>
+          <a:prstGeom prst="rect">
+            <a:avLst/>
+          </a:prstGeom>
+          <a:noFill/>
+        </p:spPr>
+        <p:txBody>
+          <a:bodyPr wrap="square" rtlCol="0">
+            <a:spAutoFit/>
+          </a:bodyPr>
+          <a:lstStyle/>
+          <a:p>
+            <a:r>
+              <a:rPr lang="en-US" b="1" dirty="0">
+                <a:solidFill>
+                  <a:schemeClr val="accent6"/>
+                </a:solidFill>
+              </a:rPr>
+              <a:t>Candidate solution</a:t>
+            </a:r>
+          </a:p>
+        </p:txBody>
+      </p:sp>
+      <p:sp>
+        <p:nvSpPr>
+          <p:cNvPr id="11" name="Rectangle 10">
+            <a:extLst>
+              <a:ext uri="{FF2B5EF4-FFF2-40B4-BE49-F238E27FC236}">
+                <a16:creationId xmlns:a16="http://schemas.microsoft.com/office/drawing/2014/main" id="{35D270AB-7D56-491B-8CF4-0F3C2C0B9ED4}"/>
+              </a:ext>
+            </a:extLst>
+          </p:cNvPr>
+          <p:cNvSpPr/>
+          <p:nvPr/>
+        </p:nvSpPr>
+        <p:spPr>
+          <a:xfrm>
+            <a:off x="7165939" y="3323238"/>
+            <a:ext cx="1545995" cy="652147"/>
+          </a:xfrm>
+          <a:prstGeom prst="rect">
+            <a:avLst/>
+          </a:prstGeom>
+        </p:spPr>
+        <p:style>
+          <a:lnRef idx="2">
+            <a:schemeClr val="dk1"/>
+          </a:lnRef>
+          <a:fillRef idx="1">
+            <a:schemeClr val="lt1"/>
+          </a:fillRef>
+          <a:effectRef idx="0">
+            <a:schemeClr val="dk1"/>
+          </a:effectRef>
+          <a:fontRef idx="minor">
+            <a:schemeClr val="dk1"/>
+          </a:fontRef>
+        </p:style>
+        <p:txBody>
+          <a:bodyPr rtlCol="0" anchor="ctr"/>
+          <a:lstStyle/>
+          <a:p>
+            <a:pPr algn="ctr"/>
+            <a:r>
+              <a:rPr lang="en-US" dirty="0"/>
+              <a:t>Phone logs</a:t>
+            </a:r>
+          </a:p>
+        </p:txBody>
+      </p:sp>
+      <p:sp>
+        <p:nvSpPr>
+          <p:cNvPr id="10" name="Rectangle : coins arrondis 9">
+            <a:extLst>
+              <a:ext uri="{FF2B5EF4-FFF2-40B4-BE49-F238E27FC236}">
+                <a16:creationId xmlns:a16="http://schemas.microsoft.com/office/drawing/2014/main" id="{0D38A7B4-0BFF-426F-BFF0-0FE61BCBE320}"/>
+              </a:ext>
+            </a:extLst>
+          </p:cNvPr>
+          <p:cNvSpPr/>
+          <p:nvPr/>
+        </p:nvSpPr>
+        <p:spPr>
+          <a:xfrm>
+            <a:off x="5199664" y="3318563"/>
+            <a:ext cx="1150070" cy="652147"/>
+          </a:xfrm>
+          <a:prstGeom prst="roundRect">
+            <a:avLst/>
+          </a:prstGeom>
+        </p:spPr>
+        <p:style>
+          <a:lnRef idx="2">
+            <a:schemeClr val="accent1">
+              <a:shade val="50000"/>
+            </a:schemeClr>
+          </a:lnRef>
+          <a:fillRef idx="1">
+            <a:schemeClr val="accent1"/>
+          </a:fillRef>
+          <a:effectRef idx="0">
+            <a:schemeClr val="accent1"/>
+          </a:effectRef>
+          <a:fontRef idx="minor">
+            <a:schemeClr val="lt1"/>
+          </a:fontRef>
+        </p:style>
+        <p:txBody>
+          <a:bodyPr rtlCol="0" anchor="ctr"/>
+          <a:lstStyle/>
+          <a:p>
+            <a:pPr algn="ctr"/>
+            <a:r>
+              <a:rPr lang="en-US" dirty="0"/>
+              <a:t>Bug?</a:t>
+            </a:r>
+          </a:p>
+        </p:txBody>
+      </p:sp>
+      <p:sp>
+        <p:nvSpPr>
+          <p:cNvPr id="17" name="Rectangle : coins arrondis 16">
+            <a:extLst>
+              <a:ext uri="{FF2B5EF4-FFF2-40B4-BE49-F238E27FC236}">
+                <a16:creationId xmlns:a16="http://schemas.microsoft.com/office/drawing/2014/main" id="{F2623828-7B28-4A81-B33C-12BA6BA4BE84}"/>
+              </a:ext>
+            </a:extLst>
+          </p:cNvPr>
+          <p:cNvSpPr/>
+          <p:nvPr/>
+        </p:nvSpPr>
+        <p:spPr>
+          <a:xfrm>
+            <a:off x="6815575" y="4494229"/>
+            <a:ext cx="2139885" cy="652147"/>
+          </a:xfrm>
+          <a:prstGeom prst="roundRect">
+            <a:avLst/>
+          </a:prstGeom>
+        </p:spPr>
+        <p:style>
+          <a:lnRef idx="2">
+            <a:schemeClr val="accent2">
+              <a:shade val="50000"/>
+            </a:schemeClr>
+          </a:lnRef>
+          <a:fillRef idx="1">
+            <a:schemeClr val="accent2"/>
+          </a:fillRef>
+          <a:effectRef idx="0">
+            <a:schemeClr val="accent2"/>
+          </a:effectRef>
+          <a:fontRef idx="minor">
+            <a:schemeClr val="lt1"/>
+          </a:fontRef>
+        </p:style>
+        <p:txBody>
+          <a:bodyPr rtlCol="0" anchor="ctr"/>
+          <a:lstStyle/>
+          <a:p>
+            <a:pPr algn="ctr"/>
+            <a:r>
+              <a:rPr lang="en-US" dirty="0"/>
+              <a:t>Estimate number of states traversed</a:t>
+            </a:r>
+          </a:p>
+        </p:txBody>
+      </p:sp>
+      <p:sp>
+        <p:nvSpPr>
+          <p:cNvPr id="15" name="Rectangle 14">
+            <a:extLst>
+              <a:ext uri="{FF2B5EF4-FFF2-40B4-BE49-F238E27FC236}">
+                <a16:creationId xmlns:a16="http://schemas.microsoft.com/office/drawing/2014/main" id="{3A827B16-0D0F-4B50-A4AE-2FC3FA0461EE}"/>
+              </a:ext>
+            </a:extLst>
+          </p:cNvPr>
+          <p:cNvSpPr/>
+          <p:nvPr/>
+        </p:nvSpPr>
+        <p:spPr>
+          <a:xfrm>
+            <a:off x="1373857" y="3263951"/>
+            <a:ext cx="1715678" cy="801277"/>
+          </a:xfrm>
+          <a:prstGeom prst="rect">
+            <a:avLst/>
+          </a:prstGeom>
+        </p:spPr>
+        <p:style>
+          <a:lnRef idx="2">
+            <a:schemeClr val="accent6"/>
+          </a:lnRef>
+          <a:fillRef idx="1">
+            <a:schemeClr val="lt1"/>
+          </a:fillRef>
+          <a:effectRef idx="0">
+            <a:schemeClr val="accent6"/>
+          </a:effectRef>
+          <a:fontRef idx="minor">
+            <a:schemeClr val="dk1"/>
+          </a:fontRef>
+        </p:style>
+        <p:txBody>
+          <a:bodyPr rtlCol="0" anchor="ctr"/>
+          <a:lstStyle/>
+          <a:p>
+            <a:pPr algn="ctr"/>
+            <a:r>
+              <a:rPr lang="en-US" dirty="0">
+                <a:solidFill>
+                  <a:schemeClr val="dk1"/>
+                </a:solidFill>
+              </a:rPr>
+              <a:t>Objective </a:t>
+            </a:r>
+            <a:r>
+              <a:rPr lang="en-US">
+                <a:solidFill>
+                  <a:schemeClr val="dk1"/>
+                </a:solidFill>
+              </a:rPr>
+              <a:t>function value</a:t>
+            </a:r>
+            <a:endParaRPr lang="en-US" dirty="0">
+              <a:solidFill>
+                <a:schemeClr val="dk1"/>
+              </a:solidFill>
+            </a:endParaRPr>
+          </a:p>
+        </p:txBody>
+      </p:sp>
+      <p:sp>
+        <p:nvSpPr>
+          <p:cNvPr id="22" name="Rectangle 21">
+            <a:extLst>
+              <a:ext uri="{FF2B5EF4-FFF2-40B4-BE49-F238E27FC236}">
+                <a16:creationId xmlns:a16="http://schemas.microsoft.com/office/drawing/2014/main" id="{03F52519-9059-41B1-B1AA-CB06902755E2}"/>
+              </a:ext>
+            </a:extLst>
+          </p:cNvPr>
+          <p:cNvSpPr/>
+          <p:nvPr/>
+        </p:nvSpPr>
+        <p:spPr>
+          <a:xfrm>
+            <a:off x="3467684" y="5931772"/>
+            <a:ext cx="8041063" cy="433633"/>
+          </a:xfrm>
+          <a:prstGeom prst="rect">
+            <a:avLst/>
+          </a:prstGeom>
+          <a:solidFill>
+            <a:schemeClr val="bg1"/>
+          </a:solidFill>
+          <a:ln>
+            <a:solidFill>
+              <a:schemeClr val="tx1"/>
+            </a:solidFill>
+          </a:ln>
+        </p:spPr>
+        <p:style>
+          <a:lnRef idx="2">
+            <a:schemeClr val="accent1">
+              <a:shade val="50000"/>
+            </a:schemeClr>
+          </a:lnRef>
+          <a:fillRef idx="1">
+            <a:schemeClr val="accent1"/>
+          </a:fillRef>
+          <a:effectRef idx="0">
+            <a:schemeClr val="accent1"/>
+          </a:effectRef>
+          <a:fontRef idx="minor">
+            <a:schemeClr val="lt1"/>
+          </a:fontRef>
+        </p:style>
+        <p:txBody>
+          <a:bodyPr rtlCol="0" anchor="ctr"/>
+          <a:lstStyle/>
+          <a:p>
+            <a:pPr algn="ctr"/>
+            <a:r>
+              <a:rPr lang="en-US" sz="1200" dirty="0">
+                <a:solidFill>
+                  <a:schemeClr val="tx1"/>
+                </a:solidFill>
+              </a:rPr>
+              <a:t>Gandini et al., </a:t>
+            </a:r>
+            <a:r>
+              <a:rPr lang="en-US" sz="1200" i="1" dirty="0">
+                <a:solidFill>
+                  <a:schemeClr val="tx1"/>
+                </a:solidFill>
+              </a:rPr>
+              <a:t>A framework for automated detection of power-related software errors in industrial verification processes</a:t>
+            </a:r>
+            <a:r>
+              <a:rPr lang="en-US" sz="1200" dirty="0">
+                <a:solidFill>
+                  <a:schemeClr val="tx1"/>
+                </a:solidFill>
+              </a:rPr>
+              <a:t>, 2010</a:t>
+            </a:r>
           </a:p>
         </p:txBody>
       </p:sp>
@@ -3285,8 +4121,8 @@
           </a:p>
         </p:txBody>
       </p:sp>
-      <mc:AlternateContent xmlns:mc="http://schemas.openxmlformats.org/markup-compatibility/2006" xmlns:a14="http://schemas.microsoft.com/office/drawing/2010/main">
-        <mc:Choice Requires="a14">
+      <mc:AlternateContent xmlns:mc="http://schemas.openxmlformats.org/markup-compatibility/2006">
+        <mc:Choice xmlns:a14="http://schemas.microsoft.com/office/drawing/2010/main" Requires="a14">
           <p:sp>
             <p:nvSpPr>
               <p:cNvPr id="4" name="ZoneTexte 3">
@@ -3357,10 +4193,10 @@
                             </m:e>
                             <m:sub>
                               <m:r>
-                                <a:rPr lang="en-US" sz="3600" i="0">
+                                <a:rPr lang="it-IT" sz="3600" b="0" i="0" smtClean="0">
                                   <a:latin typeface="Cambria Math" panose="02040503050406030204" pitchFamily="18" charset="0"/>
                                 </a:rPr>
-                                <m:t>0</m:t>
+                                <m:t>1</m:t>
                               </m:r>
                             </m:sub>
                           </m:sSub>
@@ -3391,10 +4227,16 @@
                             </m:e>
                             <m:sub>
                               <m:r>
+                                <a:rPr lang="it-IT" sz="3600" b="0" i="0" smtClean="0">
+                                  <a:latin typeface="Cambria Math" panose="02040503050406030204" pitchFamily="18" charset="0"/>
+                                </a:rPr>
+                                <m:t>2</m:t>
+                              </m:r>
+                              <m:r>
                                 <a:rPr lang="en-US" sz="3600" i="0">
                                   <a:latin typeface="Cambria Math" panose="02040503050406030204" pitchFamily="18" charset="0"/>
                                 </a:rPr>
-                                <m:t>1,…</m:t>
+                                <m:t>,…</m:t>
                               </m:r>
                             </m:sub>
                           </m:sSub>
@@ -3442,7 +4284,7 @@
             </p:txBody>
           </p:sp>
         </mc:Choice>
-        <mc:Fallback xmlns="">
+        <mc:Fallback>
           <p:sp>
             <p:nvSpPr>
               <p:cNvPr id="4" name="ZoneTexte 3">
@@ -4020,8 +4862,8 @@
           </a:p>
         </p:txBody>
       </p:sp>
-      <mc:AlternateContent xmlns:mc="http://schemas.openxmlformats.org/markup-compatibility/2006" xmlns:a14="http://schemas.microsoft.com/office/drawing/2010/main">
-        <mc:Choice Requires="a14">
+      <mc:AlternateContent xmlns:mc="http://schemas.openxmlformats.org/markup-compatibility/2006">
+        <mc:Choice xmlns:a14="http://schemas.microsoft.com/office/drawing/2010/main" Requires="a14">
           <p:sp>
             <p:nvSpPr>
               <p:cNvPr id="4" name="ZoneTexte 3">
@@ -4092,10 +4934,10 @@
                             </m:e>
                             <m:sub>
                               <m:r>
-                                <a:rPr lang="en-US" sz="3600" i="0">
+                                <a:rPr lang="it-IT" sz="3600" b="0" i="0" smtClean="0">
                                   <a:latin typeface="Cambria Math" panose="02040503050406030204" pitchFamily="18" charset="0"/>
                                 </a:rPr>
-                                <m:t>0</m:t>
+                                <m:t>1</m:t>
                               </m:r>
                             </m:sub>
                           </m:sSub>
@@ -4126,10 +4968,16 @@
                             </m:e>
                             <m:sub>
                               <m:r>
+                                <a:rPr lang="it-IT" sz="3600" b="0" i="0" smtClean="0">
+                                  <a:latin typeface="Cambria Math" panose="02040503050406030204" pitchFamily="18" charset="0"/>
+                                </a:rPr>
+                                <m:t>2</m:t>
+                              </m:r>
+                              <m:r>
                                 <a:rPr lang="en-US" sz="3600" i="0">
                                   <a:latin typeface="Cambria Math" panose="02040503050406030204" pitchFamily="18" charset="0"/>
                                 </a:rPr>
-                                <m:t>1,…</m:t>
+                                <m:t>,…</m:t>
                               </m:r>
                             </m:sub>
                           </m:sSub>
@@ -4177,7 +5025,7 @@
             </p:txBody>
           </p:sp>
         </mc:Choice>
-        <mc:Fallback xmlns="">
+        <mc:Fallback>
           <p:sp>
             <p:nvSpPr>
               <p:cNvPr id="4" name="ZoneTexte 3">
@@ -5535,6 +6383,526 @@
       </p:grpSpPr>
       <p:sp>
         <p:nvSpPr>
+          <p:cNvPr id="2" name="Titre 1">
+            <a:extLst>
+              <a:ext uri="{FF2B5EF4-FFF2-40B4-BE49-F238E27FC236}">
+                <a16:creationId xmlns:a16="http://schemas.microsoft.com/office/drawing/2014/main" id="{3E171BF4-A4FE-4031-8318-615937AD148D}"/>
+              </a:ext>
+            </a:extLst>
+          </p:cNvPr>
+          <p:cNvSpPr>
+            <a:spLocks noGrp="1"/>
+          </p:cNvSpPr>
+          <p:nvPr>
+            <p:ph type="title"/>
+          </p:nvPr>
+        </p:nvSpPr>
+        <p:spPr/>
+        <p:txBody>
+          <a:bodyPr/>
+          <a:lstStyle/>
+          <a:p>
+            <a:r>
+              <a:rPr lang="en-US" dirty="0"/>
+              <a:t>Optimizing under incertitude</a:t>
+            </a:r>
+          </a:p>
+        </p:txBody>
+      </p:sp>
+      <p:sp>
+        <p:nvSpPr>
+          <p:cNvPr id="3" name="Espace réservé du texte 2">
+            <a:extLst>
+              <a:ext uri="{FF2B5EF4-FFF2-40B4-BE49-F238E27FC236}">
+                <a16:creationId xmlns:a16="http://schemas.microsoft.com/office/drawing/2014/main" id="{249C8535-422F-4BCC-8AB3-54A906D18307}"/>
+              </a:ext>
+            </a:extLst>
+          </p:cNvPr>
+          <p:cNvSpPr>
+            <a:spLocks noGrp="1"/>
+          </p:cNvSpPr>
+          <p:nvPr>
+            <p:ph type="body" sz="quarter" idx="10"/>
+          </p:nvPr>
+        </p:nvSpPr>
+        <p:spPr/>
+        <p:txBody>
+          <a:bodyPr/>
+          <a:lstStyle/>
+          <a:p>
+            <a:r>
+              <a:rPr lang="en-US" dirty="0"/>
+              <a:t>Objective function is </a:t>
+            </a:r>
+            <a:r>
+              <a:rPr lang="en-US" i="1" dirty="0"/>
+              <a:t>noisy</a:t>
+            </a:r>
+            <a:r>
+              <a:rPr lang="en-US" dirty="0"/>
+              <a:t> or </a:t>
+            </a:r>
+            <a:r>
+              <a:rPr lang="en-US" i="1" dirty="0"/>
+              <a:t>stochastic</a:t>
+            </a:r>
+          </a:p>
+          <a:p>
+            <a:pPr lvl="1"/>
+            <a:r>
+              <a:rPr lang="en-US" dirty="0"/>
+              <a:t>Evaluate each candidate solution several times</a:t>
+            </a:r>
+          </a:p>
+          <a:p>
+            <a:pPr lvl="1"/>
+            <a:r>
+              <a:rPr lang="en-US" dirty="0"/>
+              <a:t>Obtain a </a:t>
+            </a:r>
+            <a:r>
+              <a:rPr lang="en-US" b="1" dirty="0"/>
+              <a:t>mean</a:t>
+            </a:r>
+            <a:r>
+              <a:rPr lang="en-US" dirty="0"/>
+              <a:t> and a </a:t>
+            </a:r>
+            <a:r>
+              <a:rPr lang="en-US" b="1" dirty="0"/>
+              <a:t>standard deviation</a:t>
+            </a:r>
+          </a:p>
+          <a:p>
+            <a:pPr lvl="1"/>
+            <a:endParaRPr lang="en-US" b="1" dirty="0"/>
+          </a:p>
+          <a:p>
+            <a:r>
+              <a:rPr lang="en-US" dirty="0"/>
+              <a:t>Compare candidate solutions using </a:t>
+            </a:r>
+            <a:r>
+              <a:rPr lang="en-US" b="1" dirty="0"/>
+              <a:t>statistical tests</a:t>
+            </a:r>
+          </a:p>
+          <a:p>
+            <a:r>
+              <a:rPr lang="en-US" b="1" dirty="0"/>
+              <a:t>Multi-objective</a:t>
+            </a:r>
+            <a:r>
+              <a:rPr lang="en-US" dirty="0"/>
+              <a:t>: add minimization of standard deviation</a:t>
+            </a:r>
+          </a:p>
+        </p:txBody>
+      </p:sp>
+    </p:spTree>
+    <p:extLst>
+      <p:ext uri="{BB962C8B-B14F-4D97-AF65-F5344CB8AC3E}">
+        <p14:creationId xmlns:p14="http://schemas.microsoft.com/office/powerpoint/2010/main" val="1720991385"/>
+      </p:ext>
+    </p:extLst>
+  </p:cSld>
+  <p:clrMapOvr>
+    <a:masterClrMapping/>
+  </p:clrMapOvr>
+</p:sld>
+</file>
+
+<file path=ppt/slides/slide2.xml><?xml version="1.0" encoding="utf-8"?>
+<p:sld xmlns:a="http://schemas.openxmlformats.org/drawingml/2006/main" xmlns:r="http://schemas.openxmlformats.org/officeDocument/2006/relationships" xmlns:p="http://schemas.openxmlformats.org/presentationml/2006/main">
+  <p:cSld>
+    <p:spTree>
+      <p:nvGrpSpPr>
+        <p:cNvPr id="1" name=""/>
+        <p:cNvGrpSpPr/>
+        <p:nvPr/>
+      </p:nvGrpSpPr>
+      <p:grpSpPr>
+        <a:xfrm>
+          <a:off x="0" y="0"/>
+          <a:ext cx="0" cy="0"/>
+          <a:chOff x="0" y="0"/>
+          <a:chExt cx="0" cy="0"/>
+        </a:xfrm>
+      </p:grpSpPr>
+      <p:sp>
+        <p:nvSpPr>
+          <p:cNvPr id="4" name="Titre 3"/>
+          <p:cNvSpPr>
+            <a:spLocks noGrp="1"/>
+          </p:cNvSpPr>
+          <p:nvPr>
+            <p:ph type="title"/>
+          </p:nvPr>
+        </p:nvSpPr>
+        <p:spPr/>
+        <p:txBody>
+          <a:bodyPr/>
+          <a:lstStyle/>
+          <a:p>
+            <a:r>
+              <a:rPr lang="en-US" dirty="0"/>
+              <a:t>Outline</a:t>
+            </a:r>
+          </a:p>
+        </p:txBody>
+      </p:sp>
+      <p:sp>
+        <p:nvSpPr>
+          <p:cNvPr id="5" name="Espace réservé du texte 4"/>
+          <p:cNvSpPr>
+            <a:spLocks noGrp="1"/>
+          </p:cNvSpPr>
+          <p:nvPr>
+            <p:ph type="body" sz="quarter" idx="10"/>
+          </p:nvPr>
+        </p:nvSpPr>
+        <p:spPr/>
+        <p:txBody>
+          <a:bodyPr/>
+          <a:lstStyle/>
+          <a:p>
+            <a:r>
+              <a:rPr lang="en-US" dirty="0"/>
+              <a:t>Finding multiple optima</a:t>
+            </a:r>
+          </a:p>
+          <a:p>
+            <a:r>
+              <a:rPr lang="en-US" dirty="0"/>
+              <a:t>Deceptive objective functions</a:t>
+            </a:r>
+          </a:p>
+          <a:p>
+            <a:r>
+              <a:rPr lang="en-US" dirty="0"/>
+              <a:t>Flat objective functions</a:t>
+            </a:r>
+          </a:p>
+          <a:p>
+            <a:r>
+              <a:rPr lang="en-US" dirty="0"/>
+              <a:t>Expensive objective functions</a:t>
+            </a:r>
+          </a:p>
+          <a:p>
+            <a:r>
+              <a:rPr lang="en-US" dirty="0"/>
+              <a:t>Optimizing under incertitude</a:t>
+            </a:r>
+          </a:p>
+          <a:p>
+            <a:r>
+              <a:rPr lang="en-US" dirty="0"/>
+              <a:t>Dynamic objective functions</a:t>
+            </a:r>
+          </a:p>
+        </p:txBody>
+      </p:sp>
+      <p:pic>
+        <p:nvPicPr>
+          <p:cNvPr id="3" name="Image 2">
+            <a:extLst>
+              <a:ext uri="{FF2B5EF4-FFF2-40B4-BE49-F238E27FC236}">
+                <a16:creationId xmlns:a16="http://schemas.microsoft.com/office/drawing/2014/main" id="{750A2D94-B5A2-4CCF-A9EA-57D77F281AC0}"/>
+              </a:ext>
+            </a:extLst>
+          </p:cNvPr>
+          <p:cNvPicPr>
+            <a:picLocks noChangeAspect="1"/>
+          </p:cNvPicPr>
+          <p:nvPr/>
+        </p:nvPicPr>
+        <p:blipFill rotWithShape="1">
+          <a:blip r:embed="rId2"/>
+          <a:srcRect l="53394"/>
+          <a:stretch/>
+        </p:blipFill>
+        <p:spPr>
+          <a:xfrm>
+            <a:off x="7909089" y="1180706"/>
+            <a:ext cx="2365036" cy="4945795"/>
+          </a:xfrm>
+          <a:prstGeom prst="rect">
+            <a:avLst/>
+          </a:prstGeom>
+          <a:ln>
+            <a:noFill/>
+          </a:ln>
+          <a:effectLst>
+            <a:softEdge rad="112500"/>
+          </a:effectLst>
+        </p:spPr>
+      </p:pic>
+    </p:spTree>
+    <p:extLst>
+      <p:ext uri="{BB962C8B-B14F-4D97-AF65-F5344CB8AC3E}">
+        <p14:creationId xmlns:p14="http://schemas.microsoft.com/office/powerpoint/2010/main" val="454349701"/>
+      </p:ext>
+    </p:extLst>
+  </p:cSld>
+  <p:clrMapOvr>
+    <a:masterClrMapping/>
+  </p:clrMapOvr>
+</p:sld>
+</file>
+
+<file path=ppt/slides/slide20.xml><?xml version="1.0" encoding="utf-8"?>
+<p:sld xmlns:a="http://schemas.openxmlformats.org/drawingml/2006/main" xmlns:r="http://schemas.openxmlformats.org/officeDocument/2006/relationships" xmlns:p="http://schemas.openxmlformats.org/presentationml/2006/main">
+  <p:cSld>
+    <p:spTree>
+      <p:nvGrpSpPr>
+        <p:cNvPr id="1" name=""/>
+        <p:cNvGrpSpPr/>
+        <p:nvPr/>
+      </p:nvGrpSpPr>
+      <p:grpSpPr>
+        <a:xfrm>
+          <a:off x="0" y="0"/>
+          <a:ext cx="0" cy="0"/>
+          <a:chOff x="0" y="0"/>
+          <a:chExt cx="0" cy="0"/>
+        </a:xfrm>
+      </p:grpSpPr>
+      <p:sp>
+        <p:nvSpPr>
+          <p:cNvPr id="2" name="Titre 1">
+            <a:extLst>
+              <a:ext uri="{FF2B5EF4-FFF2-40B4-BE49-F238E27FC236}">
+                <a16:creationId xmlns:a16="http://schemas.microsoft.com/office/drawing/2014/main" id="{E61DEA70-492D-411C-98F3-126F41E4069D}"/>
+              </a:ext>
+            </a:extLst>
+          </p:cNvPr>
+          <p:cNvSpPr>
+            <a:spLocks noGrp="1"/>
+          </p:cNvSpPr>
+          <p:nvPr>
+            <p:ph type="title"/>
+          </p:nvPr>
+        </p:nvSpPr>
+        <p:spPr/>
+        <p:txBody>
+          <a:bodyPr/>
+          <a:lstStyle/>
+          <a:p>
+            <a:r>
+              <a:rPr lang="en-US" dirty="0"/>
+              <a:t>Dynamic objective functions</a:t>
+            </a:r>
+          </a:p>
+        </p:txBody>
+      </p:sp>
+      <mc:AlternateContent xmlns:mc="http://schemas.openxmlformats.org/markup-compatibility/2006">
+        <mc:Choice xmlns:a14="http://schemas.microsoft.com/office/drawing/2010/main" Requires="a14">
+          <p:sp>
+            <p:nvSpPr>
+              <p:cNvPr id="3" name="Espace réservé du texte 2">
+                <a:extLst>
+                  <a:ext uri="{FF2B5EF4-FFF2-40B4-BE49-F238E27FC236}">
+                    <a16:creationId xmlns:a16="http://schemas.microsoft.com/office/drawing/2014/main" id="{D5FD7ACA-197F-439D-93F1-7310CBBB8AED}"/>
+                  </a:ext>
+                </a:extLst>
+              </p:cNvPr>
+              <p:cNvSpPr>
+                <a:spLocks noGrp="1"/>
+              </p:cNvSpPr>
+              <p:nvPr>
+                <p:ph type="body" sz="quarter" idx="10"/>
+              </p:nvPr>
+            </p:nvSpPr>
+            <p:spPr/>
+            <p:txBody>
+              <a:bodyPr/>
+              <a:lstStyle/>
+              <a:p>
+                <a:r>
+                  <a:rPr lang="en-US" dirty="0"/>
+                  <a:t>Objective function: </a:t>
+                </a:r>
+                <a14:m>
+                  <m:oMath xmlns:m="http://schemas.openxmlformats.org/officeDocument/2006/math">
+                    <m:r>
+                      <m:rPr>
+                        <m:sty m:val="p"/>
+                      </m:rPr>
+                      <a:rPr lang="it-IT" b="0" i="0" smtClean="0">
+                        <a:latin typeface="Cambria Math" panose="02040503050406030204" pitchFamily="18" charset="0"/>
+                      </a:rPr>
+                      <m:t>y</m:t>
+                    </m:r>
+                    <m:r>
+                      <a:rPr lang="it-IT" b="0" i="0" smtClean="0">
+                        <a:latin typeface="Cambria Math" panose="02040503050406030204" pitchFamily="18" charset="0"/>
+                      </a:rPr>
+                      <m:t>=</m:t>
+                    </m:r>
+                    <m:r>
+                      <a:rPr lang="it-IT" b="0" i="1" smtClean="0">
+                        <a:latin typeface="Cambria Math" panose="02040503050406030204" pitchFamily="18" charset="0"/>
+                      </a:rPr>
+                      <m:t>𝑓</m:t>
+                    </m:r>
+                    <m:r>
+                      <a:rPr lang="it-IT" b="0" i="1" smtClean="0">
+                        <a:latin typeface="Cambria Math" panose="02040503050406030204" pitchFamily="18" charset="0"/>
+                      </a:rPr>
+                      <m:t>(</m:t>
+                    </m:r>
+                    <m:r>
+                      <a:rPr lang="it-IT" b="1" i="1" smtClean="0">
+                        <a:latin typeface="Cambria Math" panose="02040503050406030204" pitchFamily="18" charset="0"/>
+                      </a:rPr>
+                      <m:t>𝒙</m:t>
+                    </m:r>
+                    <m:r>
+                      <a:rPr lang="it-IT" b="0" i="1" smtClean="0">
+                        <a:latin typeface="Cambria Math" panose="02040503050406030204" pitchFamily="18" charset="0"/>
+                      </a:rPr>
+                      <m:t>,</m:t>
+                    </m:r>
+                    <m:r>
+                      <a:rPr lang="it-IT" b="0" i="1" smtClean="0">
+                        <a:solidFill>
+                          <a:srgbClr val="FF0000"/>
+                        </a:solidFill>
+                        <a:latin typeface="Cambria Math" panose="02040503050406030204" pitchFamily="18" charset="0"/>
+                      </a:rPr>
+                      <m:t>𝑡</m:t>
+                    </m:r>
+                    <m:r>
+                      <a:rPr lang="it-IT" b="0" i="1" smtClean="0">
+                        <a:latin typeface="Cambria Math" panose="02040503050406030204" pitchFamily="18" charset="0"/>
+                      </a:rPr>
+                      <m:t>)</m:t>
+                    </m:r>
+                  </m:oMath>
+                </a14:m>
+                <a:endParaRPr lang="en-US" dirty="0"/>
+              </a:p>
+              <a:p>
+                <a:r>
+                  <a:rPr lang="en-US" dirty="0"/>
+                  <a:t>Assumption: the function does not change </a:t>
+                </a:r>
+                <a:r>
+                  <a:rPr lang="en-US" i="1" dirty="0"/>
+                  <a:t>too </a:t>
+                </a:r>
+                <a:r>
+                  <a:rPr lang="en-US" dirty="0"/>
+                  <a:t>abruptly</a:t>
+                </a:r>
+              </a:p>
+              <a:p>
+                <a:pPr lvl="1"/>
+                <a:r>
+                  <a:rPr lang="en-US" dirty="0"/>
+                  <a:t>Re-evaluate current best solution(s)</a:t>
+                </a:r>
+              </a:p>
+              <a:p>
+                <a:pPr lvl="1"/>
+                <a:r>
+                  <a:rPr lang="en-US" dirty="0"/>
+                  <a:t>If a change is detected, re-run optimization</a:t>
+                </a:r>
+              </a:p>
+              <a:p>
+                <a:pPr lvl="1"/>
+                <a:r>
+                  <a:rPr lang="en-US" dirty="0"/>
+                  <a:t>Start search from an area around current best point</a:t>
+                </a:r>
+              </a:p>
+              <a:p>
+                <a:pPr lvl="1"/>
+                <a:r>
+                  <a:rPr lang="en-US" dirty="0"/>
+                  <a:t>Store past solutions, eventually re-inject them (periodic?)</a:t>
+                </a:r>
+              </a:p>
+              <a:p>
+                <a:endParaRPr lang="en-US" dirty="0"/>
+              </a:p>
+            </p:txBody>
+          </p:sp>
+        </mc:Choice>
+        <mc:Fallback>
+          <p:sp>
+            <p:nvSpPr>
+              <p:cNvPr id="3" name="Espace réservé du texte 2">
+                <a:extLst>
+                  <a:ext uri="{FF2B5EF4-FFF2-40B4-BE49-F238E27FC236}">
+                    <a16:creationId xmlns:a16="http://schemas.microsoft.com/office/drawing/2014/main" id="{D5FD7ACA-197F-439D-93F1-7310CBBB8AED}"/>
+                  </a:ext>
+                </a:extLst>
+              </p:cNvPr>
+              <p:cNvSpPr>
+                <a:spLocks noGrp="1" noRot="1" noChangeAspect="1" noMove="1" noResize="1" noEditPoints="1" noAdjustHandles="1" noChangeArrowheads="1" noChangeShapeType="1" noTextEdit="1"/>
+              </p:cNvSpPr>
+              <p:nvPr>
+                <p:ph type="body" sz="quarter" idx="10"/>
+              </p:nvPr>
+            </p:nvSpPr>
+            <p:spPr>
+              <a:blipFill>
+                <a:blip r:embed="rId2"/>
+                <a:stretch>
+                  <a:fillRect l="-1333" t="-2604"/>
+                </a:stretch>
+              </a:blipFill>
+            </p:spPr>
+            <p:txBody>
+              <a:bodyPr/>
+              <a:lstStyle/>
+              <a:p>
+                <a:r>
+                  <a:rPr lang="en-US">
+                    <a:noFill/>
+                  </a:rPr>
+                  <a:t> </a:t>
+                </a:r>
+              </a:p>
+            </p:txBody>
+          </p:sp>
+        </mc:Fallback>
+      </mc:AlternateContent>
+    </p:spTree>
+    <p:extLst>
+      <p:ext uri="{BB962C8B-B14F-4D97-AF65-F5344CB8AC3E}">
+        <p14:creationId xmlns:p14="http://schemas.microsoft.com/office/powerpoint/2010/main" val="579118744"/>
+      </p:ext>
+    </p:extLst>
+  </p:cSld>
+  <p:clrMapOvr>
+    <a:masterClrMapping/>
+  </p:clrMapOvr>
+</p:sld>
+</file>
+
+<file path=ppt/slides/slide21.xml><?xml version="1.0" encoding="utf-8"?>
+<p:sld xmlns:a="http://schemas.openxmlformats.org/drawingml/2006/main" xmlns:r="http://schemas.openxmlformats.org/officeDocument/2006/relationships" xmlns:p="http://schemas.openxmlformats.org/presentationml/2006/main">
+  <p:cSld>
+    <p:spTree>
+      <p:nvGrpSpPr>
+        <p:cNvPr id="1" name=""/>
+        <p:cNvGrpSpPr/>
+        <p:nvPr/>
+      </p:nvGrpSpPr>
+      <p:grpSpPr>
+        <a:xfrm>
+          <a:off x="0" y="0"/>
+          <a:ext cx="0" cy="0"/>
+          <a:chOff x="0" y="0"/>
+          <a:chExt cx="0" cy="0"/>
+        </a:xfrm>
+      </p:grpSpPr>
+      <p:sp>
+        <p:nvSpPr>
           <p:cNvPr id="4" name="Titre 3">
             <a:extLst>
               <a:ext uri="{FF2B5EF4-FFF2-40B4-BE49-F238E27FC236}">
@@ -5592,62 +6960,93 @@
               <a:rPr lang="en-US" dirty="0"/>
             </a:br>
             <a:r>
-              <a:rPr lang="en-US" dirty="0"/>
+              <a:rPr lang="en-US" sz="1600" dirty="0"/>
               <a:t>- Lehman &amp; Stanley, </a:t>
             </a:r>
             <a:r>
-              <a:rPr lang="en-US" i="1" dirty="0"/>
+              <a:rPr lang="en-US" sz="1600" i="1" dirty="0"/>
               <a:t>Abandoning Objectives: Evolution through the Search for Novelty Alone</a:t>
             </a:r>
             <a:r>
-              <a:rPr lang="en-US" dirty="0"/>
+              <a:rPr lang="en-US" sz="1600" dirty="0"/>
               <a:t>, 2011</a:t>
             </a:r>
             <a:br>
-              <a:rPr lang="en-US" dirty="0"/>
+              <a:rPr lang="en-US" sz="1600" dirty="0"/>
             </a:br>
             <a:r>
-              <a:rPr lang="en-US" dirty="0"/>
+              <a:rPr lang="en-US" sz="1600" dirty="0"/>
               <a:t>- </a:t>
             </a:r>
             <a:r>
-              <a:rPr lang="en-US" dirty="0" err="1"/>
+              <a:rPr lang="en-US" sz="1600" dirty="0" err="1"/>
               <a:t>Alshawhan</a:t>
             </a:r>
             <a:r>
-              <a:rPr lang="en-US" dirty="0"/>
+              <a:rPr lang="en-US" sz="1600" dirty="0"/>
               <a:t> et al., </a:t>
             </a:r>
             <a:r>
-              <a:rPr lang="en-US" i="1" dirty="0"/>
+              <a:rPr lang="en-US" sz="1600" i="1" dirty="0"/>
               <a:t>Deploying Search Based Software Engineering with </a:t>
             </a:r>
             <a:r>
-              <a:rPr lang="en-US" i="1" dirty="0" err="1"/>
+              <a:rPr lang="en-US" sz="1600" i="1" dirty="0" err="1"/>
               <a:t>Sapienz</a:t>
             </a:r>
             <a:r>
-              <a:rPr lang="en-US" i="1" dirty="0"/>
+              <a:rPr lang="en-US" sz="1600" i="1" dirty="0"/>
               <a:t> at Facebook</a:t>
             </a:r>
             <a:r>
-              <a:rPr lang="en-US" dirty="0"/>
+              <a:rPr lang="en-US" sz="1600" dirty="0"/>
               <a:t>, 2018</a:t>
             </a:r>
             <a:br>
-              <a:rPr lang="en-US" dirty="0"/>
+              <a:rPr lang="en-US" sz="1600" dirty="0"/>
             </a:br>
             <a:r>
-              <a:rPr lang="en-US" dirty="0"/>
+              <a:rPr lang="en-US" sz="1600" dirty="0"/>
               <a:t>- Frazier, </a:t>
             </a:r>
             <a:r>
-              <a:rPr lang="en-US" i="1" dirty="0"/>
+              <a:rPr lang="en-US" sz="1600" i="1" dirty="0"/>
               <a:t>A Tutorial on Bayesian Optimization</a:t>
             </a:r>
             <a:r>
-              <a:rPr lang="en-US" dirty="0"/>
+              <a:rPr lang="en-US" sz="1600" dirty="0"/>
               <a:t>, 2018</a:t>
+            </a:r>
+            <a:br>
+              <a:rPr lang="en-US" sz="1600" dirty="0"/>
+            </a:br>
+            <a:r>
+              <a:rPr lang="en-US" sz="1600" dirty="0"/>
+              <a:t>- </a:t>
+            </a:r>
+            <a:r>
+              <a:rPr lang="en-US" sz="1600" dirty="0" err="1"/>
+              <a:t>Branke</a:t>
+            </a:r>
+            <a:r>
+              <a:rPr lang="en-US" sz="1600" dirty="0"/>
+              <a:t> &amp; </a:t>
+            </a:r>
+            <a:r>
+              <a:rPr lang="en-US" sz="1600" dirty="0" err="1"/>
+              <a:t>Schmeck</a:t>
+            </a:r>
+            <a:r>
+              <a:rPr lang="en-US" sz="1600" dirty="0"/>
+              <a:t>, </a:t>
+            </a:r>
+            <a:r>
+              <a:rPr lang="en-US" sz="1600" i="1" dirty="0"/>
+              <a:t>Designing Evolutionary Algorithms for Dynamic Optimization Problems</a:t>
+            </a:r>
+            <a:r>
+              <a:rPr lang="en-US" sz="1600" dirty="0"/>
+              <a:t>, 2003</a:t>
             </a:r>
           </a:p>
           <a:p>
@@ -5746,104 +7145,6 @@
     <p:extLst>
       <p:ext uri="{BB962C8B-B14F-4D97-AF65-F5344CB8AC3E}">
         <p14:creationId xmlns:p14="http://schemas.microsoft.com/office/powerpoint/2010/main" val="938009228"/>
-      </p:ext>
-    </p:extLst>
-  </p:cSld>
-  <p:clrMapOvr>
-    <a:masterClrMapping/>
-  </p:clrMapOvr>
-</p:sld>
-</file>
-
-<file path=ppt/slides/slide2.xml><?xml version="1.0" encoding="utf-8"?>
-<p:sld xmlns:a="http://schemas.openxmlformats.org/drawingml/2006/main" xmlns:r="http://schemas.openxmlformats.org/officeDocument/2006/relationships" xmlns:p="http://schemas.openxmlformats.org/presentationml/2006/main">
-  <p:cSld>
-    <p:spTree>
-      <p:nvGrpSpPr>
-        <p:cNvPr id="1" name=""/>
-        <p:cNvGrpSpPr/>
-        <p:nvPr/>
-      </p:nvGrpSpPr>
-      <p:grpSpPr>
-        <a:xfrm>
-          <a:off x="0" y="0"/>
-          <a:ext cx="0" cy="0"/>
-          <a:chOff x="0" y="0"/>
-          <a:chExt cx="0" cy="0"/>
-        </a:xfrm>
-      </p:grpSpPr>
-      <p:sp>
-        <p:nvSpPr>
-          <p:cNvPr id="4" name="Titre 3"/>
-          <p:cNvSpPr>
-            <a:spLocks noGrp="1"/>
-          </p:cNvSpPr>
-          <p:nvPr>
-            <p:ph type="title"/>
-          </p:nvPr>
-        </p:nvSpPr>
-        <p:spPr/>
-        <p:txBody>
-          <a:bodyPr/>
-          <a:lstStyle/>
-          <a:p>
-            <a:r>
-              <a:rPr lang="en-US" dirty="0"/>
-              <a:t>Outline</a:t>
-            </a:r>
-          </a:p>
-        </p:txBody>
-      </p:sp>
-      <p:sp>
-        <p:nvSpPr>
-          <p:cNvPr id="5" name="Espace réservé du texte 4"/>
-          <p:cNvSpPr>
-            <a:spLocks noGrp="1"/>
-          </p:cNvSpPr>
-          <p:nvPr>
-            <p:ph type="body" sz="quarter" idx="10"/>
-          </p:nvPr>
-        </p:nvSpPr>
-        <p:spPr/>
-        <p:txBody>
-          <a:bodyPr/>
-          <a:lstStyle/>
-          <a:p>
-            <a:r>
-              <a:rPr lang="en-US" dirty="0"/>
-              <a:t>Finding multiple optima</a:t>
-            </a:r>
-          </a:p>
-          <a:p>
-            <a:r>
-              <a:rPr lang="en-US" dirty="0"/>
-              <a:t>Deceptive objective functions</a:t>
-            </a:r>
-          </a:p>
-          <a:p>
-            <a:r>
-              <a:rPr lang="en-US" dirty="0"/>
-              <a:t>Flat objective functions</a:t>
-            </a:r>
-          </a:p>
-          <a:p>
-            <a:r>
-              <a:rPr lang="en-US" dirty="0"/>
-              <a:t>Expensive objective functions</a:t>
-            </a:r>
-          </a:p>
-          <a:p>
-            <a:r>
-              <a:rPr lang="en-US" dirty="0"/>
-              <a:t>Dynamic objective functions</a:t>
-            </a:r>
-          </a:p>
-        </p:txBody>
-      </p:sp>
-    </p:spTree>
-    <p:extLst>
-      <p:ext uri="{BB962C8B-B14F-4D97-AF65-F5344CB8AC3E}">
-        <p14:creationId xmlns:p14="http://schemas.microsoft.com/office/powerpoint/2010/main" val="454349701"/>
       </p:ext>
     </p:extLst>
   </p:cSld>
@@ -6345,6 +7646,357 @@
             <a:r>
               <a:rPr lang="en-US" dirty="0"/>
               <a:t>Isolated solutions are favored</a:t>
+            </a:r>
+          </a:p>
+        </p:txBody>
+      </p:sp>
+      <p:pic>
+        <p:nvPicPr>
+          <p:cNvPr id="4" name="Image 3">
+            <a:extLst>
+              <a:ext uri="{FF2B5EF4-FFF2-40B4-BE49-F238E27FC236}">
+                <a16:creationId xmlns:a16="http://schemas.microsoft.com/office/drawing/2014/main" id="{78272FDD-F5C1-4464-A988-988909A23921}"/>
+              </a:ext>
+            </a:extLst>
+          </p:cNvPr>
+          <p:cNvPicPr>
+            <a:picLocks noChangeAspect="1"/>
+          </p:cNvPicPr>
+          <p:nvPr/>
+        </p:nvPicPr>
+        <p:blipFill>
+          <a:blip r:embed="rId2"/>
+          <a:stretch>
+            <a:fillRect/>
+          </a:stretch>
+        </p:blipFill>
+        <p:spPr>
+          <a:xfrm>
+            <a:off x="7598003" y="3435356"/>
+            <a:ext cx="4025535" cy="3057518"/>
+          </a:xfrm>
+          <a:prstGeom prst="rect">
+            <a:avLst/>
+          </a:prstGeom>
+        </p:spPr>
+      </p:pic>
+      <p:pic>
+        <p:nvPicPr>
+          <p:cNvPr id="5" name="Image 4">
+            <a:extLst>
+              <a:ext uri="{FF2B5EF4-FFF2-40B4-BE49-F238E27FC236}">
+                <a16:creationId xmlns:a16="http://schemas.microsoft.com/office/drawing/2014/main" id="{6BA6F8C0-558F-45D6-BFA5-E1B0FA33810E}"/>
+              </a:ext>
+            </a:extLst>
+          </p:cNvPr>
+          <p:cNvPicPr>
+            <a:picLocks noChangeAspect="1"/>
+          </p:cNvPicPr>
+          <p:nvPr/>
+        </p:nvPicPr>
+        <p:blipFill>
+          <a:blip r:embed="rId3"/>
+          <a:stretch>
+            <a:fillRect/>
+          </a:stretch>
+        </p:blipFill>
+        <p:spPr>
+          <a:xfrm>
+            <a:off x="2790083" y="4390970"/>
+            <a:ext cx="3801534" cy="1587983"/>
+          </a:xfrm>
+          <a:prstGeom prst="rect">
+            <a:avLst/>
+          </a:prstGeom>
+        </p:spPr>
+      </p:pic>
+      <p:sp>
+        <p:nvSpPr>
+          <p:cNvPr id="6" name="Rectangle 5">
+            <a:extLst>
+              <a:ext uri="{FF2B5EF4-FFF2-40B4-BE49-F238E27FC236}">
+                <a16:creationId xmlns:a16="http://schemas.microsoft.com/office/drawing/2014/main" id="{16DD4C4B-0405-48C7-90E0-12D83CCBF4C2}"/>
+              </a:ext>
+            </a:extLst>
+          </p:cNvPr>
+          <p:cNvSpPr/>
+          <p:nvPr/>
+        </p:nvSpPr>
+        <p:spPr>
+          <a:xfrm>
+            <a:off x="9021452" y="3667027"/>
+            <a:ext cx="744717" cy="226243"/>
+          </a:xfrm>
+          <a:prstGeom prst="rect">
+            <a:avLst/>
+          </a:prstGeom>
+          <a:solidFill>
+            <a:schemeClr val="bg1"/>
+          </a:solidFill>
+          <a:ln>
+            <a:solidFill>
+              <a:schemeClr val="bg1"/>
+            </a:solidFill>
+          </a:ln>
+        </p:spPr>
+        <p:style>
+          <a:lnRef idx="2">
+            <a:schemeClr val="accent1">
+              <a:shade val="50000"/>
+            </a:schemeClr>
+          </a:lnRef>
+          <a:fillRef idx="1">
+            <a:schemeClr val="accent1"/>
+          </a:fillRef>
+          <a:effectRef idx="0">
+            <a:schemeClr val="accent1"/>
+          </a:effectRef>
+          <a:fontRef idx="minor">
+            <a:schemeClr val="lt1"/>
+          </a:fontRef>
+        </p:style>
+        <p:txBody>
+          <a:bodyPr rtlCol="0" anchor="ctr"/>
+          <a:lstStyle/>
+          <a:p>
+            <a:pPr algn="ctr"/>
+            <a:endParaRPr lang="en-US"/>
+          </a:p>
+        </p:txBody>
+      </p:sp>
+      <p:sp>
+        <p:nvSpPr>
+          <p:cNvPr id="7" name="Rectangle 6">
+            <a:extLst>
+              <a:ext uri="{FF2B5EF4-FFF2-40B4-BE49-F238E27FC236}">
+                <a16:creationId xmlns:a16="http://schemas.microsoft.com/office/drawing/2014/main" id="{A321593E-E735-47B4-B87E-E22E38FDD986}"/>
+              </a:ext>
+            </a:extLst>
+          </p:cNvPr>
+          <p:cNvSpPr/>
+          <p:nvPr/>
+        </p:nvSpPr>
+        <p:spPr>
+          <a:xfrm>
+            <a:off x="10218656" y="5835192"/>
+            <a:ext cx="1216057" cy="263983"/>
+          </a:xfrm>
+          <a:prstGeom prst="rect">
+            <a:avLst/>
+          </a:prstGeom>
+          <a:solidFill>
+            <a:schemeClr val="bg1"/>
+          </a:solidFill>
+          <a:ln>
+            <a:solidFill>
+              <a:schemeClr val="bg1"/>
+            </a:solidFill>
+          </a:ln>
+        </p:spPr>
+        <p:style>
+          <a:lnRef idx="2">
+            <a:schemeClr val="accent1">
+              <a:shade val="50000"/>
+            </a:schemeClr>
+          </a:lnRef>
+          <a:fillRef idx="1">
+            <a:schemeClr val="accent1"/>
+          </a:fillRef>
+          <a:effectRef idx="0">
+            <a:schemeClr val="accent1"/>
+          </a:effectRef>
+          <a:fontRef idx="minor">
+            <a:schemeClr val="lt1"/>
+          </a:fontRef>
+        </p:style>
+        <p:txBody>
+          <a:bodyPr rtlCol="0" anchor="ctr"/>
+          <a:lstStyle/>
+          <a:p>
+            <a:pPr algn="ctr"/>
+            <a:endParaRPr lang="en-US"/>
+          </a:p>
+        </p:txBody>
+      </p:sp>
+      <p:sp>
+        <p:nvSpPr>
+          <p:cNvPr id="8" name="Rectangle 7">
+            <a:extLst>
+              <a:ext uri="{FF2B5EF4-FFF2-40B4-BE49-F238E27FC236}">
+                <a16:creationId xmlns:a16="http://schemas.microsoft.com/office/drawing/2014/main" id="{337DA55E-7080-413B-957C-8B0BE7F49D20}"/>
+              </a:ext>
+            </a:extLst>
+          </p:cNvPr>
+          <p:cNvSpPr/>
+          <p:nvPr/>
+        </p:nvSpPr>
+        <p:spPr>
+          <a:xfrm>
+            <a:off x="8361680" y="6204768"/>
+            <a:ext cx="1753437" cy="168373"/>
+          </a:xfrm>
+          <a:prstGeom prst="rect">
+            <a:avLst/>
+          </a:prstGeom>
+          <a:solidFill>
+            <a:schemeClr val="bg1"/>
+          </a:solidFill>
+          <a:ln>
+            <a:solidFill>
+              <a:schemeClr val="bg1"/>
+            </a:solidFill>
+          </a:ln>
+        </p:spPr>
+        <p:style>
+          <a:lnRef idx="2">
+            <a:schemeClr val="accent1">
+              <a:shade val="50000"/>
+            </a:schemeClr>
+          </a:lnRef>
+          <a:fillRef idx="1">
+            <a:schemeClr val="accent1"/>
+          </a:fillRef>
+          <a:effectRef idx="0">
+            <a:schemeClr val="accent1"/>
+          </a:effectRef>
+          <a:fontRef idx="minor">
+            <a:schemeClr val="lt1"/>
+          </a:fontRef>
+        </p:style>
+        <p:txBody>
+          <a:bodyPr rtlCol="0" anchor="ctr"/>
+          <a:lstStyle/>
+          <a:p>
+            <a:pPr algn="ctr"/>
+            <a:r>
+              <a:rPr lang="en-US" dirty="0">
+                <a:solidFill>
+                  <a:schemeClr val="tx1"/>
+                </a:solidFill>
+              </a:rPr>
+              <a:t>Optima visited</a:t>
+            </a:r>
+          </a:p>
+        </p:txBody>
+      </p:sp>
+      <p:sp>
+        <p:nvSpPr>
+          <p:cNvPr id="9" name="Rectangle 8">
+            <a:extLst>
+              <a:ext uri="{FF2B5EF4-FFF2-40B4-BE49-F238E27FC236}">
+                <a16:creationId xmlns:a16="http://schemas.microsoft.com/office/drawing/2014/main" id="{CB318B35-4B98-4DDA-95F4-9D8871718B5F}"/>
+              </a:ext>
+            </a:extLst>
+          </p:cNvPr>
+          <p:cNvSpPr/>
+          <p:nvPr/>
+        </p:nvSpPr>
+        <p:spPr>
+          <a:xfrm>
+            <a:off x="5067299" y="5177778"/>
+            <a:ext cx="300991" cy="228612"/>
+          </a:xfrm>
+          <a:prstGeom prst="rect">
+            <a:avLst/>
+          </a:prstGeom>
+          <a:solidFill>
+            <a:schemeClr val="bg1"/>
+          </a:solidFill>
+          <a:ln>
+            <a:solidFill>
+              <a:schemeClr val="bg1"/>
+            </a:solidFill>
+          </a:ln>
+        </p:spPr>
+        <p:style>
+          <a:lnRef idx="2">
+            <a:schemeClr val="accent1">
+              <a:shade val="50000"/>
+            </a:schemeClr>
+          </a:lnRef>
+          <a:fillRef idx="1">
+            <a:schemeClr val="accent1"/>
+          </a:fillRef>
+          <a:effectRef idx="0">
+            <a:schemeClr val="accent1"/>
+          </a:effectRef>
+          <a:fontRef idx="minor">
+            <a:schemeClr val="lt1"/>
+          </a:fontRef>
+        </p:style>
+        <p:txBody>
+          <a:bodyPr rtlCol="0" anchor="ctr"/>
+          <a:lstStyle/>
+          <a:p>
+            <a:pPr algn="ctr"/>
+            <a:r>
+              <a:rPr lang="en-US" sz="1600" dirty="0">
+                <a:solidFill>
+                  <a:schemeClr val="tx1"/>
+                </a:solidFill>
+              </a:rPr>
+              <a:t>if</a:t>
+            </a:r>
+          </a:p>
+        </p:txBody>
+      </p:sp>
+      <p:sp>
+        <p:nvSpPr>
+          <p:cNvPr id="10" name="Rectangle 9">
+            <a:extLst>
+              <a:ext uri="{FF2B5EF4-FFF2-40B4-BE49-F238E27FC236}">
+                <a16:creationId xmlns:a16="http://schemas.microsoft.com/office/drawing/2014/main" id="{85D15B1B-3892-49D2-B154-2828CB5D6A14}"/>
+              </a:ext>
+            </a:extLst>
+          </p:cNvPr>
+          <p:cNvSpPr/>
+          <p:nvPr/>
+        </p:nvSpPr>
+        <p:spPr>
+          <a:xfrm>
+            <a:off x="5067299" y="5464059"/>
+            <a:ext cx="1028701" cy="228612"/>
+          </a:xfrm>
+          <a:prstGeom prst="rect">
+            <a:avLst/>
+          </a:prstGeom>
+          <a:solidFill>
+            <a:schemeClr val="bg1"/>
+          </a:solidFill>
+          <a:ln>
+            <a:solidFill>
+              <a:schemeClr val="bg1"/>
+            </a:solidFill>
+          </a:ln>
+        </p:spPr>
+        <p:style>
+          <a:lnRef idx="2">
+            <a:schemeClr val="accent1">
+              <a:shade val="50000"/>
+            </a:schemeClr>
+          </a:lnRef>
+          <a:fillRef idx="1">
+            <a:schemeClr val="accent1"/>
+          </a:fillRef>
+          <a:effectRef idx="0">
+            <a:schemeClr val="accent1"/>
+          </a:effectRef>
+          <a:fontRef idx="minor">
+            <a:schemeClr val="lt1"/>
+          </a:fontRef>
+        </p:style>
+        <p:txBody>
+          <a:bodyPr rtlCol="0" anchor="ctr"/>
+          <a:lstStyle/>
+          <a:p>
+            <a:pPr algn="ctr"/>
+            <a:r>
+              <a:rPr lang="en-US" sz="1600" dirty="0">
+                <a:solidFill>
+                  <a:schemeClr val="tx1"/>
+                </a:solidFill>
+              </a:rPr>
+              <a:t>otherwise</a:t>
             </a:r>
           </a:p>
         </p:txBody>

--- a/optimization-methods-for-artificial-intelligence/optimization-advanced.pptx
+++ b/optimization-methods-for-artificial-intelligence/optimization-advanced.pptx
@@ -2119,6 +2119,53 @@
           <a:chExt cx="0" cy="0"/>
         </a:xfrm>
       </p:grpSpPr>
+      <p:pic>
+        <p:nvPicPr>
+          <p:cNvPr id="10" name="Picture 2" descr="Dirac delta function - Wikipedia">
+            <a:extLst>
+              <a:ext uri="{FF2B5EF4-FFF2-40B4-BE49-F238E27FC236}">
+                <a16:creationId xmlns:a16="http://schemas.microsoft.com/office/drawing/2014/main" id="{988199CB-01BC-4E34-978B-5ED0DB495AC1}"/>
+              </a:ext>
+            </a:extLst>
+          </p:cNvPr>
+          <p:cNvPicPr>
+            <a:picLocks noChangeAspect="1" noChangeArrowheads="1"/>
+          </p:cNvPicPr>
+          <p:nvPr/>
+        </p:nvPicPr>
+        <p:blipFill>
+          <a:blip r:embed="rId2">
+            <a:extLst>
+              <a:ext uri="{28A0092B-C50C-407E-A947-70E740481C1C}">
+                <a14:useLocalDpi xmlns:a14="http://schemas.microsoft.com/office/drawing/2010/main" val="0"/>
+              </a:ext>
+            </a:extLst>
+          </a:blip>
+          <a:srcRect/>
+          <a:stretch>
+            <a:fillRect/>
+          </a:stretch>
+        </p:blipFill>
+        <p:spPr bwMode="auto">
+          <a:xfrm>
+            <a:off x="7311600" y="3316137"/>
+            <a:ext cx="4231310" cy="3176737"/>
+          </a:xfrm>
+          <a:prstGeom prst="rect">
+            <a:avLst/>
+          </a:prstGeom>
+          <a:noFill/>
+          <a:extLst>
+            <a:ext uri="{909E8E84-426E-40DD-AFC4-6F175D3DCCD1}">
+              <a14:hiddenFill xmlns:a14="http://schemas.microsoft.com/office/drawing/2010/main">
+                <a:solidFill>
+                  <a:srgbClr val="FFFFFF"/>
+                </a:solidFill>
+              </a14:hiddenFill>
+            </a:ext>
+          </a:extLst>
+        </p:spPr>
+      </p:pic>
       <p:sp>
         <p:nvSpPr>
           <p:cNvPr id="2" name="Titre 1">
@@ -2405,7 +2452,7 @@
             </p:nvSpPr>
             <p:spPr>
               <a:blipFill>
-                <a:blip r:embed="rId2"/>
+                <a:blip r:embed="rId3"/>
                 <a:stretch>
                   <a:fillRect l="-1333" t="-2734"/>
                 </a:stretch>
@@ -2426,53 +2473,6 @@
           </p:sp>
         </mc:Fallback>
       </mc:AlternateContent>
-      <p:pic>
-        <p:nvPicPr>
-          <p:cNvPr id="8" name="Picture 2" descr="Dirac delta function - Wikipedia">
-            <a:extLst>
-              <a:ext uri="{FF2B5EF4-FFF2-40B4-BE49-F238E27FC236}">
-                <a16:creationId xmlns:a16="http://schemas.microsoft.com/office/drawing/2014/main" id="{270CF6F3-E0BE-48EB-82CE-14AC6314F72D}"/>
-              </a:ext>
-            </a:extLst>
-          </p:cNvPr>
-          <p:cNvPicPr>
-            <a:picLocks noChangeAspect="1" noChangeArrowheads="1"/>
-          </p:cNvPicPr>
-          <p:nvPr/>
-        </p:nvPicPr>
-        <p:blipFill>
-          <a:blip r:embed="rId2">
-            <a:extLst>
-              <a:ext uri="{28A0092B-C50C-407E-A947-70E740481C1C}">
-                <a14:useLocalDpi xmlns:a14="http://schemas.microsoft.com/office/drawing/2010/main" val="0"/>
-              </a:ext>
-            </a:extLst>
-          </a:blip>
-          <a:srcRect/>
-          <a:stretch>
-            <a:fillRect/>
-          </a:stretch>
-        </p:blipFill>
-        <p:spPr bwMode="auto">
-          <a:xfrm>
-            <a:off x="7311600" y="3316137"/>
-            <a:ext cx="4231310" cy="3176737"/>
-          </a:xfrm>
-          <a:prstGeom prst="rect">
-            <a:avLst/>
-          </a:prstGeom>
-          <a:noFill/>
-          <a:extLst>
-            <a:ext uri="{909E8E84-426E-40DD-AFC4-6F175D3DCCD1}">
-              <a14:hiddenFill xmlns:a14="http://schemas.microsoft.com/office/drawing/2010/main">
-                <a:solidFill>
-                  <a:srgbClr val="FFFFFF"/>
-                </a:solidFill>
-              </a14:hiddenFill>
-            </a:ext>
-          </a:extLst>
-        </p:spPr>
-      </p:pic>
       <p:sp>
         <p:nvSpPr>
           <p:cNvPr id="6" name="Forme libre : forme 5">
@@ -4121,8 +4121,8 @@
           </a:p>
         </p:txBody>
       </p:sp>
-      <mc:AlternateContent xmlns:mc="http://schemas.openxmlformats.org/markup-compatibility/2006">
-        <mc:Choice xmlns:a14="http://schemas.microsoft.com/office/drawing/2010/main" Requires="a14">
+      <mc:AlternateContent xmlns:mc="http://schemas.openxmlformats.org/markup-compatibility/2006" xmlns:a14="http://schemas.microsoft.com/office/drawing/2010/main">
+        <mc:Choice Requires="a14">
           <p:sp>
             <p:nvSpPr>
               <p:cNvPr id="4" name="ZoneTexte 3">
@@ -4284,7 +4284,7 @@
             </p:txBody>
           </p:sp>
         </mc:Choice>
-        <mc:Fallback>
+        <mc:Fallback xmlns="">
           <p:sp>
             <p:nvSpPr>
               <p:cNvPr id="4" name="ZoneTexte 3">
@@ -4862,8 +4862,8 @@
           </a:p>
         </p:txBody>
       </p:sp>
-      <mc:AlternateContent xmlns:mc="http://schemas.openxmlformats.org/markup-compatibility/2006">
-        <mc:Choice xmlns:a14="http://schemas.microsoft.com/office/drawing/2010/main" Requires="a14">
+      <mc:AlternateContent xmlns:mc="http://schemas.openxmlformats.org/markup-compatibility/2006" xmlns:a14="http://schemas.microsoft.com/office/drawing/2010/main">
+        <mc:Choice Requires="a14">
           <p:sp>
             <p:nvSpPr>
               <p:cNvPr id="4" name="ZoneTexte 3">
@@ -5025,7 +5025,7 @@
             </p:txBody>
           </p:sp>
         </mc:Choice>
-        <mc:Fallback>
+        <mc:Fallback xmlns="">
           <p:sp>
             <p:nvSpPr>
               <p:cNvPr id="4" name="ZoneTexte 3">
@@ -6696,8 +6696,8 @@
           </a:p>
         </p:txBody>
       </p:sp>
-      <mc:AlternateContent xmlns:mc="http://schemas.openxmlformats.org/markup-compatibility/2006">
-        <mc:Choice xmlns:a14="http://schemas.microsoft.com/office/drawing/2010/main" Requires="a14">
+      <mc:AlternateContent xmlns:mc="http://schemas.openxmlformats.org/markup-compatibility/2006" xmlns:a14="http://schemas.microsoft.com/office/drawing/2010/main">
+        <mc:Choice Requires="a14">
           <p:sp>
             <p:nvSpPr>
               <p:cNvPr id="3" name="Espace réservé du texte 2">
@@ -6831,7 +6831,7 @@
             </p:txBody>
           </p:sp>
         </mc:Choice>
-        <mc:Fallback>
+        <mc:Fallback xmlns="">
           <p:sp>
             <p:nvSpPr>
               <p:cNvPr id="3" name="Espace réservé du texte 2">

--- a/optimization-methods-for-artificial-intelligence/optimization-advanced.pptx
+++ b/optimization-methods-for-artificial-intelligence/optimization-advanced.pptx
@@ -1914,6 +1914,12 @@
               <a:t>Example: bug in software/hardware</a:t>
             </a:r>
           </a:p>
+          <a:p>
+            <a:r>
+              <a:rPr lang="en-US" dirty="0"/>
+              <a:t>Any ideas?</a:t>
+            </a:r>
+          </a:p>
         </p:txBody>
       </p:sp>
       <p:pic>
@@ -2194,8 +2200,8 @@
           </a:p>
         </p:txBody>
       </p:sp>
-      <mc:AlternateContent xmlns:mc="http://schemas.openxmlformats.org/markup-compatibility/2006" xmlns:a14="http://schemas.microsoft.com/office/drawing/2010/main">
-        <mc:Choice Requires="a14">
+      <mc:AlternateContent xmlns:mc="http://schemas.openxmlformats.org/markup-compatibility/2006">
+        <mc:Choice xmlns:a14="http://schemas.microsoft.com/office/drawing/2010/main" Requires="a14">
           <p:sp>
             <p:nvSpPr>
               <p:cNvPr id="3" name="Espace réservé du texte 2">
@@ -2325,7 +2331,15 @@
                 <a:pPr lvl="1"/>
                 <a:r>
                   <a:rPr lang="en-US" dirty="0"/>
-                  <a:t>New function is at least correlated to the “true” one</a:t>
+                  <a:t>New function is </a:t>
+                </a:r>
+                <a:r>
+                  <a:rPr lang="en-US" i="1" dirty="0"/>
+                  <a:t>at least correlated </a:t>
+                </a:r>
+                <a:r>
+                  <a:rPr lang="en-US" dirty="0"/>
+                  <a:t>to the “true” one</a:t>
                 </a:r>
               </a:p>
               <a:p>
@@ -2433,7 +2447,7 @@
             </p:txBody>
           </p:sp>
         </mc:Choice>
-        <mc:Fallback xmlns="">
+        <mc:Fallback>
           <p:sp>
             <p:nvSpPr>
               <p:cNvPr id="3" name="Espace réservé du texte 2">
@@ -3568,16 +3582,18 @@
         </p:spPr>
         <p:style>
           <a:lnRef idx="2">
-            <a:schemeClr val="accent6"/>
+            <a:schemeClr val="accent6">
+              <a:shade val="50000"/>
+            </a:schemeClr>
           </a:lnRef>
           <a:fillRef idx="1">
-            <a:schemeClr val="lt1"/>
+            <a:schemeClr val="accent6"/>
           </a:fillRef>
           <a:effectRef idx="0">
             <a:schemeClr val="accent6"/>
           </a:effectRef>
           <a:fontRef idx="minor">
-            <a:schemeClr val="dk1"/>
+            <a:schemeClr val="lt1"/>
           </a:fontRef>
         </p:style>
         <p:txBody>

--- a/optimization-methods-for-artificial-intelligence/optimization-advanced.pptx
+++ b/optimization-methods-for-artificial-intelligence/optimization-advanced.pptx
@@ -11,21 +11,24 @@
     <p:sldId id="278" r:id="rId5"/>
     <p:sldId id="277" r:id="rId6"/>
     <p:sldId id="276" r:id="rId7"/>
-    <p:sldId id="264" r:id="rId8"/>
-    <p:sldId id="270" r:id="rId9"/>
-    <p:sldId id="271" r:id="rId10"/>
-    <p:sldId id="260" r:id="rId11"/>
-    <p:sldId id="261" r:id="rId12"/>
-    <p:sldId id="262" r:id="rId13"/>
-    <p:sldId id="263" r:id="rId14"/>
-    <p:sldId id="272" r:id="rId15"/>
-    <p:sldId id="273" r:id="rId16"/>
-    <p:sldId id="274" r:id="rId17"/>
-    <p:sldId id="265" r:id="rId18"/>
-    <p:sldId id="275" r:id="rId19"/>
-    <p:sldId id="279" r:id="rId20"/>
-    <p:sldId id="280" r:id="rId21"/>
-    <p:sldId id="269" r:id="rId22"/>
+    <p:sldId id="281" r:id="rId8"/>
+    <p:sldId id="282" r:id="rId9"/>
+    <p:sldId id="283" r:id="rId10"/>
+    <p:sldId id="264" r:id="rId11"/>
+    <p:sldId id="270" r:id="rId12"/>
+    <p:sldId id="271" r:id="rId13"/>
+    <p:sldId id="260" r:id="rId14"/>
+    <p:sldId id="261" r:id="rId15"/>
+    <p:sldId id="262" r:id="rId16"/>
+    <p:sldId id="263" r:id="rId17"/>
+    <p:sldId id="272" r:id="rId18"/>
+    <p:sldId id="273" r:id="rId19"/>
+    <p:sldId id="274" r:id="rId20"/>
+    <p:sldId id="265" r:id="rId21"/>
+    <p:sldId id="275" r:id="rId22"/>
+    <p:sldId id="279" r:id="rId23"/>
+    <p:sldId id="280" r:id="rId24"/>
+    <p:sldId id="269" r:id="rId25"/>
   </p:sldIdLst>
   <p:sldSz cx="12192000" cy="6858000"/>
   <p:notesSz cx="6858000" cy="9144000"/>
@@ -175,7 +178,7 @@
           <a:blip r:embed="rId2">
             <a:extLst>
               <a:ext uri="{28A0092B-C50C-407E-A947-70E740481C1C}">
-                <a14:useLocalDpi xmlns:a14="http://schemas.microsoft.com/office/drawing/2010/main" val="0"/>
+                <a14:useLocalDpi xmlns:a14="http://schemas.microsoft.com/office/drawing/2010/main"/>
               </a:ext>
             </a:extLst>
           </a:blip>
@@ -211,7 +214,7 @@
           <a:blip r:embed="rId3">
             <a:extLst>
               <a:ext uri="{28A0092B-C50C-407E-A947-70E740481C1C}">
-                <a14:useLocalDpi xmlns:a14="http://schemas.microsoft.com/office/drawing/2010/main" val="0"/>
+                <a14:useLocalDpi xmlns:a14="http://schemas.microsoft.com/office/drawing/2010/main"/>
               </a:ext>
             </a:extLst>
           </a:blip>
@@ -431,10 +434,10 @@
           <p:nvPr userDrawn="1"/>
         </p:nvPicPr>
         <p:blipFill>
-          <a:blip r:embed="rId4">
+          <a:blip r:embed="rId4" cstate="email">
             <a:extLst>
               <a:ext uri="{28A0092B-C50C-407E-A947-70E740481C1C}">
-                <a14:useLocalDpi xmlns:a14="http://schemas.microsoft.com/office/drawing/2010/main" val="0"/>
+                <a14:useLocalDpi xmlns:a14="http://schemas.microsoft.com/office/drawing/2010/main"/>
               </a:ext>
             </a:extLst>
           </a:blip>
@@ -461,10 +464,10 @@
           <p:nvPr userDrawn="1"/>
         </p:nvPicPr>
         <p:blipFill>
-          <a:blip r:embed="rId5" cstate="print">
+          <a:blip r:embed="rId5" cstate="email">
             <a:extLst>
               <a:ext uri="{28A0092B-C50C-407E-A947-70E740481C1C}">
-                <a14:useLocalDpi xmlns:a14="http://schemas.microsoft.com/office/drawing/2010/main" val="0"/>
+                <a14:useLocalDpi xmlns:a14="http://schemas.microsoft.com/office/drawing/2010/main"/>
               </a:ext>
             </a:extLst>
           </a:blip>
@@ -535,10 +538,10 @@
           <p:nvPr userDrawn="1"/>
         </p:nvPicPr>
         <p:blipFill>
-          <a:blip r:embed="rId2">
+          <a:blip r:embed="rId2" cstate="email">
             <a:extLst>
               <a:ext uri="{28A0092B-C50C-407E-A947-70E740481C1C}">
-                <a14:useLocalDpi xmlns:a14="http://schemas.microsoft.com/office/drawing/2010/main" val="0"/>
+                <a14:useLocalDpi xmlns:a14="http://schemas.microsoft.com/office/drawing/2010/main"/>
               </a:ext>
             </a:extLst>
           </a:blip>
@@ -574,7 +577,7 @@
           <a:blip r:embed="rId3">
             <a:extLst>
               <a:ext uri="{28A0092B-C50C-407E-A947-70E740481C1C}">
-                <a14:useLocalDpi xmlns:a14="http://schemas.microsoft.com/office/drawing/2010/main" val="0"/>
+                <a14:useLocalDpi xmlns:a14="http://schemas.microsoft.com/office/drawing/2010/main"/>
               </a:ext>
             </a:extLst>
           </a:blip>
@@ -610,7 +613,7 @@
           <a:blip r:embed="rId4">
             <a:extLst>
               <a:ext uri="{28A0092B-C50C-407E-A947-70E740481C1C}">
-                <a14:useLocalDpi xmlns:a14="http://schemas.microsoft.com/office/drawing/2010/main" val="0"/>
+                <a14:useLocalDpi xmlns:a14="http://schemas.microsoft.com/office/drawing/2010/main"/>
               </a:ext>
             </a:extLst>
           </a:blip>
@@ -831,10 +834,10 @@
           <p:nvPr userDrawn="1"/>
         </p:nvPicPr>
         <p:blipFill>
-          <a:blip r:embed="rId5" cstate="print">
+          <a:blip r:embed="rId5" cstate="email">
             <a:extLst>
               <a:ext uri="{28A0092B-C50C-407E-A947-70E740481C1C}">
-                <a14:useLocalDpi xmlns:a14="http://schemas.microsoft.com/office/drawing/2010/main" val="0"/>
+                <a14:useLocalDpi xmlns:a14="http://schemas.microsoft.com/office/drawing/2010/main"/>
               </a:ext>
             </a:extLst>
           </a:blip>
@@ -867,23 +870,23 @@
           <p:nvPr userDrawn="1"/>
         </p:nvPicPr>
         <p:blipFill rotWithShape="1">
-          <a:blip r:embed="rId6">
+          <a:blip r:embed="rId6" cstate="email">
             <a:extLst>
               <a:ext uri="{BEBA8EAE-BF5A-486C-A8C5-ECC9F3942E4B}">
                 <a14:imgProps xmlns:a14="http://schemas.microsoft.com/office/drawing/2010/main">
                   <a14:imgLayer r:embed="rId7">
                     <a14:imgEffect>
-                      <a14:backgroundRemoval t="22283" b="75673" l="54554" r="90983"/>
+                      <a14:backgroundRemoval t="9589" b="89041" l="9859" r="89671"/>
                     </a14:imgEffect>
                   </a14:imgLayer>
                 </a14:imgProps>
               </a:ext>
               <a:ext uri="{28A0092B-C50C-407E-A947-70E740481C1C}">
-                <a14:useLocalDpi xmlns:a14="http://schemas.microsoft.com/office/drawing/2010/main" val="0"/>
+                <a14:useLocalDpi xmlns:a14="http://schemas.microsoft.com/office/drawing/2010/main"/>
               </a:ext>
             </a:extLst>
           </a:blip>
-          <a:srcRect l="50000" t="15610" r="4463" b="17653"/>
+          <a:srcRect/>
           <a:stretch/>
         </p:blipFill>
         <p:spPr bwMode="auto">
@@ -921,7 +924,13 @@
           <p:nvPr userDrawn="1"/>
         </p:nvPicPr>
         <p:blipFill>
-          <a:blip r:embed="rId8"/>
+          <a:blip r:embed="rId8" cstate="email">
+            <a:extLst>
+              <a:ext uri="{28A0092B-C50C-407E-A947-70E740481C1C}">
+                <a14:useLocalDpi xmlns:a14="http://schemas.microsoft.com/office/drawing/2010/main"/>
+              </a:ext>
+            </a:extLst>
+          </a:blip>
           <a:stretch>
             <a:fillRect/>
           </a:stretch>
@@ -1053,10 +1062,10 @@
           <p:nvPr userDrawn="1"/>
         </p:nvPicPr>
         <p:blipFill>
-          <a:blip r:embed="rId2" cstate="print">
+          <a:blip r:embed="rId2" cstate="email">
             <a:extLst>
               <a:ext uri="{28A0092B-C50C-407E-A947-70E740481C1C}">
-                <a14:useLocalDpi xmlns:a14="http://schemas.microsoft.com/office/drawing/2010/main" val="0"/>
+                <a14:useLocalDpi xmlns:a14="http://schemas.microsoft.com/office/drawing/2010/main"/>
               </a:ext>
             </a:extLst>
           </a:blip>
@@ -1274,10 +1283,10 @@
           <p:nvPr userDrawn="1"/>
         </p:nvPicPr>
         <p:blipFill>
-          <a:blip r:embed="rId5">
+          <a:blip r:embed="rId5" cstate="email">
             <a:extLst>
               <a:ext uri="{28A0092B-C50C-407E-A947-70E740481C1C}">
-                <a14:useLocalDpi xmlns:a14="http://schemas.microsoft.com/office/drawing/2010/main" val="0"/>
+                <a14:useLocalDpi xmlns:a14="http://schemas.microsoft.com/office/drawing/2010/main"/>
               </a:ext>
             </a:extLst>
           </a:blip>
@@ -1748,17 +1757,17 @@
           <a:lstStyle/>
           <a:p>
             <a:r>
-              <a:rPr lang="it-IT" dirty="0"/>
+              <a:rPr lang="it-IT" sz="8000" dirty="0"/>
               <a:t>Optimization: </a:t>
             </a:r>
             <a:br>
-              <a:rPr lang="it-IT" dirty="0"/>
+              <a:rPr lang="it-IT" sz="8000" dirty="0"/>
             </a:br>
             <a:r>
-              <a:rPr lang="it-IT" dirty="0"/>
+              <a:rPr lang="it-IT" sz="8000" dirty="0"/>
               <a:t>Advanced Topics</a:t>
             </a:r>
-            <a:endParaRPr lang="fr-FR" dirty="0"/>
+            <a:endParaRPr lang="fr-FR" sz="8000" dirty="0"/>
           </a:p>
         </p:txBody>
       </p:sp>
@@ -1837,6 +1846,434 @@
           <p:cNvPr id="2" name="Titre 1">
             <a:extLst>
               <a:ext uri="{FF2B5EF4-FFF2-40B4-BE49-F238E27FC236}">
+                <a16:creationId xmlns:a16="http://schemas.microsoft.com/office/drawing/2014/main" id="{F1B49ACA-6ADA-461F-B3D1-67BF805353FE}"/>
+              </a:ext>
+            </a:extLst>
+          </p:cNvPr>
+          <p:cNvSpPr>
+            <a:spLocks noGrp="1"/>
+          </p:cNvSpPr>
+          <p:nvPr>
+            <p:ph type="title"/>
+          </p:nvPr>
+        </p:nvSpPr>
+        <p:spPr/>
+        <p:txBody>
+          <a:bodyPr/>
+          <a:lstStyle/>
+          <a:p>
+            <a:r>
+              <a:rPr lang="en-US" dirty="0"/>
+              <a:t>Deceptive objective functions</a:t>
+            </a:r>
+          </a:p>
+        </p:txBody>
+      </p:sp>
+      <p:sp>
+        <p:nvSpPr>
+          <p:cNvPr id="3" name="Espace réservé du texte 2">
+            <a:extLst>
+              <a:ext uri="{FF2B5EF4-FFF2-40B4-BE49-F238E27FC236}">
+                <a16:creationId xmlns:a16="http://schemas.microsoft.com/office/drawing/2014/main" id="{99C24590-6293-46B0-96B6-ACD265C18134}"/>
+              </a:ext>
+            </a:extLst>
+          </p:cNvPr>
+          <p:cNvSpPr>
+            <a:spLocks noGrp="1"/>
+          </p:cNvSpPr>
+          <p:nvPr>
+            <p:ph type="body" sz="quarter" idx="10"/>
+          </p:nvPr>
+        </p:nvSpPr>
+        <p:spPr/>
+        <p:txBody>
+          <a:bodyPr/>
+          <a:lstStyle/>
+          <a:p>
+            <a:r>
+              <a:rPr lang="en-US" dirty="0"/>
+              <a:t>Feedback from the objective function is </a:t>
+            </a:r>
+            <a:r>
+              <a:rPr lang="en-US" i="1" dirty="0"/>
+              <a:t>deceptive</a:t>
+            </a:r>
+            <a:endParaRPr lang="en-US" dirty="0"/>
+          </a:p>
+          <a:p>
+            <a:pPr lvl="1"/>
+            <a:r>
+              <a:rPr lang="en-US" dirty="0"/>
+              <a:t>Following feedback leads away from global optimum</a:t>
+            </a:r>
+          </a:p>
+          <a:p>
+            <a:pPr lvl="1"/>
+            <a:r>
+              <a:rPr lang="en-US" dirty="0"/>
+              <a:t>Strong local optima surrounding the global one</a:t>
+            </a:r>
+          </a:p>
+        </p:txBody>
+      </p:sp>
+      <p:pic>
+        <p:nvPicPr>
+          <p:cNvPr id="5" name="Image 4">
+            <a:extLst>
+              <a:ext uri="{FF2B5EF4-FFF2-40B4-BE49-F238E27FC236}">
+                <a16:creationId xmlns:a16="http://schemas.microsoft.com/office/drawing/2014/main" id="{F051BF98-7BAF-4A37-A657-6641FDEB706B}"/>
+              </a:ext>
+            </a:extLst>
+          </p:cNvPr>
+          <p:cNvPicPr>
+            <a:picLocks noChangeAspect="1"/>
+          </p:cNvPicPr>
+          <p:nvPr/>
+        </p:nvPicPr>
+        <p:blipFill>
+          <a:blip r:embed="rId2"/>
+          <a:stretch>
+            <a:fillRect/>
+          </a:stretch>
+        </p:blipFill>
+        <p:spPr>
+          <a:xfrm>
+            <a:off x="5085107" y="3329949"/>
+            <a:ext cx="6115904" cy="2391109"/>
+          </a:xfrm>
+          <a:prstGeom prst="rect">
+            <a:avLst/>
+          </a:prstGeom>
+        </p:spPr>
+      </p:pic>
+      <p:pic>
+        <p:nvPicPr>
+          <p:cNvPr id="6" name="Picture 2" descr="N-D Test Functions D — AMPGO 0.1.0 documentation">
+            <a:extLst>
+              <a:ext uri="{FF2B5EF4-FFF2-40B4-BE49-F238E27FC236}">
+                <a16:creationId xmlns:a16="http://schemas.microsoft.com/office/drawing/2014/main" id="{2323F80B-DAF3-400D-88D9-3D65604F557D}"/>
+              </a:ext>
+            </a:extLst>
+          </p:cNvPr>
+          <p:cNvPicPr>
+            <a:picLocks noChangeAspect="1" noChangeArrowheads="1"/>
+          </p:cNvPicPr>
+          <p:nvPr/>
+        </p:nvPicPr>
+        <p:blipFill>
+          <a:blip r:embed="rId3" cstate="email">
+            <a:extLst>
+              <a:ext uri="{28A0092B-C50C-407E-A947-70E740481C1C}">
+                <a14:useLocalDpi xmlns:a14="http://schemas.microsoft.com/office/drawing/2010/main"/>
+              </a:ext>
+            </a:extLst>
+          </a:blip>
+          <a:srcRect/>
+          <a:stretch>
+            <a:fillRect/>
+          </a:stretch>
+        </p:blipFill>
+        <p:spPr bwMode="auto">
+          <a:xfrm>
+            <a:off x="615752" y="3026004"/>
+            <a:ext cx="3822699" cy="2867024"/>
+          </a:xfrm>
+          <a:prstGeom prst="rect">
+            <a:avLst/>
+          </a:prstGeom>
+          <a:noFill/>
+          <a:extLst>
+            <a:ext uri="{909E8E84-426E-40DD-AFC4-6F175D3DCCD1}">
+              <a14:hiddenFill xmlns:a14="http://schemas.microsoft.com/office/drawing/2010/main">
+                <a:solidFill>
+                  <a:srgbClr val="FFFFFF"/>
+                </a:solidFill>
+              </a14:hiddenFill>
+            </a:ext>
+          </a:extLst>
+        </p:spPr>
+      </p:pic>
+    </p:spTree>
+    <p:extLst>
+      <p:ext uri="{BB962C8B-B14F-4D97-AF65-F5344CB8AC3E}">
+        <p14:creationId xmlns:p14="http://schemas.microsoft.com/office/powerpoint/2010/main" val="3330422493"/>
+      </p:ext>
+    </p:extLst>
+  </p:cSld>
+  <p:clrMapOvr>
+    <a:masterClrMapping/>
+  </p:clrMapOvr>
+</p:sld>
+</file>
+
+<file path=ppt/slides/slide11.xml><?xml version="1.0" encoding="utf-8"?>
+<p:sld xmlns:a="http://schemas.openxmlformats.org/drawingml/2006/main" xmlns:r="http://schemas.openxmlformats.org/officeDocument/2006/relationships" xmlns:p="http://schemas.openxmlformats.org/presentationml/2006/main">
+  <p:cSld>
+    <p:spTree>
+      <p:nvGrpSpPr>
+        <p:cNvPr id="1" name=""/>
+        <p:cNvGrpSpPr/>
+        <p:nvPr/>
+      </p:nvGrpSpPr>
+      <p:grpSpPr>
+        <a:xfrm>
+          <a:off x="0" y="0"/>
+          <a:ext cx="0" cy="0"/>
+          <a:chOff x="0" y="0"/>
+          <a:chExt cx="0" cy="0"/>
+        </a:xfrm>
+      </p:grpSpPr>
+      <p:sp>
+        <p:nvSpPr>
+          <p:cNvPr id="2" name="Titre 1">
+            <a:extLst>
+              <a:ext uri="{FF2B5EF4-FFF2-40B4-BE49-F238E27FC236}">
+                <a16:creationId xmlns:a16="http://schemas.microsoft.com/office/drawing/2014/main" id="{F1B49ACA-6ADA-461F-B3D1-67BF805353FE}"/>
+              </a:ext>
+            </a:extLst>
+          </p:cNvPr>
+          <p:cNvSpPr>
+            <a:spLocks noGrp="1"/>
+          </p:cNvSpPr>
+          <p:nvPr>
+            <p:ph type="title"/>
+          </p:nvPr>
+        </p:nvSpPr>
+        <p:spPr/>
+        <p:txBody>
+          <a:bodyPr/>
+          <a:lstStyle/>
+          <a:p>
+            <a:r>
+              <a:rPr lang="en-US" dirty="0"/>
+              <a:t>Deceptive objective functions</a:t>
+            </a:r>
+          </a:p>
+        </p:txBody>
+      </p:sp>
+      <p:sp>
+        <p:nvSpPr>
+          <p:cNvPr id="3" name="Espace réservé du texte 2">
+            <a:extLst>
+              <a:ext uri="{FF2B5EF4-FFF2-40B4-BE49-F238E27FC236}">
+                <a16:creationId xmlns:a16="http://schemas.microsoft.com/office/drawing/2014/main" id="{99C24590-6293-46B0-96B6-ACD265C18134}"/>
+              </a:ext>
+            </a:extLst>
+          </p:cNvPr>
+          <p:cNvSpPr>
+            <a:spLocks noGrp="1"/>
+          </p:cNvSpPr>
+          <p:nvPr>
+            <p:ph type="body" sz="quarter" idx="10"/>
+          </p:nvPr>
+        </p:nvSpPr>
+        <p:spPr/>
+        <p:txBody>
+          <a:bodyPr/>
+          <a:lstStyle/>
+          <a:p>
+            <a:r>
+              <a:rPr lang="en-US" dirty="0"/>
+              <a:t>Solution (?): Novelty Search</a:t>
+            </a:r>
+          </a:p>
+          <a:p>
+            <a:pPr lvl="1"/>
+            <a:r>
+              <a:rPr lang="en-US" dirty="0"/>
+              <a:t>Ignore feedback from the objective function</a:t>
+            </a:r>
+          </a:p>
+          <a:p>
+            <a:pPr lvl="1"/>
+            <a:r>
+              <a:rPr lang="en-US" dirty="0"/>
+              <a:t>Evaluate candidate solutions based on diversity</a:t>
+            </a:r>
+          </a:p>
+          <a:p>
+            <a:pPr lvl="1"/>
+            <a:r>
+              <a:rPr lang="en-US" dirty="0"/>
+              <a:t>Keep archive of solutions, search near solutions that are “novel”</a:t>
+            </a:r>
+          </a:p>
+          <a:p>
+            <a:pPr lvl="1"/>
+            <a:r>
+              <a:rPr lang="en-US" dirty="0"/>
+              <a:t>Measure novelty: problem-dependent</a:t>
+            </a:r>
+          </a:p>
+          <a:p>
+            <a:pPr lvl="1"/>
+            <a:r>
+              <a:rPr lang="en-US" dirty="0"/>
+              <a:t>Example: Average distance from k nearest neighbors</a:t>
+            </a:r>
+          </a:p>
+          <a:p>
+            <a:r>
+              <a:rPr lang="en-US" dirty="0"/>
+              <a:t>Value of the objective function used to stop</a:t>
+            </a:r>
+          </a:p>
+        </p:txBody>
+      </p:sp>
+    </p:spTree>
+    <p:extLst>
+      <p:ext uri="{BB962C8B-B14F-4D97-AF65-F5344CB8AC3E}">
+        <p14:creationId xmlns:p14="http://schemas.microsoft.com/office/powerpoint/2010/main" val="3269960673"/>
+      </p:ext>
+    </p:extLst>
+  </p:cSld>
+  <p:clrMapOvr>
+    <a:masterClrMapping/>
+  </p:clrMapOvr>
+</p:sld>
+</file>
+
+<file path=ppt/slides/slide12.xml><?xml version="1.0" encoding="utf-8"?>
+<p:sld xmlns:a="http://schemas.openxmlformats.org/drawingml/2006/main" xmlns:r="http://schemas.openxmlformats.org/officeDocument/2006/relationships" xmlns:p="http://schemas.openxmlformats.org/presentationml/2006/main">
+  <p:cSld>
+    <p:spTree>
+      <p:nvGrpSpPr>
+        <p:cNvPr id="1" name=""/>
+        <p:cNvGrpSpPr/>
+        <p:nvPr/>
+      </p:nvGrpSpPr>
+      <p:grpSpPr>
+        <a:xfrm>
+          <a:off x="0" y="0"/>
+          <a:ext cx="0" cy="0"/>
+          <a:chOff x="0" y="0"/>
+          <a:chExt cx="0" cy="0"/>
+        </a:xfrm>
+      </p:grpSpPr>
+      <p:sp>
+        <p:nvSpPr>
+          <p:cNvPr id="2" name="Titre 1">
+            <a:extLst>
+              <a:ext uri="{FF2B5EF4-FFF2-40B4-BE49-F238E27FC236}">
+                <a16:creationId xmlns:a16="http://schemas.microsoft.com/office/drawing/2014/main" id="{F1B49ACA-6ADA-461F-B3D1-67BF805353FE}"/>
+              </a:ext>
+            </a:extLst>
+          </p:cNvPr>
+          <p:cNvSpPr>
+            <a:spLocks noGrp="1"/>
+          </p:cNvSpPr>
+          <p:nvPr>
+            <p:ph type="title"/>
+          </p:nvPr>
+        </p:nvSpPr>
+        <p:spPr/>
+        <p:txBody>
+          <a:bodyPr/>
+          <a:lstStyle/>
+          <a:p>
+            <a:r>
+              <a:rPr lang="en-US" dirty="0"/>
+              <a:t>Deceptive objective functions</a:t>
+            </a:r>
+          </a:p>
+        </p:txBody>
+      </p:sp>
+      <p:sp>
+        <p:nvSpPr>
+          <p:cNvPr id="3" name="Espace réservé du texte 2">
+            <a:extLst>
+              <a:ext uri="{FF2B5EF4-FFF2-40B4-BE49-F238E27FC236}">
+                <a16:creationId xmlns:a16="http://schemas.microsoft.com/office/drawing/2014/main" id="{99C24590-6293-46B0-96B6-ACD265C18134}"/>
+              </a:ext>
+            </a:extLst>
+          </p:cNvPr>
+          <p:cNvSpPr>
+            <a:spLocks noGrp="1"/>
+          </p:cNvSpPr>
+          <p:nvPr>
+            <p:ph type="body" sz="quarter" idx="10"/>
+          </p:nvPr>
+        </p:nvSpPr>
+        <p:spPr/>
+        <p:txBody>
+          <a:bodyPr/>
+          <a:lstStyle/>
+          <a:p>
+            <a:endParaRPr lang="en-US" dirty="0"/>
+          </a:p>
+        </p:txBody>
+      </p:sp>
+      <p:pic>
+        <p:nvPicPr>
+          <p:cNvPr id="5" name="Image 4">
+            <a:extLst>
+              <a:ext uri="{FF2B5EF4-FFF2-40B4-BE49-F238E27FC236}">
+                <a16:creationId xmlns:a16="http://schemas.microsoft.com/office/drawing/2014/main" id="{9F29AEE9-60A3-44AA-AF51-549CC47A7558}"/>
+              </a:ext>
+            </a:extLst>
+          </p:cNvPr>
+          <p:cNvPicPr>
+            <a:picLocks noChangeAspect="1"/>
+          </p:cNvPicPr>
+          <p:nvPr/>
+        </p:nvPicPr>
+        <p:blipFill>
+          <a:blip r:embed="rId2" cstate="email">
+            <a:extLst>
+              <a:ext uri="{28A0092B-C50C-407E-A947-70E740481C1C}">
+                <a14:useLocalDpi xmlns:a14="http://schemas.microsoft.com/office/drawing/2010/main"/>
+              </a:ext>
+            </a:extLst>
+          </a:blip>
+          <a:stretch>
+            <a:fillRect/>
+          </a:stretch>
+        </p:blipFill>
+        <p:spPr>
+          <a:xfrm>
+            <a:off x="2925805" y="1509361"/>
+            <a:ext cx="6340389" cy="4503810"/>
+          </a:xfrm>
+          <a:prstGeom prst="rect">
+            <a:avLst/>
+          </a:prstGeom>
+        </p:spPr>
+      </p:pic>
+    </p:spTree>
+    <p:extLst>
+      <p:ext uri="{BB962C8B-B14F-4D97-AF65-F5344CB8AC3E}">
+        <p14:creationId xmlns:p14="http://schemas.microsoft.com/office/powerpoint/2010/main" val="2450050827"/>
+      </p:ext>
+    </p:extLst>
+  </p:cSld>
+  <p:clrMapOvr>
+    <a:masterClrMapping/>
+  </p:clrMapOvr>
+</p:sld>
+</file>
+
+<file path=ppt/slides/slide13.xml><?xml version="1.0" encoding="utf-8"?>
+<p:sld xmlns:a="http://schemas.openxmlformats.org/drawingml/2006/main" xmlns:r="http://schemas.openxmlformats.org/officeDocument/2006/relationships" xmlns:p="http://schemas.openxmlformats.org/presentationml/2006/main">
+  <p:cSld>
+    <p:spTree>
+      <p:nvGrpSpPr>
+        <p:cNvPr id="1" name=""/>
+        <p:cNvGrpSpPr/>
+        <p:nvPr/>
+      </p:nvGrpSpPr>
+      <p:grpSpPr>
+        <a:xfrm>
+          <a:off x="0" y="0"/>
+          <a:ext cx="0" cy="0"/>
+          <a:chOff x="0" y="0"/>
+          <a:chExt cx="0" cy="0"/>
+        </a:xfrm>
+      </p:grpSpPr>
+      <p:sp>
+        <p:nvSpPr>
+          <p:cNvPr id="2" name="Titre 1">
+            <a:extLst>
+              <a:ext uri="{FF2B5EF4-FFF2-40B4-BE49-F238E27FC236}">
                 <a16:creationId xmlns:a16="http://schemas.microsoft.com/office/drawing/2014/main" id="{A86BDE3C-81BA-46F6-A1F8-1E1D5F52A534}"/>
               </a:ext>
             </a:extLst>
@@ -1940,7 +2377,7 @@
           <a:blip r:embed="rId2">
             <a:extLst>
               <a:ext uri="{28A0092B-C50C-407E-A947-70E740481C1C}">
-                <a14:useLocalDpi xmlns:a14="http://schemas.microsoft.com/office/drawing/2010/main" val="0"/>
+                <a14:useLocalDpi xmlns:a14="http://schemas.microsoft.com/office/drawing/2010/main"/>
               </a:ext>
             </a:extLst>
           </a:blip>
@@ -2108,7 +2545,7 @@
 </p:sld>
 </file>
 
-<file path=ppt/slides/slide11.xml><?xml version="1.0" encoding="utf-8"?>
+<file path=ppt/slides/slide14.xml><?xml version="1.0" encoding="utf-8"?>
 <p:sld xmlns:a="http://schemas.openxmlformats.org/drawingml/2006/main" xmlns:r="http://schemas.openxmlformats.org/officeDocument/2006/relationships" xmlns:p="http://schemas.openxmlformats.org/presentationml/2006/main">
   <p:cSld>
     <p:spTree>
@@ -2143,7 +2580,7 @@
           <a:blip r:embed="rId2">
             <a:extLst>
               <a:ext uri="{28A0092B-C50C-407E-A947-70E740481C1C}">
-                <a14:useLocalDpi xmlns:a14="http://schemas.microsoft.com/office/drawing/2010/main" val="0"/>
+                <a14:useLocalDpi xmlns:a14="http://schemas.microsoft.com/office/drawing/2010/main"/>
               </a:ext>
             </a:extLst>
           </a:blip>
@@ -2200,8 +2637,8 @@
           </a:p>
         </p:txBody>
       </p:sp>
-      <mc:AlternateContent xmlns:mc="http://schemas.openxmlformats.org/markup-compatibility/2006">
-        <mc:Choice xmlns:a14="http://schemas.microsoft.com/office/drawing/2010/main" Requires="a14">
+      <mc:AlternateContent xmlns:mc="http://schemas.openxmlformats.org/markup-compatibility/2006" xmlns:a14="http://schemas.microsoft.com/office/drawing/2010/main">
+        <mc:Choice Requires="a14">
           <p:sp>
             <p:nvSpPr>
               <p:cNvPr id="3" name="Espace réservé du texte 2">
@@ -2447,7 +2884,7 @@
             </p:txBody>
           </p:sp>
         </mc:Choice>
-        <mc:Fallback>
+        <mc:Fallback xmlns="">
           <p:sp>
             <p:nvSpPr>
               <p:cNvPr id="3" name="Espace réservé du texte 2">
@@ -2967,7 +3404,7 @@
 </p:sld>
 </file>
 
-<file path=ppt/slides/slide12.xml><?xml version="1.0" encoding="utf-8"?>
+<file path=ppt/slides/slide15.xml><?xml version="1.0" encoding="utf-8"?>
 <p:sld xmlns:a="http://schemas.openxmlformats.org/drawingml/2006/main" xmlns:r="http://schemas.openxmlformats.org/officeDocument/2006/relationships" xmlns:p="http://schemas.openxmlformats.org/presentationml/2006/main">
   <p:cSld>
     <p:spTree>
@@ -3118,7 +3555,7 @@
 </p:sld>
 </file>
 
-<file path=ppt/slides/slide13.xml><?xml version="1.0" encoding="utf-8"?>
+<file path=ppt/slides/slide16.xml><?xml version="1.0" encoding="utf-8"?>
 <p:sld xmlns:a="http://schemas.openxmlformats.org/drawingml/2006/main" xmlns:r="http://schemas.openxmlformats.org/officeDocument/2006/relationships" xmlns:p="http://schemas.openxmlformats.org/presentationml/2006/main">
   <p:cSld>
     <p:spTree>
@@ -3379,10 +3816,10 @@
           <p:nvPr/>
         </p:nvPicPr>
         <p:blipFill>
-          <a:blip r:embed="rId2" cstate="print">
+          <a:blip r:embed="rId2" cstate="email">
             <a:extLst>
               <a:ext uri="{28A0092B-C50C-407E-A947-70E740481C1C}">
-                <a14:useLocalDpi xmlns:a14="http://schemas.microsoft.com/office/drawing/2010/main" val="0"/>
+                <a14:useLocalDpi xmlns:a14="http://schemas.microsoft.com/office/drawing/2010/main"/>
               </a:ext>
             </a:extLst>
           </a:blip>
@@ -4037,7 +4474,7 @@
 </p:sld>
 </file>
 
-<file path=ppt/slides/slide14.xml><?xml version="1.0" encoding="utf-8"?>
+<file path=ppt/slides/slide17.xml><?xml version="1.0" encoding="utf-8"?>
 <p:sld xmlns:a="http://schemas.openxmlformats.org/drawingml/2006/main" xmlns:r="http://schemas.openxmlformats.org/officeDocument/2006/relationships" xmlns:p="http://schemas.openxmlformats.org/presentationml/2006/main">
   <p:cSld>
     <p:spTree>
@@ -4773,7 +5210,7 @@
 </p:sld>
 </file>
 
-<file path=ppt/slides/slide15.xml><?xml version="1.0" encoding="utf-8"?>
+<file path=ppt/slides/slide18.xml><?xml version="1.0" encoding="utf-8"?>
 <p:sld xmlns:a="http://schemas.openxmlformats.org/drawingml/2006/main" xmlns:r="http://schemas.openxmlformats.org/officeDocument/2006/relationships" xmlns:p="http://schemas.openxmlformats.org/presentationml/2006/main">
   <p:cSld>
     <p:spTree>
@@ -5993,393 +6430,6 @@
 </p:sld>
 </file>
 
-<file path=ppt/slides/slide16.xml><?xml version="1.0" encoding="utf-8"?>
-<p:sld xmlns:a="http://schemas.openxmlformats.org/drawingml/2006/main" xmlns:r="http://schemas.openxmlformats.org/officeDocument/2006/relationships" xmlns:p="http://schemas.openxmlformats.org/presentationml/2006/main">
-  <p:cSld>
-    <p:spTree>
-      <p:nvGrpSpPr>
-        <p:cNvPr id="1" name=""/>
-        <p:cNvGrpSpPr/>
-        <p:nvPr/>
-      </p:nvGrpSpPr>
-      <p:grpSpPr>
-        <a:xfrm>
-          <a:off x="0" y="0"/>
-          <a:ext cx="0" cy="0"/>
-          <a:chOff x="0" y="0"/>
-          <a:chExt cx="0" cy="0"/>
-        </a:xfrm>
-      </p:grpSpPr>
-      <p:sp>
-        <p:nvSpPr>
-          <p:cNvPr id="2" name="Titre 1">
-            <a:extLst>
-              <a:ext uri="{FF2B5EF4-FFF2-40B4-BE49-F238E27FC236}">
-                <a16:creationId xmlns:a16="http://schemas.microsoft.com/office/drawing/2014/main" id="{3AC48A01-8582-4683-8910-338782A982F8}"/>
-              </a:ext>
-            </a:extLst>
-          </p:cNvPr>
-          <p:cNvSpPr>
-            <a:spLocks noGrp="1"/>
-          </p:cNvSpPr>
-          <p:nvPr>
-            <p:ph type="title"/>
-          </p:nvPr>
-        </p:nvSpPr>
-        <p:spPr/>
-        <p:txBody>
-          <a:bodyPr/>
-          <a:lstStyle/>
-          <a:p>
-            <a:r>
-              <a:rPr lang="en-US" dirty="0"/>
-              <a:t>Expensive objective functions</a:t>
-            </a:r>
-          </a:p>
-        </p:txBody>
-      </p:sp>
-      <p:sp>
-        <p:nvSpPr>
-          <p:cNvPr id="3" name="Espace réservé du texte 2">
-            <a:extLst>
-              <a:ext uri="{FF2B5EF4-FFF2-40B4-BE49-F238E27FC236}">
-                <a16:creationId xmlns:a16="http://schemas.microsoft.com/office/drawing/2014/main" id="{C2AA34FE-2B11-41C7-A339-A4F490F75C90}"/>
-              </a:ext>
-            </a:extLst>
-          </p:cNvPr>
-          <p:cNvSpPr>
-            <a:spLocks noGrp="1"/>
-          </p:cNvSpPr>
-          <p:nvPr>
-            <p:ph type="body" sz="quarter" idx="10"/>
-          </p:nvPr>
-        </p:nvSpPr>
-        <p:spPr/>
-        <p:txBody>
-          <a:bodyPr/>
-          <a:lstStyle/>
-          <a:p>
-            <a:r>
-              <a:rPr lang="en-US" dirty="0"/>
-              <a:t>Examples of surrogate models</a:t>
-            </a:r>
-          </a:p>
-          <a:p>
-            <a:pPr lvl="1"/>
-            <a:r>
-              <a:rPr lang="en-US" dirty="0"/>
-              <a:t>Classifier (yes/no)</a:t>
-            </a:r>
-          </a:p>
-          <a:p>
-            <a:pPr lvl="1"/>
-            <a:r>
-              <a:rPr lang="en-US" dirty="0"/>
-              <a:t>Regressor trained on samples of your original function</a:t>
-            </a:r>
-          </a:p>
-          <a:p>
-            <a:pPr lvl="1"/>
-            <a:r>
-              <a:rPr lang="en-US" dirty="0"/>
-              <a:t>A physics-based model with less precision</a:t>
-            </a:r>
-          </a:p>
-          <a:p>
-            <a:pPr lvl="1"/>
-            <a:r>
-              <a:rPr lang="en-US" dirty="0"/>
-              <a:t>(ML) Same function, but use only a subset of the samples</a:t>
-            </a:r>
-          </a:p>
-          <a:p>
-            <a:endParaRPr lang="en-US" dirty="0"/>
-          </a:p>
-          <a:p>
-            <a:r>
-              <a:rPr lang="en-US" dirty="0"/>
-              <a:t>However, surrogate models are </a:t>
-            </a:r>
-            <a:r>
-              <a:rPr lang="en-US" b="1" dirty="0"/>
-              <a:t>problem-specific</a:t>
-            </a:r>
-          </a:p>
-          <a:p>
-            <a:r>
-              <a:rPr lang="en-US" dirty="0"/>
-              <a:t>Require domain knowledge and expertise from user</a:t>
-            </a:r>
-          </a:p>
-        </p:txBody>
-      </p:sp>
-    </p:spTree>
-    <p:extLst>
-      <p:ext uri="{BB962C8B-B14F-4D97-AF65-F5344CB8AC3E}">
-        <p14:creationId xmlns:p14="http://schemas.microsoft.com/office/powerpoint/2010/main" val="3822660741"/>
-      </p:ext>
-    </p:extLst>
-  </p:cSld>
-  <p:clrMapOvr>
-    <a:masterClrMapping/>
-  </p:clrMapOvr>
-</p:sld>
-</file>
-
-<file path=ppt/slides/slide17.xml><?xml version="1.0" encoding="utf-8"?>
-<p:sld xmlns:a="http://schemas.openxmlformats.org/drawingml/2006/main" xmlns:r="http://schemas.openxmlformats.org/officeDocument/2006/relationships" xmlns:p="http://schemas.openxmlformats.org/presentationml/2006/main">
-  <p:cSld>
-    <p:spTree>
-      <p:nvGrpSpPr>
-        <p:cNvPr id="1" name=""/>
-        <p:cNvGrpSpPr/>
-        <p:nvPr/>
-      </p:nvGrpSpPr>
-      <p:grpSpPr>
-        <a:xfrm>
-          <a:off x="0" y="0"/>
-          <a:ext cx="0" cy="0"/>
-          <a:chOff x="0" y="0"/>
-          <a:chExt cx="0" cy="0"/>
-        </a:xfrm>
-      </p:grpSpPr>
-      <p:sp>
-        <p:nvSpPr>
-          <p:cNvPr id="2" name="Titre 1">
-            <a:extLst>
-              <a:ext uri="{FF2B5EF4-FFF2-40B4-BE49-F238E27FC236}">
-                <a16:creationId xmlns:a16="http://schemas.microsoft.com/office/drawing/2014/main" id="{0F4C2CCE-B0A2-4FB9-8618-B08F369570FA}"/>
-              </a:ext>
-            </a:extLst>
-          </p:cNvPr>
-          <p:cNvSpPr>
-            <a:spLocks noGrp="1"/>
-          </p:cNvSpPr>
-          <p:nvPr>
-            <p:ph type="title"/>
-          </p:nvPr>
-        </p:nvSpPr>
-        <p:spPr/>
-        <p:txBody>
-          <a:bodyPr/>
-          <a:lstStyle/>
-          <a:p>
-            <a:r>
-              <a:rPr lang="en-US" dirty="0"/>
-              <a:t>Expensive objective functions</a:t>
-            </a:r>
-          </a:p>
-        </p:txBody>
-      </p:sp>
-      <p:sp>
-        <p:nvSpPr>
-          <p:cNvPr id="3" name="Espace réservé du texte 2">
-            <a:extLst>
-              <a:ext uri="{FF2B5EF4-FFF2-40B4-BE49-F238E27FC236}">
-                <a16:creationId xmlns:a16="http://schemas.microsoft.com/office/drawing/2014/main" id="{F72BA12A-5ED5-46A1-A570-840A167447E4}"/>
-              </a:ext>
-            </a:extLst>
-          </p:cNvPr>
-          <p:cNvSpPr>
-            <a:spLocks noGrp="1"/>
-          </p:cNvSpPr>
-          <p:nvPr>
-            <p:ph type="body" sz="quarter" idx="10"/>
-          </p:nvPr>
-        </p:nvSpPr>
-        <p:spPr/>
-        <p:txBody>
-          <a:bodyPr/>
-          <a:lstStyle/>
-          <a:p>
-            <a:r>
-              <a:rPr lang="en-US" dirty="0"/>
-              <a:t>Bayesian optimization</a:t>
-            </a:r>
-          </a:p>
-          <a:p>
-            <a:pPr lvl="1"/>
-            <a:r>
-              <a:rPr lang="en-US" dirty="0"/>
-              <a:t>Use a generic surrogate model, a random function with a prior</a:t>
-            </a:r>
-          </a:p>
-          <a:p>
-            <a:pPr lvl="1"/>
-            <a:r>
-              <a:rPr lang="en-US" dirty="0"/>
-              <a:t>Most common methodology uses kriging with Gaussian processes</a:t>
-            </a:r>
-          </a:p>
-          <a:p>
-            <a:pPr lvl="1"/>
-            <a:r>
-              <a:rPr lang="en-US" dirty="0"/>
-              <a:t>The surrogate model is updated at each evaluation</a:t>
-            </a:r>
-          </a:p>
-          <a:p>
-            <a:pPr lvl="1"/>
-            <a:r>
-              <a:rPr lang="en-US" dirty="0"/>
-              <a:t>Next point explored where surrogate model predicts improvement</a:t>
-            </a:r>
-          </a:p>
-          <a:p>
-            <a:pPr lvl="1"/>
-            <a:endParaRPr lang="en-US" dirty="0"/>
-          </a:p>
-          <a:p>
-            <a:r>
-              <a:rPr lang="en-US" dirty="0"/>
-              <a:t>Gaussian processes also estimate incertitude around a point</a:t>
-            </a:r>
-          </a:p>
-          <a:p>
-            <a:r>
-              <a:rPr lang="en-US" dirty="0"/>
-              <a:t>Sampling the point reduces uncertainty around it</a:t>
-            </a:r>
-          </a:p>
-          <a:p>
-            <a:r>
-              <a:rPr lang="en-US" dirty="0"/>
-              <a:t>De-facto build approximate model of the search space</a:t>
-            </a:r>
-          </a:p>
-        </p:txBody>
-      </p:sp>
-    </p:spTree>
-    <p:extLst>
-      <p:ext uri="{BB962C8B-B14F-4D97-AF65-F5344CB8AC3E}">
-        <p14:creationId xmlns:p14="http://schemas.microsoft.com/office/powerpoint/2010/main" val="310010912"/>
-      </p:ext>
-    </p:extLst>
-  </p:cSld>
-  <p:clrMapOvr>
-    <a:masterClrMapping/>
-  </p:clrMapOvr>
-</p:sld>
-</file>
-
-<file path=ppt/slides/slide18.xml><?xml version="1.0" encoding="utf-8"?>
-<p:sld xmlns:a="http://schemas.openxmlformats.org/drawingml/2006/main" xmlns:r="http://schemas.openxmlformats.org/officeDocument/2006/relationships" xmlns:p="http://schemas.openxmlformats.org/presentationml/2006/main">
-  <p:cSld>
-    <p:spTree>
-      <p:nvGrpSpPr>
-        <p:cNvPr id="1" name=""/>
-        <p:cNvGrpSpPr/>
-        <p:nvPr/>
-      </p:nvGrpSpPr>
-      <p:grpSpPr>
-        <a:xfrm>
-          <a:off x="0" y="0"/>
-          <a:ext cx="0" cy="0"/>
-          <a:chOff x="0" y="0"/>
-          <a:chExt cx="0" cy="0"/>
-        </a:xfrm>
-      </p:grpSpPr>
-      <p:sp>
-        <p:nvSpPr>
-          <p:cNvPr id="2" name="Titre 1">
-            <a:extLst>
-              <a:ext uri="{FF2B5EF4-FFF2-40B4-BE49-F238E27FC236}">
-                <a16:creationId xmlns:a16="http://schemas.microsoft.com/office/drawing/2014/main" id="{D4BD4984-6D5B-4E34-AF13-D8CEC69BC624}"/>
-              </a:ext>
-            </a:extLst>
-          </p:cNvPr>
-          <p:cNvSpPr>
-            <a:spLocks noGrp="1"/>
-          </p:cNvSpPr>
-          <p:nvPr>
-            <p:ph type="title"/>
-          </p:nvPr>
-        </p:nvSpPr>
-        <p:spPr/>
-        <p:txBody>
-          <a:bodyPr/>
-          <a:lstStyle/>
-          <a:p>
-            <a:r>
-              <a:rPr lang="en-US" dirty="0"/>
-              <a:t>Expensive objective functions</a:t>
-            </a:r>
-          </a:p>
-        </p:txBody>
-      </p:sp>
-      <p:sp>
-        <p:nvSpPr>
-          <p:cNvPr id="3" name="Espace réservé du texte 2">
-            <a:extLst>
-              <a:ext uri="{FF2B5EF4-FFF2-40B4-BE49-F238E27FC236}">
-                <a16:creationId xmlns:a16="http://schemas.microsoft.com/office/drawing/2014/main" id="{9B91BC2D-529B-4778-B1CD-85D371E8B264}"/>
-              </a:ext>
-            </a:extLst>
-          </p:cNvPr>
-          <p:cNvSpPr>
-            <a:spLocks noGrp="1"/>
-          </p:cNvSpPr>
-          <p:nvPr>
-            <p:ph type="body" sz="quarter" idx="10"/>
-          </p:nvPr>
-        </p:nvSpPr>
-        <p:spPr/>
-        <p:txBody>
-          <a:bodyPr/>
-          <a:lstStyle/>
-          <a:p>
-            <a:endParaRPr lang="en-US" dirty="0"/>
-          </a:p>
-        </p:txBody>
-      </p:sp>
-      <p:pic>
-        <p:nvPicPr>
-          <p:cNvPr id="7" name="Image 6">
-            <a:extLst>
-              <a:ext uri="{FF2B5EF4-FFF2-40B4-BE49-F238E27FC236}">
-                <a16:creationId xmlns:a16="http://schemas.microsoft.com/office/drawing/2014/main" id="{E71E05D9-AC93-4E2B-988D-88F5368CDBD8}"/>
-              </a:ext>
-            </a:extLst>
-          </p:cNvPr>
-          <p:cNvPicPr>
-            <a:picLocks noChangeAspect="1"/>
-          </p:cNvPicPr>
-          <p:nvPr/>
-        </p:nvPicPr>
-        <p:blipFill rotWithShape="1">
-          <a:blip r:embed="rId2">
-            <a:extLst>
-              <a:ext uri="{28A0092B-C50C-407E-A947-70E740481C1C}">
-                <a14:useLocalDpi xmlns:a14="http://schemas.microsoft.com/office/drawing/2010/main" val="0"/>
-              </a:ext>
-            </a:extLst>
-          </a:blip>
-          <a:srcRect b="51615"/>
-          <a:stretch/>
-        </p:blipFill>
-        <p:spPr>
-          <a:xfrm>
-            <a:off x="1930170" y="1489361"/>
-            <a:ext cx="8331659" cy="4543809"/>
-          </a:xfrm>
-          <a:prstGeom prst="rect">
-            <a:avLst/>
-          </a:prstGeom>
-        </p:spPr>
-      </p:pic>
-    </p:spTree>
-    <p:extLst>
-      <p:ext uri="{BB962C8B-B14F-4D97-AF65-F5344CB8AC3E}">
-        <p14:creationId xmlns:p14="http://schemas.microsoft.com/office/powerpoint/2010/main" val="730267398"/>
-      </p:ext>
-    </p:extLst>
-  </p:cSld>
-  <p:clrMapOvr>
-    <a:masterClrMapping/>
-  </p:clrMapOvr>
-</p:sld>
-</file>
-
 <file path=ppt/slides/slide19.xml><?xml version="1.0" encoding="utf-8"?>
 <p:sld xmlns:a="http://schemas.openxmlformats.org/drawingml/2006/main" xmlns:r="http://schemas.openxmlformats.org/officeDocument/2006/relationships" xmlns:p="http://schemas.openxmlformats.org/presentationml/2006/main">
   <p:cSld>
@@ -6402,7 +6452,7 @@
           <p:cNvPr id="2" name="Titre 1">
             <a:extLst>
               <a:ext uri="{FF2B5EF4-FFF2-40B4-BE49-F238E27FC236}">
-                <a16:creationId xmlns:a16="http://schemas.microsoft.com/office/drawing/2014/main" id="{3E171BF4-A4FE-4031-8318-615937AD148D}"/>
+                <a16:creationId xmlns:a16="http://schemas.microsoft.com/office/drawing/2014/main" id="{3AC48A01-8582-4683-8910-338782A982F8}"/>
               </a:ext>
             </a:extLst>
           </p:cNvPr>
@@ -6420,7 +6470,7 @@
           <a:p>
             <a:r>
               <a:rPr lang="en-US" dirty="0"/>
-              <a:t>Optimizing under incertitude</a:t>
+              <a:t>Expensive objective functions</a:t>
             </a:r>
           </a:p>
         </p:txBody>
@@ -6430,7 +6480,7 @@
           <p:cNvPr id="3" name="Espace réservé du texte 2">
             <a:extLst>
               <a:ext uri="{FF2B5EF4-FFF2-40B4-BE49-F238E27FC236}">
-                <a16:creationId xmlns:a16="http://schemas.microsoft.com/office/drawing/2014/main" id="{249C8535-422F-4BCC-8AB3-54A906D18307}"/>
+                <a16:creationId xmlns:a16="http://schemas.microsoft.com/office/drawing/2014/main" id="{C2AA34FE-2B11-41C7-A339-A4F490F75C90}"/>
               </a:ext>
             </a:extLst>
           </p:cNvPr>
@@ -6448,69 +6498,54 @@
           <a:p>
             <a:r>
               <a:rPr lang="en-US" dirty="0"/>
-              <a:t>Objective function is </a:t>
-            </a:r>
-            <a:r>
-              <a:rPr lang="en-US" i="1" dirty="0"/>
-              <a:t>noisy</a:t>
-            </a:r>
-            <a:r>
-              <a:rPr lang="en-US" dirty="0"/>
-              <a:t> or </a:t>
-            </a:r>
-            <a:r>
-              <a:rPr lang="en-US" i="1" dirty="0"/>
-              <a:t>stochastic</a:t>
+              <a:t>Examples of surrogate models</a:t>
             </a:r>
           </a:p>
           <a:p>
             <a:pPr lvl="1"/>
             <a:r>
               <a:rPr lang="en-US" dirty="0"/>
-              <a:t>Evaluate each candidate solution several times</a:t>
+              <a:t>Classifier (yes/no)</a:t>
             </a:r>
           </a:p>
           <a:p>
             <a:pPr lvl="1"/>
             <a:r>
               <a:rPr lang="en-US" dirty="0"/>
-              <a:t>Obtain a </a:t>
+              <a:t>Regressor trained on samples of your original function</a:t>
+            </a:r>
+          </a:p>
+          <a:p>
+            <a:pPr lvl="1"/>
+            <a:r>
+              <a:rPr lang="en-US" dirty="0"/>
+              <a:t>A physics-based model with less precision</a:t>
+            </a:r>
+          </a:p>
+          <a:p>
+            <a:pPr lvl="1"/>
+            <a:r>
+              <a:rPr lang="en-US" dirty="0"/>
+              <a:t>(ML) Same function, but use only a subset of the samples</a:t>
+            </a:r>
+          </a:p>
+          <a:p>
+            <a:endParaRPr lang="en-US" dirty="0"/>
+          </a:p>
+          <a:p>
+            <a:r>
+              <a:rPr lang="en-US" dirty="0"/>
+              <a:t>However, surrogate models are </a:t>
             </a:r>
             <a:r>
               <a:rPr lang="en-US" b="1" dirty="0"/>
-              <a:t>mean</a:t>
-            </a:r>
-            <a:r>
-              <a:rPr lang="en-US" dirty="0"/>
-              <a:t> and a </a:t>
-            </a:r>
-            <a:r>
-              <a:rPr lang="en-US" b="1" dirty="0"/>
-              <a:t>standard deviation</a:t>
-            </a:r>
-          </a:p>
-          <a:p>
-            <a:pPr lvl="1"/>
-            <a:endParaRPr lang="en-US" b="1" dirty="0"/>
-          </a:p>
-          <a:p>
-            <a:r>
-              <a:rPr lang="en-US" dirty="0"/>
-              <a:t>Compare candidate solutions using </a:t>
-            </a:r>
-            <a:r>
-              <a:rPr lang="en-US" b="1" dirty="0"/>
-              <a:t>statistical tests</a:t>
-            </a:r>
-          </a:p>
-          <a:p>
-            <a:r>
-              <a:rPr lang="en-US" b="1" dirty="0"/>
-              <a:t>Multi-objective</a:t>
-            </a:r>
-            <a:r>
-              <a:rPr lang="en-US" dirty="0"/>
-              <a:t>: add minimization of standard deviation</a:t>
+              <a:t>problem-specific</a:t>
+            </a:r>
+          </a:p>
+          <a:p>
+            <a:r>
+              <a:rPr lang="en-US" dirty="0"/>
+              <a:t>Require domain knowledge and expertise from user</a:t>
             </a:r>
           </a:p>
         </p:txBody>
@@ -6518,7 +6553,7 @@
     </p:spTree>
     <p:extLst>
       <p:ext uri="{BB962C8B-B14F-4D97-AF65-F5344CB8AC3E}">
-        <p14:creationId xmlns:p14="http://schemas.microsoft.com/office/powerpoint/2010/main" val="1720991385"/>
+        <p14:creationId xmlns:p14="http://schemas.microsoft.com/office/powerpoint/2010/main" val="3822660741"/>
       </p:ext>
     </p:extLst>
   </p:cSld>
@@ -6590,6 +6625,12 @@
           <a:p>
             <a:r>
               <a:rPr lang="en-US" dirty="0"/>
+              <a:t>Quality-diversity optimization</a:t>
+            </a:r>
+          </a:p>
+          <a:p>
+            <a:r>
+              <a:rPr lang="en-US" dirty="0"/>
               <a:t>Deceptive objective functions</a:t>
             </a:r>
           </a:p>
@@ -6634,8 +6675,14 @@
           <p:nvPr/>
         </p:nvPicPr>
         <p:blipFill rotWithShape="1">
-          <a:blip r:embed="rId2"/>
-          <a:srcRect l="53394"/>
+          <a:blip r:embed="rId2" cstate="email">
+            <a:extLst>
+              <a:ext uri="{28A0092B-C50C-407E-A947-70E740481C1C}">
+                <a14:useLocalDpi xmlns:a14="http://schemas.microsoft.com/office/drawing/2010/main"/>
+              </a:ext>
+            </a:extLst>
+          </a:blip>
+          <a:srcRect/>
           <a:stretch/>
         </p:blipFill>
         <p:spPr>
@@ -6668,6 +6715,408 @@
 </file>
 
 <file path=ppt/slides/slide20.xml><?xml version="1.0" encoding="utf-8"?>
+<p:sld xmlns:a="http://schemas.openxmlformats.org/drawingml/2006/main" xmlns:r="http://schemas.openxmlformats.org/officeDocument/2006/relationships" xmlns:p="http://schemas.openxmlformats.org/presentationml/2006/main">
+  <p:cSld>
+    <p:spTree>
+      <p:nvGrpSpPr>
+        <p:cNvPr id="1" name=""/>
+        <p:cNvGrpSpPr/>
+        <p:nvPr/>
+      </p:nvGrpSpPr>
+      <p:grpSpPr>
+        <a:xfrm>
+          <a:off x="0" y="0"/>
+          <a:ext cx="0" cy="0"/>
+          <a:chOff x="0" y="0"/>
+          <a:chExt cx="0" cy="0"/>
+        </a:xfrm>
+      </p:grpSpPr>
+      <p:sp>
+        <p:nvSpPr>
+          <p:cNvPr id="2" name="Titre 1">
+            <a:extLst>
+              <a:ext uri="{FF2B5EF4-FFF2-40B4-BE49-F238E27FC236}">
+                <a16:creationId xmlns:a16="http://schemas.microsoft.com/office/drawing/2014/main" id="{0F4C2CCE-B0A2-4FB9-8618-B08F369570FA}"/>
+              </a:ext>
+            </a:extLst>
+          </p:cNvPr>
+          <p:cNvSpPr>
+            <a:spLocks noGrp="1"/>
+          </p:cNvSpPr>
+          <p:nvPr>
+            <p:ph type="title"/>
+          </p:nvPr>
+        </p:nvSpPr>
+        <p:spPr/>
+        <p:txBody>
+          <a:bodyPr/>
+          <a:lstStyle/>
+          <a:p>
+            <a:r>
+              <a:rPr lang="en-US" dirty="0"/>
+              <a:t>Expensive objective functions</a:t>
+            </a:r>
+          </a:p>
+        </p:txBody>
+      </p:sp>
+      <p:sp>
+        <p:nvSpPr>
+          <p:cNvPr id="3" name="Espace réservé du texte 2">
+            <a:extLst>
+              <a:ext uri="{FF2B5EF4-FFF2-40B4-BE49-F238E27FC236}">
+                <a16:creationId xmlns:a16="http://schemas.microsoft.com/office/drawing/2014/main" id="{F72BA12A-5ED5-46A1-A570-840A167447E4}"/>
+              </a:ext>
+            </a:extLst>
+          </p:cNvPr>
+          <p:cNvSpPr>
+            <a:spLocks noGrp="1"/>
+          </p:cNvSpPr>
+          <p:nvPr>
+            <p:ph type="body" sz="quarter" idx="10"/>
+          </p:nvPr>
+        </p:nvSpPr>
+        <p:spPr/>
+        <p:txBody>
+          <a:bodyPr/>
+          <a:lstStyle/>
+          <a:p>
+            <a:r>
+              <a:rPr lang="en-US" dirty="0"/>
+              <a:t>Bayesian optimization</a:t>
+            </a:r>
+          </a:p>
+          <a:p>
+            <a:pPr lvl="1"/>
+            <a:r>
+              <a:rPr lang="en-US" dirty="0"/>
+              <a:t>Use a generic surrogate model, a random function with a prior</a:t>
+            </a:r>
+          </a:p>
+          <a:p>
+            <a:pPr lvl="1"/>
+            <a:r>
+              <a:rPr lang="en-US" dirty="0"/>
+              <a:t>Most common methodology uses kriging with Gaussian processes</a:t>
+            </a:r>
+          </a:p>
+          <a:p>
+            <a:pPr lvl="1"/>
+            <a:r>
+              <a:rPr lang="en-US" dirty="0"/>
+              <a:t>The surrogate model is updated at each evaluation</a:t>
+            </a:r>
+          </a:p>
+          <a:p>
+            <a:pPr lvl="1"/>
+            <a:r>
+              <a:rPr lang="en-US" dirty="0"/>
+              <a:t>Next point explored where surrogate model predicts improvement</a:t>
+            </a:r>
+          </a:p>
+          <a:p>
+            <a:pPr lvl="1"/>
+            <a:endParaRPr lang="en-US" dirty="0"/>
+          </a:p>
+          <a:p>
+            <a:r>
+              <a:rPr lang="en-US" dirty="0"/>
+              <a:t>Gaussian processes also estimate incertitude around a point</a:t>
+            </a:r>
+          </a:p>
+          <a:p>
+            <a:r>
+              <a:rPr lang="en-US" dirty="0"/>
+              <a:t>Sampling the point reduces uncertainty around it</a:t>
+            </a:r>
+          </a:p>
+          <a:p>
+            <a:r>
+              <a:rPr lang="en-US" dirty="0"/>
+              <a:t>De-facto build approximate model of the search space</a:t>
+            </a:r>
+          </a:p>
+        </p:txBody>
+      </p:sp>
+    </p:spTree>
+    <p:extLst>
+      <p:ext uri="{BB962C8B-B14F-4D97-AF65-F5344CB8AC3E}">
+        <p14:creationId xmlns:p14="http://schemas.microsoft.com/office/powerpoint/2010/main" val="310010912"/>
+      </p:ext>
+    </p:extLst>
+  </p:cSld>
+  <p:clrMapOvr>
+    <a:masterClrMapping/>
+  </p:clrMapOvr>
+</p:sld>
+</file>
+
+<file path=ppt/slides/slide21.xml><?xml version="1.0" encoding="utf-8"?>
+<p:sld xmlns:a="http://schemas.openxmlformats.org/drawingml/2006/main" xmlns:r="http://schemas.openxmlformats.org/officeDocument/2006/relationships" xmlns:p="http://schemas.openxmlformats.org/presentationml/2006/main">
+  <p:cSld>
+    <p:spTree>
+      <p:nvGrpSpPr>
+        <p:cNvPr id="1" name=""/>
+        <p:cNvGrpSpPr/>
+        <p:nvPr/>
+      </p:nvGrpSpPr>
+      <p:grpSpPr>
+        <a:xfrm>
+          <a:off x="0" y="0"/>
+          <a:ext cx="0" cy="0"/>
+          <a:chOff x="0" y="0"/>
+          <a:chExt cx="0" cy="0"/>
+        </a:xfrm>
+      </p:grpSpPr>
+      <p:sp>
+        <p:nvSpPr>
+          <p:cNvPr id="2" name="Titre 1">
+            <a:extLst>
+              <a:ext uri="{FF2B5EF4-FFF2-40B4-BE49-F238E27FC236}">
+                <a16:creationId xmlns:a16="http://schemas.microsoft.com/office/drawing/2014/main" id="{D4BD4984-6D5B-4E34-AF13-D8CEC69BC624}"/>
+              </a:ext>
+            </a:extLst>
+          </p:cNvPr>
+          <p:cNvSpPr>
+            <a:spLocks noGrp="1"/>
+          </p:cNvSpPr>
+          <p:nvPr>
+            <p:ph type="title"/>
+          </p:nvPr>
+        </p:nvSpPr>
+        <p:spPr/>
+        <p:txBody>
+          <a:bodyPr/>
+          <a:lstStyle/>
+          <a:p>
+            <a:r>
+              <a:rPr lang="en-US" dirty="0"/>
+              <a:t>Expensive objective functions</a:t>
+            </a:r>
+          </a:p>
+        </p:txBody>
+      </p:sp>
+      <p:sp>
+        <p:nvSpPr>
+          <p:cNvPr id="3" name="Espace réservé du texte 2">
+            <a:extLst>
+              <a:ext uri="{FF2B5EF4-FFF2-40B4-BE49-F238E27FC236}">
+                <a16:creationId xmlns:a16="http://schemas.microsoft.com/office/drawing/2014/main" id="{9B91BC2D-529B-4778-B1CD-85D371E8B264}"/>
+              </a:ext>
+            </a:extLst>
+          </p:cNvPr>
+          <p:cNvSpPr>
+            <a:spLocks noGrp="1"/>
+          </p:cNvSpPr>
+          <p:nvPr>
+            <p:ph type="body" sz="quarter" idx="10"/>
+          </p:nvPr>
+        </p:nvSpPr>
+        <p:spPr/>
+        <p:txBody>
+          <a:bodyPr/>
+          <a:lstStyle/>
+          <a:p>
+            <a:endParaRPr lang="en-US" dirty="0"/>
+          </a:p>
+        </p:txBody>
+      </p:sp>
+      <p:pic>
+        <p:nvPicPr>
+          <p:cNvPr id="7" name="Image 6">
+            <a:extLst>
+              <a:ext uri="{FF2B5EF4-FFF2-40B4-BE49-F238E27FC236}">
+                <a16:creationId xmlns:a16="http://schemas.microsoft.com/office/drawing/2014/main" id="{E71E05D9-AC93-4E2B-988D-88F5368CDBD8}"/>
+              </a:ext>
+            </a:extLst>
+          </p:cNvPr>
+          <p:cNvPicPr>
+            <a:picLocks noChangeAspect="1"/>
+          </p:cNvPicPr>
+          <p:nvPr/>
+        </p:nvPicPr>
+        <p:blipFill rotWithShape="1">
+          <a:blip r:embed="rId2" cstate="email">
+            <a:extLst>
+              <a:ext uri="{28A0092B-C50C-407E-A947-70E740481C1C}">
+                <a14:useLocalDpi xmlns:a14="http://schemas.microsoft.com/office/drawing/2010/main"/>
+              </a:ext>
+            </a:extLst>
+          </a:blip>
+          <a:srcRect b="51615"/>
+          <a:stretch/>
+        </p:blipFill>
+        <p:spPr>
+          <a:xfrm>
+            <a:off x="1930170" y="1489361"/>
+            <a:ext cx="8331659" cy="4543809"/>
+          </a:xfrm>
+          <a:prstGeom prst="rect">
+            <a:avLst/>
+          </a:prstGeom>
+        </p:spPr>
+      </p:pic>
+    </p:spTree>
+    <p:extLst>
+      <p:ext uri="{BB962C8B-B14F-4D97-AF65-F5344CB8AC3E}">
+        <p14:creationId xmlns:p14="http://schemas.microsoft.com/office/powerpoint/2010/main" val="730267398"/>
+      </p:ext>
+    </p:extLst>
+  </p:cSld>
+  <p:clrMapOvr>
+    <a:masterClrMapping/>
+  </p:clrMapOvr>
+</p:sld>
+</file>
+
+<file path=ppt/slides/slide22.xml><?xml version="1.0" encoding="utf-8"?>
+<p:sld xmlns:a="http://schemas.openxmlformats.org/drawingml/2006/main" xmlns:r="http://schemas.openxmlformats.org/officeDocument/2006/relationships" xmlns:p="http://schemas.openxmlformats.org/presentationml/2006/main">
+  <p:cSld>
+    <p:spTree>
+      <p:nvGrpSpPr>
+        <p:cNvPr id="1" name=""/>
+        <p:cNvGrpSpPr/>
+        <p:nvPr/>
+      </p:nvGrpSpPr>
+      <p:grpSpPr>
+        <a:xfrm>
+          <a:off x="0" y="0"/>
+          <a:ext cx="0" cy="0"/>
+          <a:chOff x="0" y="0"/>
+          <a:chExt cx="0" cy="0"/>
+        </a:xfrm>
+      </p:grpSpPr>
+      <p:sp>
+        <p:nvSpPr>
+          <p:cNvPr id="2" name="Titre 1">
+            <a:extLst>
+              <a:ext uri="{FF2B5EF4-FFF2-40B4-BE49-F238E27FC236}">
+                <a16:creationId xmlns:a16="http://schemas.microsoft.com/office/drawing/2014/main" id="{3E171BF4-A4FE-4031-8318-615937AD148D}"/>
+              </a:ext>
+            </a:extLst>
+          </p:cNvPr>
+          <p:cNvSpPr>
+            <a:spLocks noGrp="1"/>
+          </p:cNvSpPr>
+          <p:nvPr>
+            <p:ph type="title"/>
+          </p:nvPr>
+        </p:nvSpPr>
+        <p:spPr/>
+        <p:txBody>
+          <a:bodyPr/>
+          <a:lstStyle/>
+          <a:p>
+            <a:r>
+              <a:rPr lang="en-US" dirty="0"/>
+              <a:t>Optimizing under incertitude</a:t>
+            </a:r>
+          </a:p>
+        </p:txBody>
+      </p:sp>
+      <p:sp>
+        <p:nvSpPr>
+          <p:cNvPr id="3" name="Espace réservé du texte 2">
+            <a:extLst>
+              <a:ext uri="{FF2B5EF4-FFF2-40B4-BE49-F238E27FC236}">
+                <a16:creationId xmlns:a16="http://schemas.microsoft.com/office/drawing/2014/main" id="{249C8535-422F-4BCC-8AB3-54A906D18307}"/>
+              </a:ext>
+            </a:extLst>
+          </p:cNvPr>
+          <p:cNvSpPr>
+            <a:spLocks noGrp="1"/>
+          </p:cNvSpPr>
+          <p:nvPr>
+            <p:ph type="body" sz="quarter" idx="10"/>
+          </p:nvPr>
+        </p:nvSpPr>
+        <p:spPr/>
+        <p:txBody>
+          <a:bodyPr/>
+          <a:lstStyle/>
+          <a:p>
+            <a:r>
+              <a:rPr lang="en-US" dirty="0"/>
+              <a:t>Objective function is </a:t>
+            </a:r>
+            <a:r>
+              <a:rPr lang="en-US" i="1" dirty="0"/>
+              <a:t>noisy</a:t>
+            </a:r>
+            <a:r>
+              <a:rPr lang="en-US" dirty="0"/>
+              <a:t> or </a:t>
+            </a:r>
+            <a:r>
+              <a:rPr lang="en-US" i="1" dirty="0"/>
+              <a:t>stochastic</a:t>
+            </a:r>
+          </a:p>
+          <a:p>
+            <a:pPr lvl="1"/>
+            <a:r>
+              <a:rPr lang="en-US" dirty="0"/>
+              <a:t>Evaluate each candidate solution several times</a:t>
+            </a:r>
+          </a:p>
+          <a:p>
+            <a:pPr lvl="1"/>
+            <a:r>
+              <a:rPr lang="en-US" dirty="0"/>
+              <a:t>Obtain a </a:t>
+            </a:r>
+            <a:r>
+              <a:rPr lang="en-US" b="1" dirty="0"/>
+              <a:t>mean</a:t>
+            </a:r>
+            <a:r>
+              <a:rPr lang="en-US" dirty="0"/>
+              <a:t> and a </a:t>
+            </a:r>
+            <a:r>
+              <a:rPr lang="en-US" b="1" dirty="0"/>
+              <a:t>standard deviation</a:t>
+            </a:r>
+          </a:p>
+          <a:p>
+            <a:pPr lvl="1"/>
+            <a:endParaRPr lang="en-US" b="1" dirty="0"/>
+          </a:p>
+          <a:p>
+            <a:r>
+              <a:rPr lang="en-US" dirty="0"/>
+              <a:t>Compare candidate solutions using </a:t>
+            </a:r>
+            <a:r>
+              <a:rPr lang="en-US" b="1" dirty="0"/>
+              <a:t>statistical tests</a:t>
+            </a:r>
+          </a:p>
+          <a:p>
+            <a:r>
+              <a:rPr lang="en-US" b="1" dirty="0"/>
+              <a:t>Multi-objective</a:t>
+            </a:r>
+            <a:r>
+              <a:rPr lang="en-US" dirty="0"/>
+              <a:t>: add minimization of standard deviation</a:t>
+            </a:r>
+          </a:p>
+        </p:txBody>
+      </p:sp>
+    </p:spTree>
+    <p:extLst>
+      <p:ext uri="{BB962C8B-B14F-4D97-AF65-F5344CB8AC3E}">
+        <p14:creationId xmlns:p14="http://schemas.microsoft.com/office/powerpoint/2010/main" val="1720991385"/>
+      </p:ext>
+    </p:extLst>
+  </p:cSld>
+  <p:clrMapOvr>
+    <a:masterClrMapping/>
+  </p:clrMapOvr>
+</p:sld>
+</file>
+
+<file path=ppt/slides/slide23.xml><?xml version="1.0" encoding="utf-8"?>
 <p:sld xmlns:a="http://schemas.openxmlformats.org/drawingml/2006/main" xmlns:r="http://schemas.openxmlformats.org/officeDocument/2006/relationships" xmlns:p="http://schemas.openxmlformats.org/presentationml/2006/main">
   <p:cSld>
     <p:spTree>
@@ -6900,7 +7349,7 @@
 </p:sld>
 </file>
 
-<file path=ppt/slides/slide21.xml><?xml version="1.0" encoding="utf-8"?>
+<file path=ppt/slides/slide24.xml><?xml version="1.0" encoding="utf-8"?>
 <p:sld xmlns:a="http://schemas.openxmlformats.org/drawingml/2006/main" xmlns:r="http://schemas.openxmlformats.org/officeDocument/2006/relationships" xmlns:p="http://schemas.openxmlformats.org/presentationml/2006/main">
   <p:cSld>
     <p:spTree>
@@ -7064,6 +7513,29 @@
               <a:rPr lang="en-US" sz="1600" dirty="0"/>
               <a:t>, 2003</a:t>
             </a:r>
+            <a:br>
+              <a:rPr lang="en-US" sz="1600" dirty="0"/>
+            </a:br>
+            <a:r>
+              <a:rPr lang="en-US" sz="1600" dirty="0"/>
+              <a:t>- </a:t>
+            </a:r>
+            <a:r>
+              <a:rPr lang="en-US" sz="1600" dirty="0" err="1"/>
+              <a:t>Mouret</a:t>
+            </a:r>
+            <a:r>
+              <a:rPr lang="en-US" sz="1600" dirty="0"/>
+              <a:t> &amp; Clune. </a:t>
+            </a:r>
+            <a:r>
+              <a:rPr lang="en-US" sz="1600" i="1" dirty="0"/>
+              <a:t>Illuminating search spaces by mapping elites</a:t>
+            </a:r>
+            <a:r>
+              <a:rPr lang="en-US" sz="1600" dirty="0"/>
+              <a:t>, 2015.</a:t>
+            </a:r>
           </a:p>
           <a:p>
             <a:r>
@@ -7088,23 +7560,23 @@
           <p:nvPr/>
         </p:nvPicPr>
         <p:blipFill rotWithShape="1">
-          <a:blip r:embed="rId2">
+          <a:blip r:embed="rId2" cstate="email">
             <a:extLst>
               <a:ext uri="{BEBA8EAE-BF5A-486C-A8C5-ECC9F3942E4B}">
                 <a14:imgProps xmlns:a14="http://schemas.microsoft.com/office/drawing/2010/main">
                   <a14:imgLayer r:embed="rId3">
                     <a14:imgEffect>
-                      <a14:backgroundRemoval t="22283" b="75673" l="54554" r="90983"/>
+                      <a14:backgroundRemoval t="9589" b="89041" l="9859" r="89671"/>
                     </a14:imgEffect>
                   </a14:imgLayer>
                 </a14:imgProps>
               </a:ext>
               <a:ext uri="{28A0092B-C50C-407E-A947-70E740481C1C}">
-                <a14:useLocalDpi xmlns:a14="http://schemas.microsoft.com/office/drawing/2010/main" val="0"/>
+                <a14:useLocalDpi xmlns:a14="http://schemas.microsoft.com/office/drawing/2010/main"/>
               </a:ext>
             </a:extLst>
           </a:blip>
-          <a:srcRect l="50000" t="15610" r="4463" b="17653"/>
+          <a:srcRect/>
           <a:stretch/>
         </p:blipFill>
         <p:spPr bwMode="auto">
@@ -7142,7 +7614,13 @@
           <p:nvPr/>
         </p:nvPicPr>
         <p:blipFill>
-          <a:blip r:embed="rId4"/>
+          <a:blip r:embed="rId4" cstate="email">
+            <a:extLst>
+              <a:ext uri="{28A0092B-C50C-407E-A947-70E740481C1C}">
+                <a14:useLocalDpi xmlns:a14="http://schemas.microsoft.com/office/drawing/2010/main"/>
+              </a:ext>
+            </a:extLst>
+          </a:blip>
           <a:stretch>
             <a:fillRect/>
           </a:stretch>
@@ -7403,10 +7881,10 @@
           <p:nvPr/>
         </p:nvPicPr>
         <p:blipFill>
-          <a:blip r:embed="rId2">
+          <a:blip r:embed="rId2" cstate="email">
             <a:extLst>
               <a:ext uri="{28A0092B-C50C-407E-A947-70E740481C1C}">
-                <a14:useLocalDpi xmlns:a14="http://schemas.microsoft.com/office/drawing/2010/main" val="0"/>
+                <a14:useLocalDpi xmlns:a14="http://schemas.microsoft.com/office/drawing/2010/main"/>
               </a:ext>
             </a:extLst>
           </a:blip>
@@ -7681,7 +8159,13 @@
           <p:nvPr/>
         </p:nvPicPr>
         <p:blipFill>
-          <a:blip r:embed="rId2"/>
+          <a:blip r:embed="rId2" cstate="email">
+            <a:extLst>
+              <a:ext uri="{28A0092B-C50C-407E-A947-70E740481C1C}">
+                <a14:useLocalDpi xmlns:a14="http://schemas.microsoft.com/office/drawing/2010/main"/>
+              </a:ext>
+            </a:extLst>
+          </a:blip>
           <a:stretch>
             <a:fillRect/>
           </a:stretch>
@@ -7711,7 +8195,13 @@
           <p:nvPr/>
         </p:nvPicPr>
         <p:blipFill>
-          <a:blip r:embed="rId3"/>
+          <a:blip r:embed="rId3" cstate="email">
+            <a:extLst>
+              <a:ext uri="{28A0092B-C50C-407E-A947-70E740481C1C}">
+                <a14:useLocalDpi xmlns:a14="http://schemas.microsoft.com/office/drawing/2010/main"/>
+              </a:ext>
+            </a:extLst>
+          </a:blip>
           <a:stretch>
             <a:fillRect/>
           </a:stretch>
@@ -8052,7 +8542,7 @@
           <p:cNvPr id="2" name="Titre 1">
             <a:extLst>
               <a:ext uri="{FF2B5EF4-FFF2-40B4-BE49-F238E27FC236}">
-                <a16:creationId xmlns:a16="http://schemas.microsoft.com/office/drawing/2014/main" id="{F1B49ACA-6ADA-461F-B3D1-67BF805353FE}"/>
+                <a16:creationId xmlns:a16="http://schemas.microsoft.com/office/drawing/2014/main" id="{594C2DD6-417E-4984-B1CF-EFFBD82BABED}"/>
               </a:ext>
             </a:extLst>
           </p:cNvPr>
@@ -8070,7 +8560,7 @@
           <a:p>
             <a:r>
               <a:rPr lang="en-US" dirty="0"/>
-              <a:t>Deceptive objective functions</a:t>
+              <a:t>Quality-diversity optimization</a:t>
             </a:r>
           </a:p>
         </p:txBody>
@@ -8080,7 +8570,7 @@
           <p:cNvPr id="3" name="Espace réservé du texte 2">
             <a:extLst>
               <a:ext uri="{FF2B5EF4-FFF2-40B4-BE49-F238E27FC236}">
-                <a16:creationId xmlns:a16="http://schemas.microsoft.com/office/drawing/2014/main" id="{99C24590-6293-46B0-96B6-ACD265C18134}"/>
+                <a16:creationId xmlns:a16="http://schemas.microsoft.com/office/drawing/2014/main" id="{EC257FA7-80A7-43D4-9EA1-F0155320B773}"/>
               </a:ext>
             </a:extLst>
           </p:cNvPr>
@@ -8098,27 +8588,51 @@
           <a:p>
             <a:r>
               <a:rPr lang="en-US" dirty="0"/>
-              <a:t>Feedback from the objective function is </a:t>
+              <a:t>Recent trend (&gt;2015)</a:t>
+            </a:r>
+          </a:p>
+          <a:p>
+            <a:pPr lvl="1"/>
+            <a:r>
+              <a:rPr lang="en-US" dirty="0"/>
+              <a:t>Objective is finding set of </a:t>
+            </a:r>
+            <a:r>
+              <a:rPr lang="en-US" b="1" dirty="0"/>
+              <a:t>high-performing</a:t>
+            </a:r>
+            <a:r>
+              <a:rPr lang="en-US" dirty="0"/>
+              <a:t> and </a:t>
+            </a:r>
+            <a:r>
+              <a:rPr lang="en-US" b="1" dirty="0"/>
+              <a:t>diverse</a:t>
+            </a:r>
+            <a:r>
+              <a:rPr lang="en-US" dirty="0"/>
+              <a:t> solutions</a:t>
+            </a:r>
+          </a:p>
+          <a:p>
+            <a:pPr lvl="1"/>
+            <a:r>
+              <a:rPr lang="en-US" dirty="0"/>
+              <a:t>Diversity is problem-specific, called </a:t>
             </a:r>
             <a:r>
               <a:rPr lang="en-US" i="1" dirty="0"/>
-              <a:t>deceptive</a:t>
+              <a:t>behavior</a:t>
+            </a:r>
+            <a:r>
+              <a:rPr lang="en-US" dirty="0"/>
+              <a:t> or </a:t>
+            </a:r>
+            <a:r>
+              <a:rPr lang="en-US" i="1" dirty="0"/>
+              <a:t>feature space</a:t>
             </a:r>
             <a:endParaRPr lang="en-US" dirty="0"/>
-          </a:p>
-          <a:p>
-            <a:pPr lvl="1"/>
-            <a:r>
-              <a:rPr lang="en-US" dirty="0"/>
-              <a:t>Following feedback leads away from global optimum</a:t>
-            </a:r>
-          </a:p>
-          <a:p>
-            <a:pPr lvl="1"/>
-            <a:r>
-              <a:rPr lang="en-US" dirty="0"/>
-              <a:t>Strong local optima surrounding the global one</a:t>
-            </a:r>
           </a:p>
         </p:txBody>
       </p:sp>
@@ -8127,7 +8641,7 @@
           <p:cNvPr id="5" name="Image 4">
             <a:extLst>
               <a:ext uri="{FF2B5EF4-FFF2-40B4-BE49-F238E27FC236}">
-                <a16:creationId xmlns:a16="http://schemas.microsoft.com/office/drawing/2014/main" id="{F051BF98-7BAF-4A37-A657-6641FDEB706B}"/>
+                <a16:creationId xmlns:a16="http://schemas.microsoft.com/office/drawing/2014/main" id="{A0589747-A309-44EA-8C10-A97E75B9E904}"/>
               </a:ext>
             </a:extLst>
           </p:cNvPr>
@@ -8137,72 +8651,90 @@
           <p:nvPr/>
         </p:nvPicPr>
         <p:blipFill>
-          <a:blip r:embed="rId2"/>
+          <a:blip r:embed="rId2" cstate="email">
+            <a:extLst>
+              <a:ext uri="{28A0092B-C50C-407E-A947-70E740481C1C}">
+                <a14:useLocalDpi xmlns:a14="http://schemas.microsoft.com/office/drawing/2010/main"/>
+              </a:ext>
+            </a:extLst>
+          </a:blip>
           <a:stretch>
             <a:fillRect/>
           </a:stretch>
         </p:blipFill>
         <p:spPr>
           <a:xfrm>
-            <a:off x="5085107" y="3329949"/>
-            <a:ext cx="6115904" cy="2391109"/>
+            <a:off x="0" y="2917150"/>
+            <a:ext cx="12192000" cy="2965622"/>
           </a:xfrm>
           <a:prstGeom prst="rect">
             <a:avLst/>
           </a:prstGeom>
         </p:spPr>
       </p:pic>
-      <p:pic>
-        <p:nvPicPr>
-          <p:cNvPr id="6" name="Picture 2" descr="N-D Test Functions D — AMPGO 0.1.0 documentation">
-            <a:extLst>
-              <a:ext uri="{FF2B5EF4-FFF2-40B4-BE49-F238E27FC236}">
-                <a16:creationId xmlns:a16="http://schemas.microsoft.com/office/drawing/2014/main" id="{2323F80B-DAF3-400D-88D9-3D65604F557D}"/>
-              </a:ext>
-            </a:extLst>
-          </p:cNvPr>
-          <p:cNvPicPr>
-            <a:picLocks noChangeAspect="1" noChangeArrowheads="1"/>
-          </p:cNvPicPr>
+      <p:sp>
+        <p:nvSpPr>
+          <p:cNvPr id="6" name="Rectangle 5">
+            <a:extLst>
+              <a:ext uri="{FF2B5EF4-FFF2-40B4-BE49-F238E27FC236}">
+                <a16:creationId xmlns:a16="http://schemas.microsoft.com/office/drawing/2014/main" id="{6845DC0E-5865-44B2-BBBF-E32465CA40B5}"/>
+              </a:ext>
+            </a:extLst>
+          </p:cNvPr>
+          <p:cNvSpPr/>
           <p:nvPr/>
-        </p:nvPicPr>
-        <p:blipFill>
-          <a:blip r:embed="rId3">
-            <a:extLst>
-              <a:ext uri="{28A0092B-C50C-407E-A947-70E740481C1C}">
-                <a14:useLocalDpi xmlns:a14="http://schemas.microsoft.com/office/drawing/2010/main" val="0"/>
-              </a:ext>
-            </a:extLst>
-          </a:blip>
-          <a:srcRect/>
-          <a:stretch>
-            <a:fillRect/>
-          </a:stretch>
-        </p:blipFill>
-        <p:spPr bwMode="auto">
+        </p:nvSpPr>
+        <p:spPr>
           <a:xfrm>
-            <a:off x="615752" y="3026004"/>
-            <a:ext cx="3822699" cy="2867024"/>
+            <a:off x="2187019" y="5810382"/>
+            <a:ext cx="9841585" cy="478573"/>
           </a:xfrm>
           <a:prstGeom prst="rect">
             <a:avLst/>
           </a:prstGeom>
-          <a:noFill/>
-          <a:extLst>
-            <a:ext uri="{909E8E84-426E-40DD-AFC4-6F175D3DCCD1}">
-              <a14:hiddenFill xmlns:a14="http://schemas.microsoft.com/office/drawing/2010/main">
-                <a:solidFill>
-                  <a:srgbClr val="FFFFFF"/>
-                </a:solidFill>
-              </a14:hiddenFill>
-            </a:ext>
-          </a:extLst>
         </p:spPr>
-      </p:pic>
+        <p:style>
+          <a:lnRef idx="2">
+            <a:schemeClr val="dk1"/>
+          </a:lnRef>
+          <a:fillRef idx="1">
+            <a:schemeClr val="lt1"/>
+          </a:fillRef>
+          <a:effectRef idx="0">
+            <a:schemeClr val="dk1"/>
+          </a:effectRef>
+          <a:fontRef idx="minor">
+            <a:schemeClr val="dk1"/>
+          </a:fontRef>
+        </p:style>
+        <p:txBody>
+          <a:bodyPr rtlCol="0" anchor="ctr"/>
+          <a:lstStyle/>
+          <a:p>
+            <a:pPr algn="ctr"/>
+            <a:r>
+              <a:rPr lang="en-US" dirty="0" err="1"/>
+              <a:t>Chatzilygeroudis</a:t>
+            </a:r>
+            <a:r>
+              <a:rPr lang="en-US" dirty="0"/>
+              <a:t> et al., </a:t>
+            </a:r>
+            <a:r>
+              <a:rPr lang="en-US" i="1" dirty="0"/>
+              <a:t>Quality-Diversity Optimization: a novel branch of stochastic optimization</a:t>
+            </a:r>
+            <a:r>
+              <a:rPr lang="en-US" dirty="0"/>
+              <a:t>, 2020</a:t>
+            </a:r>
+          </a:p>
+        </p:txBody>
+      </p:sp>
     </p:spTree>
     <p:extLst>
       <p:ext uri="{BB962C8B-B14F-4D97-AF65-F5344CB8AC3E}">
-        <p14:creationId xmlns:p14="http://schemas.microsoft.com/office/powerpoint/2010/main" val="3330422493"/>
+        <p14:creationId xmlns:p14="http://schemas.microsoft.com/office/powerpoint/2010/main" val="1461649282"/>
       </p:ext>
     </p:extLst>
   </p:cSld>
@@ -8234,7 +8766,7 @@
           <p:cNvPr id="2" name="Titre 1">
             <a:extLst>
               <a:ext uri="{FF2B5EF4-FFF2-40B4-BE49-F238E27FC236}">
-                <a16:creationId xmlns:a16="http://schemas.microsoft.com/office/drawing/2014/main" id="{F1B49ACA-6ADA-461F-B3D1-67BF805353FE}"/>
+                <a16:creationId xmlns:a16="http://schemas.microsoft.com/office/drawing/2014/main" id="{81295D0A-F7BF-4811-A096-5D082386F6CA}"/>
               </a:ext>
             </a:extLst>
           </p:cNvPr>
@@ -8252,7 +8784,7 @@
           <a:p>
             <a:r>
               <a:rPr lang="en-US" dirty="0"/>
-              <a:t>Deceptive objective functions</a:t>
+              <a:t>Quality-diversity optimization</a:t>
             </a:r>
           </a:p>
         </p:txBody>
@@ -8262,7 +8794,7 @@
           <p:cNvPr id="3" name="Espace réservé du texte 2">
             <a:extLst>
               <a:ext uri="{FF2B5EF4-FFF2-40B4-BE49-F238E27FC236}">
-                <a16:creationId xmlns:a16="http://schemas.microsoft.com/office/drawing/2014/main" id="{99C24590-6293-46B0-96B6-ACD265C18134}"/>
+                <a16:creationId xmlns:a16="http://schemas.microsoft.com/office/drawing/2014/main" id="{E6DE86FF-7383-4C88-9C7F-E7244FB7E85E}"/>
               </a:ext>
             </a:extLst>
           </p:cNvPr>
@@ -8280,48 +8812,39 @@
           <a:p>
             <a:r>
               <a:rPr lang="en-US" dirty="0"/>
-              <a:t>Solution (?): Novelty Search</a:t>
+              <a:t>Multidimensional Archive of Phenotypic Elites (MAP-Elites)</a:t>
             </a:r>
           </a:p>
           <a:p>
             <a:pPr lvl="1"/>
             <a:r>
               <a:rPr lang="en-US" dirty="0"/>
-              <a:t>Ignore feedback from the objective function</a:t>
+              <a:t>Stochastic optimization (EA)</a:t>
             </a:r>
           </a:p>
           <a:p>
             <a:pPr lvl="1"/>
             <a:r>
               <a:rPr lang="en-US" dirty="0"/>
-              <a:t>Evaluate candidate solutions based on diversity</a:t>
+              <a:t>Solutions are not selected just on objective function value</a:t>
             </a:r>
           </a:p>
           <a:p>
             <a:pPr lvl="1"/>
             <a:r>
               <a:rPr lang="en-US" dirty="0"/>
-              <a:t>Keep archive of solutions, search near solutions that are “novel”</a:t>
+              <a:t>Keep best-performing solutions in cells of </a:t>
+            </a:r>
+            <a:r>
+              <a:rPr lang="en-US" i="1" dirty="0"/>
+              <a:t>behavior/feature space</a:t>
             </a:r>
           </a:p>
           <a:p>
             <a:pPr lvl="1"/>
             <a:r>
               <a:rPr lang="en-US" dirty="0"/>
-              <a:t>Measure novelty: problem-dependent</a:t>
-            </a:r>
-          </a:p>
-          <a:p>
-            <a:pPr lvl="1"/>
-            <a:r>
-              <a:rPr lang="en-US" dirty="0"/>
-              <a:t>Example: Average distance from k nearest neighbors</a:t>
-            </a:r>
-          </a:p>
-          <a:p>
-            <a:r>
-              <a:rPr lang="en-US" dirty="0"/>
-              <a:t>Value of the objective function used to stop</a:t>
+              <a:t>Cells are part of a grid that is user-defined</a:t>
             </a:r>
           </a:p>
         </p:txBody>
@@ -8329,7 +8852,7 @@
     </p:spTree>
     <p:extLst>
       <p:ext uri="{BB962C8B-B14F-4D97-AF65-F5344CB8AC3E}">
-        <p14:creationId xmlns:p14="http://schemas.microsoft.com/office/powerpoint/2010/main" val="3269960673"/>
+        <p14:creationId xmlns:p14="http://schemas.microsoft.com/office/powerpoint/2010/main" val="1923139496"/>
       </p:ext>
     </p:extLst>
   </p:cSld>
@@ -8361,7 +8884,7 @@
           <p:cNvPr id="2" name="Titre 1">
             <a:extLst>
               <a:ext uri="{FF2B5EF4-FFF2-40B4-BE49-F238E27FC236}">
-                <a16:creationId xmlns:a16="http://schemas.microsoft.com/office/drawing/2014/main" id="{F1B49ACA-6ADA-461F-B3D1-67BF805353FE}"/>
+                <a16:creationId xmlns:a16="http://schemas.microsoft.com/office/drawing/2014/main" id="{C47125F9-51CF-44D0-855B-4A5F7FF54644}"/>
               </a:ext>
             </a:extLst>
           </p:cNvPr>
@@ -8379,7 +8902,7 @@
           <a:p>
             <a:r>
               <a:rPr lang="en-US" dirty="0"/>
-              <a:t>Deceptive objective functions</a:t>
+              <a:t>Example: evolving soft robots</a:t>
             </a:r>
           </a:p>
         </p:txBody>
@@ -8389,7 +8912,7 @@
           <p:cNvPr id="3" name="Espace réservé du texte 2">
             <a:extLst>
               <a:ext uri="{FF2B5EF4-FFF2-40B4-BE49-F238E27FC236}">
-                <a16:creationId xmlns:a16="http://schemas.microsoft.com/office/drawing/2014/main" id="{99C24590-6293-46B0-96B6-ACD265C18134}"/>
+                <a16:creationId xmlns:a16="http://schemas.microsoft.com/office/drawing/2014/main" id="{82A78E71-F438-44CB-B3D4-4CEE947B8C26}"/>
               </a:ext>
             </a:extLst>
           </p:cNvPr>
@@ -8405,7 +8928,7 @@
           <a:bodyPr/>
           <a:lstStyle/>
           <a:p>
-            <a:endParaRPr lang="en-US" dirty="0"/>
+            <a:endParaRPr lang="en-US"/>
           </a:p>
         </p:txBody>
       </p:sp>
@@ -8414,7 +8937,7 @@
           <p:cNvPr id="5" name="Image 4">
             <a:extLst>
               <a:ext uri="{FF2B5EF4-FFF2-40B4-BE49-F238E27FC236}">
-                <a16:creationId xmlns:a16="http://schemas.microsoft.com/office/drawing/2014/main" id="{9F29AEE9-60A3-44AA-AF51-549CC47A7558}"/>
+                <a16:creationId xmlns:a16="http://schemas.microsoft.com/office/drawing/2014/main" id="{941F3C0F-0F69-45FA-A252-33F428AAC178}"/>
               </a:ext>
             </a:extLst>
           </p:cNvPr>
@@ -8424,15 +8947,93 @@
           <p:nvPr/>
         </p:nvPicPr>
         <p:blipFill>
-          <a:blip r:embed="rId2"/>
+          <a:blip r:embed="rId2" cstate="email">
+            <a:extLst>
+              <a:ext uri="{28A0092B-C50C-407E-A947-70E740481C1C}">
+                <a14:useLocalDpi xmlns:a14="http://schemas.microsoft.com/office/drawing/2010/main"/>
+              </a:ext>
+            </a:extLst>
+          </a:blip>
           <a:stretch>
             <a:fillRect/>
           </a:stretch>
         </p:blipFill>
         <p:spPr>
           <a:xfrm>
-            <a:off x="2925805" y="1509361"/>
-            <a:ext cx="6340389" cy="4503810"/>
+            <a:off x="4468715" y="1423358"/>
+            <a:ext cx="7627908" cy="5434642"/>
+          </a:xfrm>
+          <a:prstGeom prst="rect">
+            <a:avLst/>
+          </a:prstGeom>
+        </p:spPr>
+      </p:pic>
+      <p:pic>
+        <p:nvPicPr>
+          <p:cNvPr id="7" name="Image 6">
+            <a:extLst>
+              <a:ext uri="{FF2B5EF4-FFF2-40B4-BE49-F238E27FC236}">
+                <a16:creationId xmlns:a16="http://schemas.microsoft.com/office/drawing/2014/main" id="{5C6B99CC-02BD-44AF-B524-D6E74BE31114}"/>
+              </a:ext>
+            </a:extLst>
+          </p:cNvPr>
+          <p:cNvPicPr>
+            <a:picLocks noChangeAspect="1"/>
+          </p:cNvPicPr>
+          <p:nvPr/>
+        </p:nvPicPr>
+        <p:blipFill>
+          <a:blip r:embed="rId3" cstate="email">
+            <a:extLst>
+              <a:ext uri="{28A0092B-C50C-407E-A947-70E740481C1C}">
+                <a14:useLocalDpi xmlns:a14="http://schemas.microsoft.com/office/drawing/2010/main"/>
+              </a:ext>
+            </a:extLst>
+          </a:blip>
+          <a:stretch>
+            <a:fillRect/>
+          </a:stretch>
+        </p:blipFill>
+        <p:spPr>
+          <a:xfrm>
+            <a:off x="838200" y="1460530"/>
+            <a:ext cx="2517000" cy="2218279"/>
+          </a:xfrm>
+          <a:prstGeom prst="rect">
+            <a:avLst/>
+          </a:prstGeom>
+        </p:spPr>
+      </p:pic>
+      <p:pic>
+        <p:nvPicPr>
+          <p:cNvPr id="9" name="Image 8">
+            <a:extLst>
+              <a:ext uri="{FF2B5EF4-FFF2-40B4-BE49-F238E27FC236}">
+                <a16:creationId xmlns:a16="http://schemas.microsoft.com/office/drawing/2014/main" id="{9F076579-BE16-4F9D-AA35-8A263F196AF2}"/>
+              </a:ext>
+            </a:extLst>
+          </p:cNvPr>
+          <p:cNvPicPr>
+            <a:picLocks noChangeAspect="1"/>
+          </p:cNvPicPr>
+          <p:nvPr/>
+        </p:nvPicPr>
+        <p:blipFill>
+          <a:blip r:embed="rId4" cstate="email">
+            <a:extLst>
+              <a:ext uri="{28A0092B-C50C-407E-A947-70E740481C1C}">
+                <a14:useLocalDpi xmlns:a14="http://schemas.microsoft.com/office/drawing/2010/main"/>
+              </a:ext>
+            </a:extLst>
+          </a:blip>
+          <a:stretch>
+            <a:fillRect/>
+          </a:stretch>
+        </p:blipFill>
+        <p:spPr>
+          <a:xfrm>
+            <a:off x="792603" y="3678809"/>
+            <a:ext cx="2562597" cy="2276482"/>
           </a:xfrm>
           <a:prstGeom prst="rect">
             <a:avLst/>
@@ -8442,7 +9043,7 @@
     </p:spTree>
     <p:extLst>
       <p:ext uri="{BB962C8B-B14F-4D97-AF65-F5344CB8AC3E}">
-        <p14:creationId xmlns:p14="http://schemas.microsoft.com/office/powerpoint/2010/main" val="2450050827"/>
+        <p14:creationId xmlns:p14="http://schemas.microsoft.com/office/powerpoint/2010/main" val="2722224692"/>
       </p:ext>
     </p:extLst>
   </p:cSld>
